--- a/doc/meilensteine/MS4.pptx
+++ b/doc/meilensteine/MS4.pptx
@@ -4,10 +4,25 @@
   <p:sldMasterIdLst>
     <p:sldMasterId id="2147483648" r:id="rId1"/>
   </p:sldMasterIdLst>
+  <p:notesMasterIdLst>
+    <p:notesMasterId r:id="rId17"/>
+  </p:notesMasterIdLst>
   <p:sldIdLst>
     <p:sldId id="256" r:id="rId2"/>
     <p:sldId id="257" r:id="rId3"/>
     <p:sldId id="258" r:id="rId4"/>
+    <p:sldId id="259" r:id="rId5"/>
+    <p:sldId id="260" r:id="rId6"/>
+    <p:sldId id="265" r:id="rId7"/>
+    <p:sldId id="269" r:id="rId8"/>
+    <p:sldId id="266" r:id="rId9"/>
+    <p:sldId id="267" r:id="rId10"/>
+    <p:sldId id="270" r:id="rId11"/>
+    <p:sldId id="261" r:id="rId12"/>
+    <p:sldId id="262" r:id="rId13"/>
+    <p:sldId id="268" r:id="rId14"/>
+    <p:sldId id="263" r:id="rId15"/>
+    <p:sldId id="264" r:id="rId16"/>
   </p:sldIdLst>
   <p:sldSz cx="12192000" cy="6858000"/>
   <p:notesSz cx="6858000" cy="9144000"/>
@@ -106,7 +121,361 @@
       </a:defRPr>
     </a:lvl9pPr>
   </p:defaultTextStyle>
+  <p:extLst>
+    <p:ext uri="{EFAFB233-063F-42B5-8137-9DF3F51BA10A}">
+      <p15:sldGuideLst xmlns:p15="http://schemas.microsoft.com/office/powerpoint/2012/main"/>
+    </p:ext>
+  </p:extLst>
 </p:presentation>
+</file>
+
+<file path=ppt/notesMasters/notesMaster1.xml><?xml version="1.0" encoding="utf-8"?>
+<p:notesMaster xmlns:a="http://schemas.openxmlformats.org/drawingml/2006/main" xmlns:r="http://schemas.openxmlformats.org/officeDocument/2006/relationships" xmlns:p="http://schemas.openxmlformats.org/presentationml/2006/main">
+  <p:cSld>
+    <p:bg>
+      <p:bgRef idx="1001">
+        <a:schemeClr val="bg1"/>
+      </p:bgRef>
+    </p:bg>
+    <p:spTree>
+      <p:nvGrpSpPr>
+        <p:cNvPr id="1" name=""/>
+        <p:cNvGrpSpPr/>
+        <p:nvPr/>
+      </p:nvGrpSpPr>
+      <p:grpSpPr>
+        <a:xfrm>
+          <a:off x="0" y="0"/>
+          <a:ext cx="0" cy="0"/>
+          <a:chOff x="0" y="0"/>
+          <a:chExt cx="0" cy="0"/>
+        </a:xfrm>
+      </p:grpSpPr>
+      <p:sp>
+        <p:nvSpPr>
+          <p:cNvPr id="2" name="Kopfzeilenplatzhalter 1"/>
+          <p:cNvSpPr>
+            <a:spLocks noGrp="1"/>
+          </p:cNvSpPr>
+          <p:nvPr>
+            <p:ph type="hdr" sz="quarter"/>
+          </p:nvPr>
+        </p:nvSpPr>
+        <p:spPr>
+          <a:xfrm>
+            <a:off x="0" y="0"/>
+            <a:ext cx="2971800" cy="458788"/>
+          </a:xfrm>
+          <a:prstGeom prst="rect">
+            <a:avLst/>
+          </a:prstGeom>
+        </p:spPr>
+        <p:txBody>
+          <a:bodyPr vert="horz" lIns="91440" tIns="45720" rIns="91440" bIns="45720" rtlCol="0"/>
+          <a:lstStyle>
+            <a:lvl1pPr algn="l">
+              <a:defRPr sz="1200"/>
+            </a:lvl1pPr>
+          </a:lstStyle>
+          <a:p>
+            <a:endParaRPr lang="de-DE"/>
+          </a:p>
+        </p:txBody>
+      </p:sp>
+      <p:sp>
+        <p:nvSpPr>
+          <p:cNvPr id="3" name="Datumsplatzhalter 2"/>
+          <p:cNvSpPr>
+            <a:spLocks noGrp="1"/>
+          </p:cNvSpPr>
+          <p:nvPr>
+            <p:ph type="dt" idx="1"/>
+          </p:nvPr>
+        </p:nvSpPr>
+        <p:spPr>
+          <a:xfrm>
+            <a:off x="3884613" y="0"/>
+            <a:ext cx="2971800" cy="458788"/>
+          </a:xfrm>
+          <a:prstGeom prst="rect">
+            <a:avLst/>
+          </a:prstGeom>
+        </p:spPr>
+        <p:txBody>
+          <a:bodyPr vert="horz" lIns="91440" tIns="45720" rIns="91440" bIns="45720" rtlCol="0"/>
+          <a:lstStyle>
+            <a:lvl1pPr algn="r">
+              <a:defRPr sz="1200"/>
+            </a:lvl1pPr>
+          </a:lstStyle>
+          <a:p>
+            <a:fld id="{6A40C5B6-A996-4856-B7EE-1D4FA1E26334}" type="datetimeFigureOut">
+              <a:rPr lang="de-DE" smtClean="0"/>
+              <a:t>26.06.2023</a:t>
+            </a:fld>
+            <a:endParaRPr lang="de-DE"/>
+          </a:p>
+        </p:txBody>
+      </p:sp>
+      <p:sp>
+        <p:nvSpPr>
+          <p:cNvPr id="4" name="Folienbildplatzhalter 3"/>
+          <p:cNvSpPr>
+            <a:spLocks noGrp="1" noRot="1" noChangeAspect="1"/>
+          </p:cNvSpPr>
+          <p:nvPr>
+            <p:ph type="sldImg" idx="2"/>
+          </p:nvPr>
+        </p:nvSpPr>
+        <p:spPr>
+          <a:xfrm>
+            <a:off x="685800" y="1143000"/>
+            <a:ext cx="5486400" cy="3086100"/>
+          </a:xfrm>
+          <a:prstGeom prst="rect">
+            <a:avLst/>
+          </a:prstGeom>
+          <a:noFill/>
+          <a:ln w="12700">
+            <a:solidFill>
+              <a:prstClr val="black"/>
+            </a:solidFill>
+          </a:ln>
+        </p:spPr>
+        <p:txBody>
+          <a:bodyPr vert="horz" lIns="91440" tIns="45720" rIns="91440" bIns="45720" rtlCol="0" anchor="ctr"/>
+          <a:lstStyle/>
+          <a:p>
+            <a:endParaRPr lang="de-DE"/>
+          </a:p>
+        </p:txBody>
+      </p:sp>
+      <p:sp>
+        <p:nvSpPr>
+          <p:cNvPr id="5" name="Notizenplatzhalter 4"/>
+          <p:cNvSpPr>
+            <a:spLocks noGrp="1"/>
+          </p:cNvSpPr>
+          <p:nvPr>
+            <p:ph type="body" sz="quarter" idx="3"/>
+          </p:nvPr>
+        </p:nvSpPr>
+        <p:spPr>
+          <a:xfrm>
+            <a:off x="685800" y="4400550"/>
+            <a:ext cx="5486400" cy="3600450"/>
+          </a:xfrm>
+          <a:prstGeom prst="rect">
+            <a:avLst/>
+          </a:prstGeom>
+        </p:spPr>
+        <p:txBody>
+          <a:bodyPr vert="horz" lIns="91440" tIns="45720" rIns="91440" bIns="45720" rtlCol="0"/>
+          <a:lstStyle/>
+          <a:p>
+            <a:pPr lvl="0"/>
+            <a:r>
+              <a:rPr lang="de-DE"/>
+              <a:t>Mastertextformat bearbeiten</a:t>
+            </a:r>
+          </a:p>
+          <a:p>
+            <a:pPr lvl="1"/>
+            <a:r>
+              <a:rPr lang="de-DE"/>
+              <a:t>Zweite Ebene</a:t>
+            </a:r>
+          </a:p>
+          <a:p>
+            <a:pPr lvl="2"/>
+            <a:r>
+              <a:rPr lang="de-DE"/>
+              <a:t>Dritte Ebene</a:t>
+            </a:r>
+          </a:p>
+          <a:p>
+            <a:pPr lvl="3"/>
+            <a:r>
+              <a:rPr lang="de-DE"/>
+              <a:t>Vierte Ebene</a:t>
+            </a:r>
+          </a:p>
+          <a:p>
+            <a:pPr lvl="4"/>
+            <a:r>
+              <a:rPr lang="de-DE"/>
+              <a:t>Fünfte Ebene</a:t>
+            </a:r>
+          </a:p>
+        </p:txBody>
+      </p:sp>
+      <p:sp>
+        <p:nvSpPr>
+          <p:cNvPr id="6" name="Fußzeilenplatzhalter 5"/>
+          <p:cNvSpPr>
+            <a:spLocks noGrp="1"/>
+          </p:cNvSpPr>
+          <p:nvPr>
+            <p:ph type="ftr" sz="quarter" idx="4"/>
+          </p:nvPr>
+        </p:nvSpPr>
+        <p:spPr>
+          <a:xfrm>
+            <a:off x="0" y="8685213"/>
+            <a:ext cx="2971800" cy="458787"/>
+          </a:xfrm>
+          <a:prstGeom prst="rect">
+            <a:avLst/>
+          </a:prstGeom>
+        </p:spPr>
+        <p:txBody>
+          <a:bodyPr vert="horz" lIns="91440" tIns="45720" rIns="91440" bIns="45720" rtlCol="0" anchor="b"/>
+          <a:lstStyle>
+            <a:lvl1pPr algn="l">
+              <a:defRPr sz="1200"/>
+            </a:lvl1pPr>
+          </a:lstStyle>
+          <a:p>
+            <a:endParaRPr lang="de-DE"/>
+          </a:p>
+        </p:txBody>
+      </p:sp>
+      <p:sp>
+        <p:nvSpPr>
+          <p:cNvPr id="7" name="Foliennummernplatzhalter 6"/>
+          <p:cNvSpPr>
+            <a:spLocks noGrp="1"/>
+          </p:cNvSpPr>
+          <p:nvPr>
+            <p:ph type="sldNum" sz="quarter" idx="5"/>
+          </p:nvPr>
+        </p:nvSpPr>
+        <p:spPr>
+          <a:xfrm>
+            <a:off x="3884613" y="8685213"/>
+            <a:ext cx="2971800" cy="458787"/>
+          </a:xfrm>
+          <a:prstGeom prst="rect">
+            <a:avLst/>
+          </a:prstGeom>
+        </p:spPr>
+        <p:txBody>
+          <a:bodyPr vert="horz" lIns="91440" tIns="45720" rIns="91440" bIns="45720" rtlCol="0" anchor="b"/>
+          <a:lstStyle>
+            <a:lvl1pPr algn="r">
+              <a:defRPr sz="1200"/>
+            </a:lvl1pPr>
+          </a:lstStyle>
+          <a:p>
+            <a:fld id="{297064F3-E3F3-49EF-B05B-58673C69C332}" type="slidenum">
+              <a:rPr lang="de-DE" smtClean="0"/>
+              <a:t>‹Nr.›</a:t>
+            </a:fld>
+            <a:endParaRPr lang="de-DE"/>
+          </a:p>
+        </p:txBody>
+      </p:sp>
+    </p:spTree>
+    <p:extLst>
+      <p:ext uri="{BB962C8B-B14F-4D97-AF65-F5344CB8AC3E}">
+        <p14:creationId xmlns:p14="http://schemas.microsoft.com/office/powerpoint/2010/main" val="802757111"/>
+      </p:ext>
+    </p:extLst>
+  </p:cSld>
+  <p:clrMap bg1="lt1" tx1="dk1" bg2="lt2" tx2="dk2" accent1="accent1" accent2="accent2" accent3="accent3" accent4="accent4" accent5="accent5" accent6="accent6" hlink="hlink" folHlink="folHlink"/>
+  <p:notesStyle>
+    <a:lvl1pPr marL="0" algn="l" defTabSz="914400" rtl="0" eaLnBrk="1" latinLnBrk="0" hangingPunct="1">
+      <a:defRPr sz="1200" kern="1200">
+        <a:solidFill>
+          <a:schemeClr val="tx1"/>
+        </a:solidFill>
+        <a:latin typeface="+mn-lt"/>
+        <a:ea typeface="+mn-ea"/>
+        <a:cs typeface="+mn-cs"/>
+      </a:defRPr>
+    </a:lvl1pPr>
+    <a:lvl2pPr marL="457200" algn="l" defTabSz="914400" rtl="0" eaLnBrk="1" latinLnBrk="0" hangingPunct="1">
+      <a:defRPr sz="1200" kern="1200">
+        <a:solidFill>
+          <a:schemeClr val="tx1"/>
+        </a:solidFill>
+        <a:latin typeface="+mn-lt"/>
+        <a:ea typeface="+mn-ea"/>
+        <a:cs typeface="+mn-cs"/>
+      </a:defRPr>
+    </a:lvl2pPr>
+    <a:lvl3pPr marL="914400" algn="l" defTabSz="914400" rtl="0" eaLnBrk="1" latinLnBrk="0" hangingPunct="1">
+      <a:defRPr sz="1200" kern="1200">
+        <a:solidFill>
+          <a:schemeClr val="tx1"/>
+        </a:solidFill>
+        <a:latin typeface="+mn-lt"/>
+        <a:ea typeface="+mn-ea"/>
+        <a:cs typeface="+mn-cs"/>
+      </a:defRPr>
+    </a:lvl3pPr>
+    <a:lvl4pPr marL="1371600" algn="l" defTabSz="914400" rtl="0" eaLnBrk="1" latinLnBrk="0" hangingPunct="1">
+      <a:defRPr sz="1200" kern="1200">
+        <a:solidFill>
+          <a:schemeClr val="tx1"/>
+        </a:solidFill>
+        <a:latin typeface="+mn-lt"/>
+        <a:ea typeface="+mn-ea"/>
+        <a:cs typeface="+mn-cs"/>
+      </a:defRPr>
+    </a:lvl4pPr>
+    <a:lvl5pPr marL="1828800" algn="l" defTabSz="914400" rtl="0" eaLnBrk="1" latinLnBrk="0" hangingPunct="1">
+      <a:defRPr sz="1200" kern="1200">
+        <a:solidFill>
+          <a:schemeClr val="tx1"/>
+        </a:solidFill>
+        <a:latin typeface="+mn-lt"/>
+        <a:ea typeface="+mn-ea"/>
+        <a:cs typeface="+mn-cs"/>
+      </a:defRPr>
+    </a:lvl5pPr>
+    <a:lvl6pPr marL="2286000" algn="l" defTabSz="914400" rtl="0" eaLnBrk="1" latinLnBrk="0" hangingPunct="1">
+      <a:defRPr sz="1200" kern="1200">
+        <a:solidFill>
+          <a:schemeClr val="tx1"/>
+        </a:solidFill>
+        <a:latin typeface="+mn-lt"/>
+        <a:ea typeface="+mn-ea"/>
+        <a:cs typeface="+mn-cs"/>
+      </a:defRPr>
+    </a:lvl6pPr>
+    <a:lvl7pPr marL="2743200" algn="l" defTabSz="914400" rtl="0" eaLnBrk="1" latinLnBrk="0" hangingPunct="1">
+      <a:defRPr sz="1200" kern="1200">
+        <a:solidFill>
+          <a:schemeClr val="tx1"/>
+        </a:solidFill>
+        <a:latin typeface="+mn-lt"/>
+        <a:ea typeface="+mn-ea"/>
+        <a:cs typeface="+mn-cs"/>
+      </a:defRPr>
+    </a:lvl7pPr>
+    <a:lvl8pPr marL="3200400" algn="l" defTabSz="914400" rtl="0" eaLnBrk="1" latinLnBrk="0" hangingPunct="1">
+      <a:defRPr sz="1200" kern="1200">
+        <a:solidFill>
+          <a:schemeClr val="tx1"/>
+        </a:solidFill>
+        <a:latin typeface="+mn-lt"/>
+        <a:ea typeface="+mn-ea"/>
+        <a:cs typeface="+mn-cs"/>
+      </a:defRPr>
+    </a:lvl8pPr>
+    <a:lvl9pPr marL="3657600" algn="l" defTabSz="914400" rtl="0" eaLnBrk="1" latinLnBrk="0" hangingPunct="1">
+      <a:defRPr sz="1200" kern="1200">
+        <a:solidFill>
+          <a:schemeClr val="tx1"/>
+        </a:solidFill>
+        <a:latin typeface="+mn-lt"/>
+        <a:ea typeface="+mn-ea"/>
+        <a:cs typeface="+mn-cs"/>
+      </a:defRPr>
+    </a:lvl9pPr>
+  </p:notesStyle>
+</p:notesMaster>
 </file>
 
 <file path=ppt/slideLayouts/slideLayout1.xml><?xml version="1.0" encoding="utf-8"?>
@@ -254,9 +623,9 @@
           <a:bodyPr/>
           <a:lstStyle/>
           <a:p>
-            <a:fld id="{CFBCF170-7957-4F11-8502-4783C9150CD6}" type="datetimeFigureOut">
+            <a:fld id="{BEDEE69A-11A3-4434-99A2-BDA696E792E7}" type="datetime1">
               <a:rPr lang="de-DE" smtClean="0"/>
-              <a:t>22.06.2023</a:t>
+              <a:t>26.06.2023</a:t>
             </a:fld>
             <a:endParaRPr lang="de-DE"/>
           </a:p>
@@ -283,7 +652,10 @@
           <a:bodyPr/>
           <a:lstStyle/>
           <a:p>
-            <a:endParaRPr lang="de-DE"/>
+            <a:r>
+              <a:rPr lang="de-DE"/>
+              <a:t>Meilenstein 4</a:t>
+            </a:r>
           </a:p>
         </p:txBody>
       </p:sp>
@@ -452,9 +824,9 @@
           <a:bodyPr/>
           <a:lstStyle/>
           <a:p>
-            <a:fld id="{CFBCF170-7957-4F11-8502-4783C9150CD6}" type="datetimeFigureOut">
+            <a:fld id="{A78DDD15-24DB-4F38-9693-B0195021E653}" type="datetime1">
               <a:rPr lang="de-DE" smtClean="0"/>
-              <a:t>22.06.2023</a:t>
+              <a:t>26.06.2023</a:t>
             </a:fld>
             <a:endParaRPr lang="de-DE"/>
           </a:p>
@@ -481,7 +853,10 @@
           <a:bodyPr/>
           <a:lstStyle/>
           <a:p>
-            <a:endParaRPr lang="de-DE"/>
+            <a:r>
+              <a:rPr lang="de-DE"/>
+              <a:t>Meilenstein 4</a:t>
+            </a:r>
           </a:p>
         </p:txBody>
       </p:sp>
@@ -660,9 +1035,9 @@
           <a:bodyPr/>
           <a:lstStyle/>
           <a:p>
-            <a:fld id="{CFBCF170-7957-4F11-8502-4783C9150CD6}" type="datetimeFigureOut">
+            <a:fld id="{235EB7BB-E15D-4803-9F82-F38BAB114C41}" type="datetime1">
               <a:rPr lang="de-DE" smtClean="0"/>
-              <a:t>22.06.2023</a:t>
+              <a:t>26.06.2023</a:t>
             </a:fld>
             <a:endParaRPr lang="de-DE"/>
           </a:p>
@@ -689,7 +1064,10 @@
           <a:bodyPr/>
           <a:lstStyle/>
           <a:p>
-            <a:endParaRPr lang="de-DE"/>
+            <a:r>
+              <a:rPr lang="de-DE"/>
+              <a:t>Meilenstein 4</a:t>
+            </a:r>
           </a:p>
         </p:txBody>
       </p:sp>
@@ -858,9 +1236,9 @@
           <a:bodyPr/>
           <a:lstStyle/>
           <a:p>
-            <a:fld id="{CFBCF170-7957-4F11-8502-4783C9150CD6}" type="datetimeFigureOut">
+            <a:fld id="{25118A72-986D-48C9-AAC8-AE8DB10EA9EB}" type="datetime1">
               <a:rPr lang="de-DE" smtClean="0"/>
-              <a:t>22.06.2023</a:t>
+              <a:t>26.06.2023</a:t>
             </a:fld>
             <a:endParaRPr lang="de-DE"/>
           </a:p>
@@ -887,7 +1265,10 @@
           <a:bodyPr/>
           <a:lstStyle/>
           <a:p>
-            <a:endParaRPr lang="de-DE"/>
+            <a:r>
+              <a:rPr lang="de-DE"/>
+              <a:t>Meilenstein 4</a:t>
+            </a:r>
           </a:p>
         </p:txBody>
       </p:sp>
@@ -1133,9 +1514,9 @@
           <a:bodyPr/>
           <a:lstStyle/>
           <a:p>
-            <a:fld id="{CFBCF170-7957-4F11-8502-4783C9150CD6}" type="datetimeFigureOut">
+            <a:fld id="{EB361721-384D-41CB-BAE2-6AA7EF6E00CC}" type="datetime1">
               <a:rPr lang="de-DE" smtClean="0"/>
-              <a:t>22.06.2023</a:t>
+              <a:t>26.06.2023</a:t>
             </a:fld>
             <a:endParaRPr lang="de-DE"/>
           </a:p>
@@ -1162,7 +1543,10 @@
           <a:bodyPr/>
           <a:lstStyle/>
           <a:p>
-            <a:endParaRPr lang="de-DE"/>
+            <a:r>
+              <a:rPr lang="de-DE"/>
+              <a:t>Meilenstein 4</a:t>
+            </a:r>
           </a:p>
         </p:txBody>
       </p:sp>
@@ -1398,9 +1782,9 @@
           <a:bodyPr/>
           <a:lstStyle/>
           <a:p>
-            <a:fld id="{CFBCF170-7957-4F11-8502-4783C9150CD6}" type="datetimeFigureOut">
+            <a:fld id="{DA98ED4E-A997-4FA2-B1F3-7252FBE188D3}" type="datetime1">
               <a:rPr lang="de-DE" smtClean="0"/>
-              <a:t>22.06.2023</a:t>
+              <a:t>26.06.2023</a:t>
             </a:fld>
             <a:endParaRPr lang="de-DE"/>
           </a:p>
@@ -1427,7 +1811,10 @@
           <a:bodyPr/>
           <a:lstStyle/>
           <a:p>
-            <a:endParaRPr lang="de-DE"/>
+            <a:r>
+              <a:rPr lang="de-DE"/>
+              <a:t>Meilenstein 4</a:t>
+            </a:r>
           </a:p>
         </p:txBody>
       </p:sp>
@@ -1810,9 +2197,9 @@
           <a:bodyPr/>
           <a:lstStyle/>
           <a:p>
-            <a:fld id="{CFBCF170-7957-4F11-8502-4783C9150CD6}" type="datetimeFigureOut">
+            <a:fld id="{47504D58-6ED8-4386-B94F-58E41518CDFC}" type="datetime1">
               <a:rPr lang="de-DE" smtClean="0"/>
-              <a:t>22.06.2023</a:t>
+              <a:t>26.06.2023</a:t>
             </a:fld>
             <a:endParaRPr lang="de-DE"/>
           </a:p>
@@ -1839,7 +2226,10 @@
           <a:bodyPr/>
           <a:lstStyle/>
           <a:p>
-            <a:endParaRPr lang="de-DE"/>
+            <a:r>
+              <a:rPr lang="de-DE"/>
+              <a:t>Meilenstein 4</a:t>
+            </a:r>
           </a:p>
         </p:txBody>
       </p:sp>
@@ -1951,9 +2341,9 @@
           <a:bodyPr/>
           <a:lstStyle/>
           <a:p>
-            <a:fld id="{CFBCF170-7957-4F11-8502-4783C9150CD6}" type="datetimeFigureOut">
+            <a:fld id="{D64C9777-BEC4-456E-8333-1B28A7A8F10A}" type="datetime1">
               <a:rPr lang="de-DE" smtClean="0"/>
-              <a:t>22.06.2023</a:t>
+              <a:t>26.06.2023</a:t>
             </a:fld>
             <a:endParaRPr lang="de-DE"/>
           </a:p>
@@ -1980,7 +2370,10 @@
           <a:bodyPr/>
           <a:lstStyle/>
           <a:p>
-            <a:endParaRPr lang="de-DE"/>
+            <a:r>
+              <a:rPr lang="de-DE"/>
+              <a:t>Meilenstein 4</a:t>
+            </a:r>
           </a:p>
         </p:txBody>
       </p:sp>
@@ -2064,9 +2457,9 @@
           <a:bodyPr/>
           <a:lstStyle/>
           <a:p>
-            <a:fld id="{CFBCF170-7957-4F11-8502-4783C9150CD6}" type="datetimeFigureOut">
+            <a:fld id="{4D070D1B-4CF7-4CF1-8650-05B5DDF4A98D}" type="datetime1">
               <a:rPr lang="de-DE" smtClean="0"/>
-              <a:t>22.06.2023</a:t>
+              <a:t>26.06.2023</a:t>
             </a:fld>
             <a:endParaRPr lang="de-DE"/>
           </a:p>
@@ -2093,7 +2486,10 @@
           <a:bodyPr/>
           <a:lstStyle/>
           <a:p>
-            <a:endParaRPr lang="de-DE"/>
+            <a:r>
+              <a:rPr lang="de-DE"/>
+              <a:t>Meilenstein 4</a:t>
+            </a:r>
           </a:p>
         </p:txBody>
       </p:sp>
@@ -2375,9 +2771,9 @@
           <a:bodyPr/>
           <a:lstStyle/>
           <a:p>
-            <a:fld id="{CFBCF170-7957-4F11-8502-4783C9150CD6}" type="datetimeFigureOut">
+            <a:fld id="{9606A8FD-1120-47F5-8B84-5DC54FF80FE5}" type="datetime1">
               <a:rPr lang="de-DE" smtClean="0"/>
-              <a:t>22.06.2023</a:t>
+              <a:t>26.06.2023</a:t>
             </a:fld>
             <a:endParaRPr lang="de-DE"/>
           </a:p>
@@ -2404,7 +2800,10 @@
           <a:bodyPr/>
           <a:lstStyle/>
           <a:p>
-            <a:endParaRPr lang="de-DE"/>
+            <a:r>
+              <a:rPr lang="de-DE"/>
+              <a:t>Meilenstein 4</a:t>
+            </a:r>
           </a:p>
         </p:txBody>
       </p:sp>
@@ -2663,9 +3062,9 @@
           <a:bodyPr/>
           <a:lstStyle/>
           <a:p>
-            <a:fld id="{CFBCF170-7957-4F11-8502-4783C9150CD6}" type="datetimeFigureOut">
+            <a:fld id="{D2807168-009F-4A1A-BCE2-D41650D4907C}" type="datetime1">
               <a:rPr lang="de-DE" smtClean="0"/>
-              <a:t>22.06.2023</a:t>
+              <a:t>26.06.2023</a:t>
             </a:fld>
             <a:endParaRPr lang="de-DE"/>
           </a:p>
@@ -2692,7 +3091,10 @@
           <a:bodyPr/>
           <a:lstStyle/>
           <a:p>
-            <a:endParaRPr lang="de-DE"/>
+            <a:r>
+              <a:rPr lang="de-DE"/>
+              <a:t>Meilenstein 4</a:t>
+            </a:r>
           </a:p>
         </p:txBody>
       </p:sp>
@@ -2904,9 +3306,9 @@
             </a:lvl1pPr>
           </a:lstStyle>
           <a:p>
-            <a:fld id="{CFBCF170-7957-4F11-8502-4783C9150CD6}" type="datetimeFigureOut">
+            <a:fld id="{83D790D9-4C3D-4C09-BCD3-FAE5B9A27C86}" type="datetime1">
               <a:rPr lang="de-DE" smtClean="0"/>
-              <a:t>22.06.2023</a:t>
+              <a:t>26.06.2023</a:t>
             </a:fld>
             <a:endParaRPr lang="de-DE"/>
           </a:p>
@@ -2951,7 +3353,10 @@
             </a:lvl1pPr>
           </a:lstStyle>
           <a:p>
-            <a:endParaRPr lang="de-DE"/>
+            <a:r>
+              <a:rPr lang="de-DE"/>
+              <a:t>Meilenstein 4</a:t>
+            </a:r>
           </a:p>
         </p:txBody>
       </p:sp>
@@ -3023,6 +3428,7 @@
     <p:sldLayoutId id="2147483658" r:id="rId10"/>
     <p:sldLayoutId id="2147483659" r:id="rId11"/>
   </p:sldLayoutIdLst>
+  <p:hf hdr="0"/>
   <p:txStyles>
     <p:titleStyle>
       <a:lvl1pPr algn="l" defTabSz="914400" rtl="0" eaLnBrk="1" latinLnBrk="0" hangingPunct="1">
@@ -3394,10 +3800,2203 @@
           </a:p>
         </p:txBody>
       </p:sp>
+      <p:sp>
+        <p:nvSpPr>
+          <p:cNvPr id="4" name="Datumsplatzhalter 3">
+            <a:extLst>
+              <a:ext uri="{FF2B5EF4-FFF2-40B4-BE49-F238E27FC236}">
+                <a16:creationId xmlns:a16="http://schemas.microsoft.com/office/drawing/2014/main" id="{D2ADB31C-F260-5F7E-76FC-B0BDDF15C187}"/>
+              </a:ext>
+            </a:extLst>
+          </p:cNvPr>
+          <p:cNvSpPr>
+            <a:spLocks noGrp="1"/>
+          </p:cNvSpPr>
+          <p:nvPr>
+            <p:ph type="dt" sz="half" idx="10"/>
+          </p:nvPr>
+        </p:nvSpPr>
+        <p:spPr/>
+        <p:txBody>
+          <a:bodyPr/>
+          <a:lstStyle/>
+          <a:p>
+            <a:fld id="{6915477C-4CE1-47B0-868E-938A33615E2D}" type="datetime1">
+              <a:rPr lang="de-DE" smtClean="0"/>
+              <a:t>26.06.2023</a:t>
+            </a:fld>
+            <a:endParaRPr lang="de-DE"/>
+          </a:p>
+        </p:txBody>
+      </p:sp>
+      <p:sp>
+        <p:nvSpPr>
+          <p:cNvPr id="5" name="Fußzeilenplatzhalter 4">
+            <a:extLst>
+              <a:ext uri="{FF2B5EF4-FFF2-40B4-BE49-F238E27FC236}">
+                <a16:creationId xmlns:a16="http://schemas.microsoft.com/office/drawing/2014/main" id="{A3F6B17A-D677-5E23-0E17-76FD3111D9BE}"/>
+              </a:ext>
+            </a:extLst>
+          </p:cNvPr>
+          <p:cNvSpPr>
+            <a:spLocks noGrp="1"/>
+          </p:cNvSpPr>
+          <p:nvPr>
+            <p:ph type="ftr" sz="quarter" idx="11"/>
+          </p:nvPr>
+        </p:nvSpPr>
+        <p:spPr/>
+        <p:txBody>
+          <a:bodyPr/>
+          <a:lstStyle/>
+          <a:p>
+            <a:r>
+              <a:rPr lang="de-DE"/>
+              <a:t>Meilenstein 4</a:t>
+            </a:r>
+          </a:p>
+        </p:txBody>
+      </p:sp>
+      <p:sp>
+        <p:nvSpPr>
+          <p:cNvPr id="6" name="Foliennummernplatzhalter 5">
+            <a:extLst>
+              <a:ext uri="{FF2B5EF4-FFF2-40B4-BE49-F238E27FC236}">
+                <a16:creationId xmlns:a16="http://schemas.microsoft.com/office/drawing/2014/main" id="{4A6BCA26-CA03-4CB2-67C0-B393072BF649}"/>
+              </a:ext>
+            </a:extLst>
+          </p:cNvPr>
+          <p:cNvSpPr>
+            <a:spLocks noGrp="1"/>
+          </p:cNvSpPr>
+          <p:nvPr>
+            <p:ph type="sldNum" sz="quarter" idx="12"/>
+          </p:nvPr>
+        </p:nvSpPr>
+        <p:spPr/>
+        <p:txBody>
+          <a:bodyPr/>
+          <a:lstStyle/>
+          <a:p>
+            <a:fld id="{37433AC2-EFC7-45C2-8E26-B48CD5F13A15}" type="slidenum">
+              <a:rPr lang="de-DE" smtClean="0"/>
+              <a:t>1</a:t>
+            </a:fld>
+            <a:endParaRPr lang="de-DE"/>
+          </a:p>
+        </p:txBody>
+      </p:sp>
     </p:spTree>
     <p:extLst>
       <p:ext uri="{BB962C8B-B14F-4D97-AF65-F5344CB8AC3E}">
         <p14:creationId xmlns:p14="http://schemas.microsoft.com/office/powerpoint/2010/main" val="177843615"/>
+      </p:ext>
+    </p:extLst>
+  </p:cSld>
+  <p:clrMapOvr>
+    <a:masterClrMapping/>
+  </p:clrMapOvr>
+</p:sld>
+</file>
+
+<file path=ppt/slides/slide10.xml><?xml version="1.0" encoding="utf-8"?>
+<p:sld xmlns:a="http://schemas.openxmlformats.org/drawingml/2006/main" xmlns:r="http://schemas.openxmlformats.org/officeDocument/2006/relationships" xmlns:p="http://schemas.openxmlformats.org/presentationml/2006/main">
+  <p:cSld>
+    <p:spTree>
+      <p:nvGrpSpPr>
+        <p:cNvPr id="1" name=""/>
+        <p:cNvGrpSpPr/>
+        <p:nvPr/>
+      </p:nvGrpSpPr>
+      <p:grpSpPr>
+        <a:xfrm>
+          <a:off x="0" y="0"/>
+          <a:ext cx="0" cy="0"/>
+          <a:chOff x="0" y="0"/>
+          <a:chExt cx="0" cy="0"/>
+        </a:xfrm>
+      </p:grpSpPr>
+      <p:sp>
+        <p:nvSpPr>
+          <p:cNvPr id="4" name="Datumsplatzhalter 3">
+            <a:extLst>
+              <a:ext uri="{FF2B5EF4-FFF2-40B4-BE49-F238E27FC236}">
+                <a16:creationId xmlns:a16="http://schemas.microsoft.com/office/drawing/2014/main" id="{CEAD62AC-A310-C67C-3DEE-E31EB7AD5FDA}"/>
+              </a:ext>
+            </a:extLst>
+          </p:cNvPr>
+          <p:cNvSpPr>
+            <a:spLocks noGrp="1"/>
+          </p:cNvSpPr>
+          <p:nvPr>
+            <p:ph type="dt" sz="half" idx="10"/>
+          </p:nvPr>
+        </p:nvSpPr>
+        <p:spPr/>
+        <p:txBody>
+          <a:bodyPr/>
+          <a:lstStyle/>
+          <a:p>
+            <a:fld id="{25118A72-986D-48C9-AAC8-AE8DB10EA9EB}" type="datetime1">
+              <a:rPr lang="de-DE" smtClean="0"/>
+              <a:t>26.06.2023</a:t>
+            </a:fld>
+            <a:endParaRPr lang="de-DE"/>
+          </a:p>
+        </p:txBody>
+      </p:sp>
+      <p:sp>
+        <p:nvSpPr>
+          <p:cNvPr id="5" name="Fußzeilenplatzhalter 4">
+            <a:extLst>
+              <a:ext uri="{FF2B5EF4-FFF2-40B4-BE49-F238E27FC236}">
+                <a16:creationId xmlns:a16="http://schemas.microsoft.com/office/drawing/2014/main" id="{2305946C-47C5-01E8-2589-49A66D283F90}"/>
+              </a:ext>
+            </a:extLst>
+          </p:cNvPr>
+          <p:cNvSpPr>
+            <a:spLocks noGrp="1"/>
+          </p:cNvSpPr>
+          <p:nvPr>
+            <p:ph type="ftr" sz="quarter" idx="11"/>
+          </p:nvPr>
+        </p:nvSpPr>
+        <p:spPr/>
+        <p:txBody>
+          <a:bodyPr/>
+          <a:lstStyle/>
+          <a:p>
+            <a:r>
+              <a:rPr lang="de-DE"/>
+              <a:t>Meilenstein 4</a:t>
+            </a:r>
+          </a:p>
+        </p:txBody>
+      </p:sp>
+      <p:sp>
+        <p:nvSpPr>
+          <p:cNvPr id="6" name="Foliennummernplatzhalter 5">
+            <a:extLst>
+              <a:ext uri="{FF2B5EF4-FFF2-40B4-BE49-F238E27FC236}">
+                <a16:creationId xmlns:a16="http://schemas.microsoft.com/office/drawing/2014/main" id="{31AF352C-183E-B755-F187-0F3A31A79234}"/>
+              </a:ext>
+            </a:extLst>
+          </p:cNvPr>
+          <p:cNvSpPr>
+            <a:spLocks noGrp="1"/>
+          </p:cNvSpPr>
+          <p:nvPr>
+            <p:ph type="sldNum" sz="quarter" idx="12"/>
+          </p:nvPr>
+        </p:nvSpPr>
+        <p:spPr/>
+        <p:txBody>
+          <a:bodyPr/>
+          <a:lstStyle/>
+          <a:p>
+            <a:fld id="{37433AC2-EFC7-45C2-8E26-B48CD5F13A15}" type="slidenum">
+              <a:rPr lang="de-DE" smtClean="0"/>
+              <a:t>10</a:t>
+            </a:fld>
+            <a:endParaRPr lang="de-DE"/>
+          </a:p>
+        </p:txBody>
+      </p:sp>
+      <p:pic>
+        <p:nvPicPr>
+          <p:cNvPr id="11" name="Grafik 10" descr="Ein Bild, das Screenshot, Reihe, Diagramm, Electric Blue (Farbe) enthält.&#10;&#10;Automatisch generierte Beschreibung">
+            <a:extLst>
+              <a:ext uri="{FF2B5EF4-FFF2-40B4-BE49-F238E27FC236}">
+                <a16:creationId xmlns:a16="http://schemas.microsoft.com/office/drawing/2014/main" id="{65CAD86D-B491-1439-7B03-BFAB95F8A31E}"/>
+              </a:ext>
+            </a:extLst>
+          </p:cNvPr>
+          <p:cNvPicPr>
+            <a:picLocks noChangeAspect="1"/>
+          </p:cNvPicPr>
+          <p:nvPr/>
+        </p:nvPicPr>
+        <p:blipFill rotWithShape="1">
+          <a:blip r:embed="rId2">
+            <a:extLst>
+              <a:ext uri="{28A0092B-C50C-407E-A947-70E740481C1C}">
+                <a14:useLocalDpi xmlns:a14="http://schemas.microsoft.com/office/drawing/2010/main" val="0"/>
+              </a:ext>
+            </a:extLst>
+          </a:blip>
+          <a:srcRect l="9621" t="10169" r="9469" b="5788"/>
+          <a:stretch/>
+        </p:blipFill>
+        <p:spPr>
+          <a:xfrm>
+            <a:off x="1838037" y="181536"/>
+            <a:ext cx="8831839" cy="2935676"/>
+          </a:xfrm>
+          <a:prstGeom prst="rect">
+            <a:avLst/>
+          </a:prstGeom>
+        </p:spPr>
+      </p:pic>
+      <p:sp>
+        <p:nvSpPr>
+          <p:cNvPr id="14" name="Textfeld 13">
+            <a:extLst>
+              <a:ext uri="{FF2B5EF4-FFF2-40B4-BE49-F238E27FC236}">
+                <a16:creationId xmlns:a16="http://schemas.microsoft.com/office/drawing/2014/main" id="{5FAAD8C4-E2AA-2AED-29A9-22B51F8EED8E}"/>
+              </a:ext>
+            </a:extLst>
+          </p:cNvPr>
+          <p:cNvSpPr txBox="1"/>
+          <p:nvPr/>
+        </p:nvSpPr>
+        <p:spPr>
+          <a:xfrm>
+            <a:off x="906571" y="869198"/>
+            <a:ext cx="615553" cy="1560351"/>
+          </a:xfrm>
+          <a:prstGeom prst="rect">
+            <a:avLst/>
+          </a:prstGeom>
+          <a:noFill/>
+        </p:spPr>
+        <p:txBody>
+          <a:bodyPr vert="vert270" wrap="square" rtlCol="0">
+            <a:spAutoFit/>
+          </a:bodyPr>
+          <a:lstStyle/>
+          <a:p>
+            <a:r>
+              <a:rPr lang="de-DE" sz="2800" dirty="0"/>
+              <a:t>Teacher</a:t>
+            </a:r>
+          </a:p>
+        </p:txBody>
+      </p:sp>
+      <p:pic>
+        <p:nvPicPr>
+          <p:cNvPr id="16" name="Grafik 15" descr="Ein Bild, das Screenshot, Reihe, Diagramm, Electric Blue (Farbe) enthält.&#10;&#10;Automatisch generierte Beschreibung">
+            <a:extLst>
+              <a:ext uri="{FF2B5EF4-FFF2-40B4-BE49-F238E27FC236}">
+                <a16:creationId xmlns:a16="http://schemas.microsoft.com/office/drawing/2014/main" id="{F7576EB4-CB02-1391-E596-AA66A6986AED}"/>
+              </a:ext>
+            </a:extLst>
+          </p:cNvPr>
+          <p:cNvPicPr>
+            <a:picLocks noChangeAspect="1"/>
+          </p:cNvPicPr>
+          <p:nvPr/>
+        </p:nvPicPr>
+        <p:blipFill rotWithShape="1">
+          <a:blip r:embed="rId3">
+            <a:extLst>
+              <a:ext uri="{28A0092B-C50C-407E-A947-70E740481C1C}">
+                <a14:useLocalDpi xmlns:a14="http://schemas.microsoft.com/office/drawing/2010/main" val="0"/>
+              </a:ext>
+            </a:extLst>
+          </a:blip>
+          <a:srcRect l="10076" t="10405" r="9545" b="5315"/>
+          <a:stretch/>
+        </p:blipFill>
+        <p:spPr>
+          <a:xfrm>
+            <a:off x="1838037" y="3255096"/>
+            <a:ext cx="8831839" cy="2963370"/>
+          </a:xfrm>
+          <a:prstGeom prst="rect">
+            <a:avLst/>
+          </a:prstGeom>
+        </p:spPr>
+      </p:pic>
+      <p:sp>
+        <p:nvSpPr>
+          <p:cNvPr id="17" name="Textfeld 16">
+            <a:extLst>
+              <a:ext uri="{FF2B5EF4-FFF2-40B4-BE49-F238E27FC236}">
+                <a16:creationId xmlns:a16="http://schemas.microsoft.com/office/drawing/2014/main" id="{970A3B16-B9D8-54AC-AD3D-D4F4D7C3589F}"/>
+              </a:ext>
+            </a:extLst>
+          </p:cNvPr>
+          <p:cNvSpPr txBox="1"/>
+          <p:nvPr/>
+        </p:nvSpPr>
+        <p:spPr>
+          <a:xfrm>
+            <a:off x="906571" y="3956605"/>
+            <a:ext cx="615553" cy="1560351"/>
+          </a:xfrm>
+          <a:prstGeom prst="rect">
+            <a:avLst/>
+          </a:prstGeom>
+          <a:noFill/>
+        </p:spPr>
+        <p:txBody>
+          <a:bodyPr vert="vert270" wrap="square" rtlCol="0">
+            <a:spAutoFit/>
+          </a:bodyPr>
+          <a:lstStyle/>
+          <a:p>
+            <a:r>
+              <a:rPr lang="de-DE" sz="2800" dirty="0"/>
+              <a:t>Student</a:t>
+            </a:r>
+          </a:p>
+        </p:txBody>
+      </p:sp>
+    </p:spTree>
+    <p:extLst>
+      <p:ext uri="{BB962C8B-B14F-4D97-AF65-F5344CB8AC3E}">
+        <p14:creationId xmlns:p14="http://schemas.microsoft.com/office/powerpoint/2010/main" val="1885437885"/>
+      </p:ext>
+    </p:extLst>
+  </p:cSld>
+  <p:clrMapOvr>
+    <a:masterClrMapping/>
+  </p:clrMapOvr>
+</p:sld>
+</file>
+
+<file path=ppt/slides/slide11.xml><?xml version="1.0" encoding="utf-8"?>
+<p:sld xmlns:a="http://schemas.openxmlformats.org/drawingml/2006/main" xmlns:r="http://schemas.openxmlformats.org/officeDocument/2006/relationships" xmlns:p="http://schemas.openxmlformats.org/presentationml/2006/main">
+  <p:cSld>
+    <p:spTree>
+      <p:nvGrpSpPr>
+        <p:cNvPr id="1" name=""/>
+        <p:cNvGrpSpPr/>
+        <p:nvPr/>
+      </p:nvGrpSpPr>
+      <p:grpSpPr>
+        <a:xfrm>
+          <a:off x="0" y="0"/>
+          <a:ext cx="0" cy="0"/>
+          <a:chOff x="0" y="0"/>
+          <a:chExt cx="0" cy="0"/>
+        </a:xfrm>
+      </p:grpSpPr>
+      <p:sp>
+        <p:nvSpPr>
+          <p:cNvPr id="2" name="Titel 1">
+            <a:extLst>
+              <a:ext uri="{FF2B5EF4-FFF2-40B4-BE49-F238E27FC236}">
+                <a16:creationId xmlns:a16="http://schemas.microsoft.com/office/drawing/2014/main" id="{5F6E171B-9B90-40AB-65E4-F043553AFD00}"/>
+              </a:ext>
+            </a:extLst>
+          </p:cNvPr>
+          <p:cNvSpPr>
+            <a:spLocks noGrp="1"/>
+          </p:cNvSpPr>
+          <p:nvPr>
+            <p:ph type="title"/>
+          </p:nvPr>
+        </p:nvSpPr>
+        <p:spPr/>
+        <p:txBody>
+          <a:bodyPr/>
+          <a:lstStyle/>
+          <a:p>
+            <a:r>
+              <a:rPr lang="de-DE" dirty="0"/>
+              <a:t>App</a:t>
+            </a:r>
+          </a:p>
+        </p:txBody>
+      </p:sp>
+      <p:sp>
+        <p:nvSpPr>
+          <p:cNvPr id="3" name="Inhaltsplatzhalter 2">
+            <a:extLst>
+              <a:ext uri="{FF2B5EF4-FFF2-40B4-BE49-F238E27FC236}">
+                <a16:creationId xmlns:a16="http://schemas.microsoft.com/office/drawing/2014/main" id="{3BDC21BA-35E4-23ED-1750-DA4F549F23C3}"/>
+              </a:ext>
+            </a:extLst>
+          </p:cNvPr>
+          <p:cNvSpPr>
+            <a:spLocks noGrp="1"/>
+          </p:cNvSpPr>
+          <p:nvPr>
+            <p:ph idx="1"/>
+          </p:nvPr>
+        </p:nvSpPr>
+        <p:spPr>
+          <a:xfrm>
+            <a:off x="838200" y="1825625"/>
+            <a:ext cx="7089396" cy="3568496"/>
+          </a:xfrm>
+        </p:spPr>
+        <p:txBody>
+          <a:bodyPr/>
+          <a:lstStyle/>
+          <a:p>
+            <a:r>
+              <a:rPr lang="de-DE" dirty="0"/>
+              <a:t>Zwei Modes</a:t>
+            </a:r>
+          </a:p>
+          <a:p>
+            <a:r>
+              <a:rPr lang="de-DE" dirty="0"/>
+              <a:t>Single Image Classification</a:t>
+            </a:r>
+          </a:p>
+          <a:p>
+            <a:pPr lvl="1"/>
+            <a:r>
+              <a:rPr lang="de-DE" dirty="0"/>
+              <a:t>Ein Zeichen pro Bild erkennen</a:t>
+            </a:r>
+          </a:p>
+          <a:p>
+            <a:r>
+              <a:rPr lang="de-DE" dirty="0"/>
+              <a:t>„</a:t>
+            </a:r>
+            <a:r>
+              <a:rPr lang="de-DE" dirty="0" err="1"/>
+              <a:t>Tesseract</a:t>
+            </a:r>
+            <a:r>
+              <a:rPr lang="de-DE" dirty="0"/>
+              <a:t> Mode“</a:t>
+            </a:r>
+          </a:p>
+          <a:p>
+            <a:pPr lvl="1"/>
+            <a:r>
+              <a:rPr lang="de-DE" dirty="0"/>
+              <a:t>Mehrere Zeichen pro Bild erkennen</a:t>
+            </a:r>
+          </a:p>
+          <a:p>
+            <a:pPr lvl="1"/>
+            <a:r>
+              <a:rPr lang="de-DE" dirty="0"/>
+              <a:t>Nur als Foto</a:t>
+            </a:r>
+          </a:p>
+        </p:txBody>
+      </p:sp>
+      <p:sp>
+        <p:nvSpPr>
+          <p:cNvPr id="4" name="Datumsplatzhalter 3">
+            <a:extLst>
+              <a:ext uri="{FF2B5EF4-FFF2-40B4-BE49-F238E27FC236}">
+                <a16:creationId xmlns:a16="http://schemas.microsoft.com/office/drawing/2014/main" id="{F86A980A-53DF-C70E-772C-CB135CB93075}"/>
+              </a:ext>
+            </a:extLst>
+          </p:cNvPr>
+          <p:cNvSpPr>
+            <a:spLocks noGrp="1"/>
+          </p:cNvSpPr>
+          <p:nvPr>
+            <p:ph type="dt" sz="half" idx="10"/>
+          </p:nvPr>
+        </p:nvSpPr>
+        <p:spPr/>
+        <p:txBody>
+          <a:bodyPr/>
+          <a:lstStyle/>
+          <a:p>
+            <a:fld id="{6085DC2A-F81F-4B85-85AA-69758A726F08}" type="datetime1">
+              <a:rPr lang="de-DE" smtClean="0"/>
+              <a:t>26.06.2023</a:t>
+            </a:fld>
+            <a:endParaRPr lang="de-DE"/>
+          </a:p>
+        </p:txBody>
+      </p:sp>
+      <p:sp>
+        <p:nvSpPr>
+          <p:cNvPr id="5" name="Fußzeilenplatzhalter 4">
+            <a:extLst>
+              <a:ext uri="{FF2B5EF4-FFF2-40B4-BE49-F238E27FC236}">
+                <a16:creationId xmlns:a16="http://schemas.microsoft.com/office/drawing/2014/main" id="{AE710663-844D-7775-39A4-DD3DCE2BBF92}"/>
+              </a:ext>
+            </a:extLst>
+          </p:cNvPr>
+          <p:cNvSpPr>
+            <a:spLocks noGrp="1"/>
+          </p:cNvSpPr>
+          <p:nvPr>
+            <p:ph type="ftr" sz="quarter" idx="11"/>
+          </p:nvPr>
+        </p:nvSpPr>
+        <p:spPr/>
+        <p:txBody>
+          <a:bodyPr/>
+          <a:lstStyle/>
+          <a:p>
+            <a:r>
+              <a:rPr lang="de-DE"/>
+              <a:t>Meilenstein 4</a:t>
+            </a:r>
+          </a:p>
+        </p:txBody>
+      </p:sp>
+      <p:sp>
+        <p:nvSpPr>
+          <p:cNvPr id="6" name="Foliennummernplatzhalter 5">
+            <a:extLst>
+              <a:ext uri="{FF2B5EF4-FFF2-40B4-BE49-F238E27FC236}">
+                <a16:creationId xmlns:a16="http://schemas.microsoft.com/office/drawing/2014/main" id="{FD79D275-352F-444D-928A-3D9E015582D2}"/>
+              </a:ext>
+            </a:extLst>
+          </p:cNvPr>
+          <p:cNvSpPr>
+            <a:spLocks noGrp="1"/>
+          </p:cNvSpPr>
+          <p:nvPr>
+            <p:ph type="sldNum" sz="quarter" idx="12"/>
+          </p:nvPr>
+        </p:nvSpPr>
+        <p:spPr/>
+        <p:txBody>
+          <a:bodyPr/>
+          <a:lstStyle/>
+          <a:p>
+            <a:fld id="{37433AC2-EFC7-45C2-8E26-B48CD5F13A15}" type="slidenum">
+              <a:rPr lang="de-DE" smtClean="0"/>
+              <a:t>11</a:t>
+            </a:fld>
+            <a:endParaRPr lang="de-DE"/>
+          </a:p>
+        </p:txBody>
+      </p:sp>
+      <p:pic>
+        <p:nvPicPr>
+          <p:cNvPr id="8" name="Grafik 7" descr="Ein Bild, das Screenshot, Text, Design enthält.&#10;&#10;Automatisch generierte Beschreibung">
+            <a:extLst>
+              <a:ext uri="{FF2B5EF4-FFF2-40B4-BE49-F238E27FC236}">
+                <a16:creationId xmlns:a16="http://schemas.microsoft.com/office/drawing/2014/main" id="{45728304-E4C7-E0E1-D0DC-3539BFFBCEDE}"/>
+              </a:ext>
+            </a:extLst>
+          </p:cNvPr>
+          <p:cNvPicPr>
+            <a:picLocks noChangeAspect="1"/>
+          </p:cNvPicPr>
+          <p:nvPr/>
+        </p:nvPicPr>
+        <p:blipFill>
+          <a:blip r:embed="rId2">
+            <a:extLst>
+              <a:ext uri="{28A0092B-C50C-407E-A947-70E740481C1C}">
+                <a14:useLocalDpi xmlns:a14="http://schemas.microsoft.com/office/drawing/2010/main" val="0"/>
+              </a:ext>
+            </a:extLst>
+          </a:blip>
+          <a:stretch>
+            <a:fillRect/>
+          </a:stretch>
+        </p:blipFill>
+        <p:spPr>
+          <a:xfrm>
+            <a:off x="8363125" y="595745"/>
+            <a:ext cx="2719814" cy="5666509"/>
+          </a:xfrm>
+          <a:prstGeom prst="rect">
+            <a:avLst/>
+          </a:prstGeom>
+        </p:spPr>
+      </p:pic>
+      <p:sp>
+        <p:nvSpPr>
+          <p:cNvPr id="10" name="Textfeld 9">
+            <a:extLst>
+              <a:ext uri="{FF2B5EF4-FFF2-40B4-BE49-F238E27FC236}">
+                <a16:creationId xmlns:a16="http://schemas.microsoft.com/office/drawing/2014/main" id="{94E007A3-6029-5841-9DA5-920184B56AC3}"/>
+              </a:ext>
+            </a:extLst>
+          </p:cNvPr>
+          <p:cNvSpPr txBox="1"/>
+          <p:nvPr/>
+        </p:nvSpPr>
+        <p:spPr>
+          <a:xfrm>
+            <a:off x="7239699" y="4765752"/>
+            <a:ext cx="1215705" cy="923330"/>
+          </a:xfrm>
+          <a:prstGeom prst="rect">
+            <a:avLst/>
+          </a:prstGeom>
+          <a:noFill/>
+        </p:spPr>
+        <p:txBody>
+          <a:bodyPr wrap="square" rtlCol="0">
+            <a:spAutoFit/>
+          </a:bodyPr>
+          <a:lstStyle/>
+          <a:p>
+            <a:r>
+              <a:rPr lang="de-DE" dirty="0"/>
+              <a:t>4: 98.75%</a:t>
+            </a:r>
+            <a:br>
+              <a:rPr lang="de-DE" dirty="0"/>
+            </a:br>
+            <a:r>
+              <a:rPr lang="de-DE" dirty="0"/>
+              <a:t>9: 0.77%</a:t>
+            </a:r>
+            <a:br>
+              <a:rPr lang="de-DE" dirty="0"/>
+            </a:br>
+            <a:r>
+              <a:rPr lang="de-DE" dirty="0"/>
+              <a:t>q: 0.39%</a:t>
+            </a:r>
+          </a:p>
+        </p:txBody>
+      </p:sp>
+    </p:spTree>
+    <p:extLst>
+      <p:ext uri="{BB962C8B-B14F-4D97-AF65-F5344CB8AC3E}">
+        <p14:creationId xmlns:p14="http://schemas.microsoft.com/office/powerpoint/2010/main" val="2146728844"/>
+      </p:ext>
+    </p:extLst>
+  </p:cSld>
+  <p:clrMapOvr>
+    <a:masterClrMapping/>
+  </p:clrMapOvr>
+</p:sld>
+</file>
+
+<file path=ppt/slides/slide12.xml><?xml version="1.0" encoding="utf-8"?>
+<p:sld xmlns:a="http://schemas.openxmlformats.org/drawingml/2006/main" xmlns:r="http://schemas.openxmlformats.org/officeDocument/2006/relationships" xmlns:p="http://schemas.openxmlformats.org/presentationml/2006/main">
+  <p:cSld>
+    <p:spTree>
+      <p:nvGrpSpPr>
+        <p:cNvPr id="1" name=""/>
+        <p:cNvGrpSpPr/>
+        <p:nvPr/>
+      </p:nvGrpSpPr>
+      <p:grpSpPr>
+        <a:xfrm>
+          <a:off x="0" y="0"/>
+          <a:ext cx="0" cy="0"/>
+          <a:chOff x="0" y="0"/>
+          <a:chExt cx="0" cy="0"/>
+        </a:xfrm>
+      </p:grpSpPr>
+      <p:sp>
+        <p:nvSpPr>
+          <p:cNvPr id="2" name="Titel 1">
+            <a:extLst>
+              <a:ext uri="{FF2B5EF4-FFF2-40B4-BE49-F238E27FC236}">
+                <a16:creationId xmlns:a16="http://schemas.microsoft.com/office/drawing/2014/main" id="{E23008AC-53C3-7CD8-EFA9-5A2D35F15BA6}"/>
+              </a:ext>
+            </a:extLst>
+          </p:cNvPr>
+          <p:cNvSpPr>
+            <a:spLocks noGrp="1"/>
+          </p:cNvSpPr>
+          <p:nvPr>
+            <p:ph type="title"/>
+          </p:nvPr>
+        </p:nvSpPr>
+        <p:spPr/>
+        <p:txBody>
+          <a:bodyPr/>
+          <a:lstStyle/>
+          <a:p>
+            <a:r>
+              <a:rPr lang="de-DE" dirty="0"/>
+              <a:t>Beispiel Single</a:t>
+            </a:r>
+          </a:p>
+        </p:txBody>
+      </p:sp>
+      <p:sp>
+        <p:nvSpPr>
+          <p:cNvPr id="4" name="Datumsplatzhalter 3">
+            <a:extLst>
+              <a:ext uri="{FF2B5EF4-FFF2-40B4-BE49-F238E27FC236}">
+                <a16:creationId xmlns:a16="http://schemas.microsoft.com/office/drawing/2014/main" id="{E720A385-D9DF-92F8-B49B-4C7D0B88B933}"/>
+              </a:ext>
+            </a:extLst>
+          </p:cNvPr>
+          <p:cNvSpPr>
+            <a:spLocks noGrp="1"/>
+          </p:cNvSpPr>
+          <p:nvPr>
+            <p:ph type="dt" sz="half" idx="10"/>
+          </p:nvPr>
+        </p:nvSpPr>
+        <p:spPr/>
+        <p:txBody>
+          <a:bodyPr/>
+          <a:lstStyle/>
+          <a:p>
+            <a:fld id="{B79CD2A6-70F0-4B6C-A4AD-0BE6D21F5EE2}" type="datetime1">
+              <a:rPr lang="de-DE" smtClean="0"/>
+              <a:t>26.06.2023</a:t>
+            </a:fld>
+            <a:endParaRPr lang="de-DE"/>
+          </a:p>
+        </p:txBody>
+      </p:sp>
+      <p:sp>
+        <p:nvSpPr>
+          <p:cNvPr id="5" name="Fußzeilenplatzhalter 4">
+            <a:extLst>
+              <a:ext uri="{FF2B5EF4-FFF2-40B4-BE49-F238E27FC236}">
+                <a16:creationId xmlns:a16="http://schemas.microsoft.com/office/drawing/2014/main" id="{A3A89BBC-2A90-90B4-F369-DB9FDF1F1BED}"/>
+              </a:ext>
+            </a:extLst>
+          </p:cNvPr>
+          <p:cNvSpPr>
+            <a:spLocks noGrp="1"/>
+          </p:cNvSpPr>
+          <p:nvPr>
+            <p:ph type="ftr" sz="quarter" idx="11"/>
+          </p:nvPr>
+        </p:nvSpPr>
+        <p:spPr/>
+        <p:txBody>
+          <a:bodyPr/>
+          <a:lstStyle/>
+          <a:p>
+            <a:r>
+              <a:rPr lang="de-DE"/>
+              <a:t>Meilenstein 4</a:t>
+            </a:r>
+          </a:p>
+        </p:txBody>
+      </p:sp>
+      <p:sp>
+        <p:nvSpPr>
+          <p:cNvPr id="6" name="Foliennummernplatzhalter 5">
+            <a:extLst>
+              <a:ext uri="{FF2B5EF4-FFF2-40B4-BE49-F238E27FC236}">
+                <a16:creationId xmlns:a16="http://schemas.microsoft.com/office/drawing/2014/main" id="{430A91BD-A888-E2B3-4BD1-F4427F427320}"/>
+              </a:ext>
+            </a:extLst>
+          </p:cNvPr>
+          <p:cNvSpPr>
+            <a:spLocks noGrp="1"/>
+          </p:cNvSpPr>
+          <p:nvPr>
+            <p:ph type="sldNum" sz="quarter" idx="12"/>
+          </p:nvPr>
+        </p:nvSpPr>
+        <p:spPr/>
+        <p:txBody>
+          <a:bodyPr/>
+          <a:lstStyle/>
+          <a:p>
+            <a:fld id="{37433AC2-EFC7-45C2-8E26-B48CD5F13A15}" type="slidenum">
+              <a:rPr lang="de-DE" smtClean="0"/>
+              <a:t>12</a:t>
+            </a:fld>
+            <a:endParaRPr lang="de-DE"/>
+          </a:p>
+        </p:txBody>
+      </p:sp>
+      <p:pic>
+        <p:nvPicPr>
+          <p:cNvPr id="8" name="Grafik 7" descr="Ein Bild, das Entwurf, Zeichnung, Text, Kunst enthält.&#10;&#10;Automatisch generierte Beschreibung">
+            <a:extLst>
+              <a:ext uri="{FF2B5EF4-FFF2-40B4-BE49-F238E27FC236}">
+                <a16:creationId xmlns:a16="http://schemas.microsoft.com/office/drawing/2014/main" id="{1095BC9C-5D7D-3D6F-9CBE-33A77FC3E11D}"/>
+              </a:ext>
+            </a:extLst>
+          </p:cNvPr>
+          <p:cNvPicPr>
+            <a:picLocks noChangeAspect="1"/>
+          </p:cNvPicPr>
+          <p:nvPr/>
+        </p:nvPicPr>
+        <p:blipFill>
+          <a:blip r:embed="rId2">
+            <a:extLst>
+              <a:ext uri="{28A0092B-C50C-407E-A947-70E740481C1C}">
+                <a14:useLocalDpi xmlns:a14="http://schemas.microsoft.com/office/drawing/2010/main" val="0"/>
+              </a:ext>
+            </a:extLst>
+          </a:blip>
+          <a:stretch>
+            <a:fillRect/>
+          </a:stretch>
+        </p:blipFill>
+        <p:spPr>
+          <a:xfrm>
+            <a:off x="1229424" y="1556217"/>
+            <a:ext cx="2809176" cy="3745568"/>
+          </a:xfrm>
+          <a:prstGeom prst="rect">
+            <a:avLst/>
+          </a:prstGeom>
+        </p:spPr>
+      </p:pic>
+      <p:pic>
+        <p:nvPicPr>
+          <p:cNvPr id="10" name="Grafik 9" descr="Ein Bild, das Text, Entwurf, Zeichnung, Handschrift enthält.&#10;&#10;Automatisch generierte Beschreibung">
+            <a:extLst>
+              <a:ext uri="{FF2B5EF4-FFF2-40B4-BE49-F238E27FC236}">
+                <a16:creationId xmlns:a16="http://schemas.microsoft.com/office/drawing/2014/main" id="{EC6D0367-75E6-EBBD-4182-E08D1A61DB92}"/>
+              </a:ext>
+            </a:extLst>
+          </p:cNvPr>
+          <p:cNvPicPr>
+            <a:picLocks noChangeAspect="1"/>
+          </p:cNvPicPr>
+          <p:nvPr/>
+        </p:nvPicPr>
+        <p:blipFill>
+          <a:blip r:embed="rId3">
+            <a:extLst>
+              <a:ext uri="{28A0092B-C50C-407E-A947-70E740481C1C}">
+                <a14:useLocalDpi xmlns:a14="http://schemas.microsoft.com/office/drawing/2010/main" val="0"/>
+              </a:ext>
+            </a:extLst>
+          </a:blip>
+          <a:stretch>
+            <a:fillRect/>
+          </a:stretch>
+        </p:blipFill>
+        <p:spPr>
+          <a:xfrm>
+            <a:off x="4679474" y="1556215"/>
+            <a:ext cx="2809177" cy="3745569"/>
+          </a:xfrm>
+          <a:prstGeom prst="rect">
+            <a:avLst/>
+          </a:prstGeom>
+        </p:spPr>
+      </p:pic>
+      <p:pic>
+        <p:nvPicPr>
+          <p:cNvPr id="14" name="Grafik 13" descr="Ein Bild, das Text, Softdrink, Flasche, Grün enthält.&#10;&#10;Automatisch generierte Beschreibung">
+            <a:extLst>
+              <a:ext uri="{FF2B5EF4-FFF2-40B4-BE49-F238E27FC236}">
+                <a16:creationId xmlns:a16="http://schemas.microsoft.com/office/drawing/2014/main" id="{31282D68-FB9B-838B-6DC7-CA248A839087}"/>
+              </a:ext>
+            </a:extLst>
+          </p:cNvPr>
+          <p:cNvPicPr>
+            <a:picLocks noChangeAspect="1"/>
+          </p:cNvPicPr>
+          <p:nvPr/>
+        </p:nvPicPr>
+        <p:blipFill>
+          <a:blip r:embed="rId4">
+            <a:extLst>
+              <a:ext uri="{28A0092B-C50C-407E-A947-70E740481C1C}">
+                <a14:useLocalDpi xmlns:a14="http://schemas.microsoft.com/office/drawing/2010/main" val="0"/>
+              </a:ext>
+            </a:extLst>
+          </a:blip>
+          <a:stretch>
+            <a:fillRect/>
+          </a:stretch>
+        </p:blipFill>
+        <p:spPr>
+          <a:xfrm>
+            <a:off x="8153400" y="1556216"/>
+            <a:ext cx="2809176" cy="3745568"/>
+          </a:xfrm>
+          <a:prstGeom prst="rect">
+            <a:avLst/>
+          </a:prstGeom>
+        </p:spPr>
+      </p:pic>
+      <p:sp>
+        <p:nvSpPr>
+          <p:cNvPr id="15" name="Textfeld 14">
+            <a:extLst>
+              <a:ext uri="{FF2B5EF4-FFF2-40B4-BE49-F238E27FC236}">
+                <a16:creationId xmlns:a16="http://schemas.microsoft.com/office/drawing/2014/main" id="{0B5F8517-0F8D-D3AA-43DF-D7F45D3C0502}"/>
+              </a:ext>
+            </a:extLst>
+          </p:cNvPr>
+          <p:cNvSpPr txBox="1"/>
+          <p:nvPr/>
+        </p:nvSpPr>
+        <p:spPr>
+          <a:xfrm>
+            <a:off x="1229424" y="5335286"/>
+            <a:ext cx="3057350" cy="369332"/>
+          </a:xfrm>
+          <a:prstGeom prst="rect">
+            <a:avLst/>
+          </a:prstGeom>
+          <a:noFill/>
+        </p:spPr>
+        <p:txBody>
+          <a:bodyPr wrap="square" rtlCol="0">
+            <a:spAutoFit/>
+          </a:bodyPr>
+          <a:lstStyle/>
+          <a:p>
+            <a:r>
+              <a:rPr lang="de-DE" dirty="0"/>
+              <a:t>B: 91.63%, b: 8.06%, P 0.00% </a:t>
+            </a:r>
+          </a:p>
+        </p:txBody>
+      </p:sp>
+      <p:sp>
+        <p:nvSpPr>
+          <p:cNvPr id="16" name="Textfeld 15">
+            <a:extLst>
+              <a:ext uri="{FF2B5EF4-FFF2-40B4-BE49-F238E27FC236}">
+                <a16:creationId xmlns:a16="http://schemas.microsoft.com/office/drawing/2014/main" id="{2B458A64-6E68-B9AC-F6B4-33CE2B8791D8}"/>
+              </a:ext>
+            </a:extLst>
+          </p:cNvPr>
+          <p:cNvSpPr txBox="1"/>
+          <p:nvPr/>
+        </p:nvSpPr>
+        <p:spPr>
+          <a:xfrm>
+            <a:off x="4606808" y="5335283"/>
+            <a:ext cx="2954508" cy="369332"/>
+          </a:xfrm>
+          <a:prstGeom prst="rect">
+            <a:avLst/>
+          </a:prstGeom>
+          <a:noFill/>
+        </p:spPr>
+        <p:txBody>
+          <a:bodyPr wrap="square" rtlCol="0">
+            <a:spAutoFit/>
+          </a:bodyPr>
+          <a:lstStyle/>
+          <a:p>
+            <a:r>
+              <a:rPr lang="de-DE" dirty="0"/>
+              <a:t>a: 90.27%, q: 4.27%, o: 0.51%</a:t>
+            </a:r>
+          </a:p>
+        </p:txBody>
+      </p:sp>
+      <p:sp>
+        <p:nvSpPr>
+          <p:cNvPr id="17" name="Textfeld 16">
+            <a:extLst>
+              <a:ext uri="{FF2B5EF4-FFF2-40B4-BE49-F238E27FC236}">
+                <a16:creationId xmlns:a16="http://schemas.microsoft.com/office/drawing/2014/main" id="{62214FC9-7077-0D09-D561-18E74BB1EDD2}"/>
+              </a:ext>
+            </a:extLst>
+          </p:cNvPr>
+          <p:cNvSpPr txBox="1"/>
+          <p:nvPr/>
+        </p:nvSpPr>
+        <p:spPr>
+          <a:xfrm>
+            <a:off x="7988897" y="5335283"/>
+            <a:ext cx="3138182" cy="369332"/>
+          </a:xfrm>
+          <a:prstGeom prst="rect">
+            <a:avLst/>
+          </a:prstGeom>
+          <a:noFill/>
+        </p:spPr>
+        <p:txBody>
+          <a:bodyPr wrap="square" rtlCol="0">
+            <a:spAutoFit/>
+          </a:bodyPr>
+          <a:lstStyle/>
+          <a:p>
+            <a:r>
+              <a:rPr lang="de-DE" dirty="0"/>
+              <a:t>M: 93,76%, m: 6.20%, u: 0.01%</a:t>
+            </a:r>
+          </a:p>
+        </p:txBody>
+      </p:sp>
+      <p:pic>
+        <p:nvPicPr>
+          <p:cNvPr id="19" name="Grafik 18" descr="Ein Bild, das Text, Schrift, weiß, Schwarzweiß enthält.&#10;&#10;Automatisch generierte Beschreibung">
+            <a:extLst>
+              <a:ext uri="{FF2B5EF4-FFF2-40B4-BE49-F238E27FC236}">
+                <a16:creationId xmlns:a16="http://schemas.microsoft.com/office/drawing/2014/main" id="{E60E41F7-C0A1-8887-B4AD-5EFC1907B3AF}"/>
+              </a:ext>
+            </a:extLst>
+          </p:cNvPr>
+          <p:cNvPicPr>
+            <a:picLocks noChangeAspect="1"/>
+          </p:cNvPicPr>
+          <p:nvPr/>
+        </p:nvPicPr>
+        <p:blipFill>
+          <a:blip r:embed="rId5">
+            <a:extLst>
+              <a:ext uri="{28A0092B-C50C-407E-A947-70E740481C1C}">
+                <a14:useLocalDpi xmlns:a14="http://schemas.microsoft.com/office/drawing/2010/main" val="0"/>
+              </a:ext>
+            </a:extLst>
+          </a:blip>
+          <a:stretch>
+            <a:fillRect/>
+          </a:stretch>
+        </p:blipFill>
+        <p:spPr>
+          <a:xfrm>
+            <a:off x="9210325" y="5738118"/>
+            <a:ext cx="695325" cy="695325"/>
+          </a:xfrm>
+          <a:prstGeom prst="rect">
+            <a:avLst/>
+          </a:prstGeom>
+        </p:spPr>
+      </p:pic>
+      <p:pic>
+        <p:nvPicPr>
+          <p:cNvPr id="23" name="Grafik 22" descr="Ein Bild, das Peitsche, Text enthält.&#10;&#10;Automatisch generierte Beschreibung">
+            <a:extLst>
+              <a:ext uri="{FF2B5EF4-FFF2-40B4-BE49-F238E27FC236}">
+                <a16:creationId xmlns:a16="http://schemas.microsoft.com/office/drawing/2014/main" id="{3E0A250A-71B0-9458-DFE4-3E4DA8541E7E}"/>
+              </a:ext>
+            </a:extLst>
+          </p:cNvPr>
+          <p:cNvPicPr>
+            <a:picLocks noChangeAspect="1"/>
+          </p:cNvPicPr>
+          <p:nvPr/>
+        </p:nvPicPr>
+        <p:blipFill>
+          <a:blip r:embed="rId6">
+            <a:extLst>
+              <a:ext uri="{28A0092B-C50C-407E-A947-70E740481C1C}">
+                <a14:useLocalDpi xmlns:a14="http://schemas.microsoft.com/office/drawing/2010/main" val="0"/>
+              </a:ext>
+            </a:extLst>
+          </a:blip>
+          <a:stretch>
+            <a:fillRect/>
+          </a:stretch>
+        </p:blipFill>
+        <p:spPr>
+          <a:xfrm>
+            <a:off x="2286349" y="5738118"/>
+            <a:ext cx="695325" cy="695325"/>
+          </a:xfrm>
+          <a:prstGeom prst="rect">
+            <a:avLst/>
+          </a:prstGeom>
+        </p:spPr>
+      </p:pic>
+      <p:pic>
+        <p:nvPicPr>
+          <p:cNvPr id="25" name="Grafik 24" descr="Ein Bild, das Text, Entwurf, Peitsche enthält.&#10;&#10;Automatisch generierte Beschreibung">
+            <a:extLst>
+              <a:ext uri="{FF2B5EF4-FFF2-40B4-BE49-F238E27FC236}">
+                <a16:creationId xmlns:a16="http://schemas.microsoft.com/office/drawing/2014/main" id="{A1D97817-00EA-92FB-240B-A9B1E2579A9A}"/>
+              </a:ext>
+            </a:extLst>
+          </p:cNvPr>
+          <p:cNvPicPr>
+            <a:picLocks noChangeAspect="1"/>
+          </p:cNvPicPr>
+          <p:nvPr/>
+        </p:nvPicPr>
+        <p:blipFill>
+          <a:blip r:embed="rId7">
+            <a:extLst>
+              <a:ext uri="{28A0092B-C50C-407E-A947-70E740481C1C}">
+                <a14:useLocalDpi xmlns:a14="http://schemas.microsoft.com/office/drawing/2010/main" val="0"/>
+              </a:ext>
+            </a:extLst>
+          </a:blip>
+          <a:stretch>
+            <a:fillRect/>
+          </a:stretch>
+        </p:blipFill>
+        <p:spPr>
+          <a:xfrm>
+            <a:off x="5748337" y="5738117"/>
+            <a:ext cx="695325" cy="695325"/>
+          </a:xfrm>
+          <a:prstGeom prst="rect">
+            <a:avLst/>
+          </a:prstGeom>
+        </p:spPr>
+      </p:pic>
+    </p:spTree>
+    <p:extLst>
+      <p:ext uri="{BB962C8B-B14F-4D97-AF65-F5344CB8AC3E}">
+        <p14:creationId xmlns:p14="http://schemas.microsoft.com/office/powerpoint/2010/main" val="2535855448"/>
+      </p:ext>
+    </p:extLst>
+  </p:cSld>
+  <p:clrMapOvr>
+    <a:masterClrMapping/>
+  </p:clrMapOvr>
+</p:sld>
+</file>
+
+<file path=ppt/slides/slide13.xml><?xml version="1.0" encoding="utf-8"?>
+<p:sld xmlns:a="http://schemas.openxmlformats.org/drawingml/2006/main" xmlns:r="http://schemas.openxmlformats.org/officeDocument/2006/relationships" xmlns:p="http://schemas.openxmlformats.org/presentationml/2006/main">
+  <p:cSld>
+    <p:spTree>
+      <p:nvGrpSpPr>
+        <p:cNvPr id="1" name=""/>
+        <p:cNvGrpSpPr/>
+        <p:nvPr/>
+      </p:nvGrpSpPr>
+      <p:grpSpPr>
+        <a:xfrm>
+          <a:off x="0" y="0"/>
+          <a:ext cx="0" cy="0"/>
+          <a:chOff x="0" y="0"/>
+          <a:chExt cx="0" cy="0"/>
+        </a:xfrm>
+      </p:grpSpPr>
+      <p:sp>
+        <p:nvSpPr>
+          <p:cNvPr id="2" name="Titel 1">
+            <a:extLst>
+              <a:ext uri="{FF2B5EF4-FFF2-40B4-BE49-F238E27FC236}">
+                <a16:creationId xmlns:a16="http://schemas.microsoft.com/office/drawing/2014/main" id="{B9F88C08-1C03-3A4C-36B3-38C3130E513C}"/>
+              </a:ext>
+            </a:extLst>
+          </p:cNvPr>
+          <p:cNvSpPr>
+            <a:spLocks noGrp="1"/>
+          </p:cNvSpPr>
+          <p:nvPr>
+            <p:ph type="title"/>
+          </p:nvPr>
+        </p:nvSpPr>
+        <p:spPr/>
+        <p:txBody>
+          <a:bodyPr/>
+          <a:lstStyle/>
+          <a:p>
+            <a:r>
+              <a:rPr lang="de-DE" dirty="0"/>
+              <a:t>Beispiel Multi</a:t>
+            </a:r>
+          </a:p>
+        </p:txBody>
+      </p:sp>
+      <p:sp>
+        <p:nvSpPr>
+          <p:cNvPr id="3" name="Inhaltsplatzhalter 2">
+            <a:extLst>
+              <a:ext uri="{FF2B5EF4-FFF2-40B4-BE49-F238E27FC236}">
+                <a16:creationId xmlns:a16="http://schemas.microsoft.com/office/drawing/2014/main" id="{F6AFDBA1-E78C-924B-F711-469C34B2AA80}"/>
+              </a:ext>
+            </a:extLst>
+          </p:cNvPr>
+          <p:cNvSpPr>
+            <a:spLocks noGrp="1"/>
+          </p:cNvSpPr>
+          <p:nvPr>
+            <p:ph idx="1"/>
+          </p:nvPr>
+        </p:nvSpPr>
+        <p:spPr>
+          <a:xfrm>
+            <a:off x="838199" y="1825625"/>
+            <a:ext cx="4572061" cy="4351338"/>
+          </a:xfrm>
+        </p:spPr>
+        <p:txBody>
+          <a:bodyPr>
+            <a:normAutofit/>
+          </a:bodyPr>
+          <a:lstStyle/>
+          <a:p>
+            <a:r>
+              <a:rPr lang="de-DE" dirty="0" err="1"/>
+              <a:t>Bounding</a:t>
+            </a:r>
+            <a:r>
+              <a:rPr lang="de-DE" dirty="0"/>
+              <a:t> Boxen mithilfe Tesseract</a:t>
+            </a:r>
+            <a:r>
+              <a:rPr lang="de-DE" baseline="50000" dirty="0"/>
+              <a:t>1</a:t>
+            </a:r>
+            <a:r>
+              <a:rPr lang="de-DE" dirty="0"/>
+              <a:t> OCR erstellen</a:t>
+            </a:r>
+          </a:p>
+          <a:p>
+            <a:r>
+              <a:rPr lang="de-DE" dirty="0"/>
+              <a:t>Jede </a:t>
+            </a:r>
+            <a:r>
+              <a:rPr lang="de-DE" dirty="0" err="1"/>
+              <a:t>Bounding</a:t>
+            </a:r>
+            <a:r>
+              <a:rPr lang="de-DE" dirty="0"/>
+              <a:t> Box an das eigene Model weitergeben</a:t>
+            </a:r>
+          </a:p>
+          <a:p>
+            <a:r>
+              <a:rPr lang="de-DE" dirty="0"/>
+              <a:t>Farben (Confidence)</a:t>
+            </a:r>
+          </a:p>
+          <a:p>
+            <a:pPr lvl="1"/>
+            <a:r>
+              <a:rPr lang="de-DE" dirty="0"/>
+              <a:t>&gt;95%: Grün</a:t>
+            </a:r>
+          </a:p>
+          <a:p>
+            <a:pPr lvl="1"/>
+            <a:r>
+              <a:rPr lang="de-DE" dirty="0"/>
+              <a:t>&gt;75%: Gelb</a:t>
+            </a:r>
+          </a:p>
+          <a:p>
+            <a:pPr lvl="1"/>
+            <a:r>
+              <a:rPr lang="de-DE" dirty="0"/>
+              <a:t>&gt;50%: Orange</a:t>
+            </a:r>
+          </a:p>
+          <a:p>
+            <a:pPr lvl="1"/>
+            <a:r>
+              <a:rPr lang="de-DE" dirty="0"/>
+              <a:t>&lt;=50%: Rot</a:t>
+            </a:r>
+          </a:p>
+          <a:p>
+            <a:pPr marL="0" indent="0">
+              <a:buNone/>
+            </a:pPr>
+            <a:r>
+              <a:rPr lang="de-DE" dirty="0"/>
+              <a:t> </a:t>
+            </a:r>
+          </a:p>
+        </p:txBody>
+      </p:sp>
+      <p:sp>
+        <p:nvSpPr>
+          <p:cNvPr id="4" name="Datumsplatzhalter 3">
+            <a:extLst>
+              <a:ext uri="{FF2B5EF4-FFF2-40B4-BE49-F238E27FC236}">
+                <a16:creationId xmlns:a16="http://schemas.microsoft.com/office/drawing/2014/main" id="{9F044091-EDAB-61A0-0038-9AFE7FAB339C}"/>
+              </a:ext>
+            </a:extLst>
+          </p:cNvPr>
+          <p:cNvSpPr>
+            <a:spLocks noGrp="1"/>
+          </p:cNvSpPr>
+          <p:nvPr>
+            <p:ph type="dt" sz="half" idx="10"/>
+          </p:nvPr>
+        </p:nvSpPr>
+        <p:spPr/>
+        <p:txBody>
+          <a:bodyPr/>
+          <a:lstStyle/>
+          <a:p>
+            <a:fld id="{25118A72-986D-48C9-AAC8-AE8DB10EA9EB}" type="datetime1">
+              <a:rPr lang="de-DE" smtClean="0"/>
+              <a:t>26.06.2023</a:t>
+            </a:fld>
+            <a:endParaRPr lang="de-DE"/>
+          </a:p>
+        </p:txBody>
+      </p:sp>
+      <p:sp>
+        <p:nvSpPr>
+          <p:cNvPr id="5" name="Fußzeilenplatzhalter 4">
+            <a:extLst>
+              <a:ext uri="{FF2B5EF4-FFF2-40B4-BE49-F238E27FC236}">
+                <a16:creationId xmlns:a16="http://schemas.microsoft.com/office/drawing/2014/main" id="{5C65216C-0D04-280B-3E00-E7B4470290D8}"/>
+              </a:ext>
+            </a:extLst>
+          </p:cNvPr>
+          <p:cNvSpPr>
+            <a:spLocks noGrp="1"/>
+          </p:cNvSpPr>
+          <p:nvPr>
+            <p:ph type="ftr" sz="quarter" idx="11"/>
+          </p:nvPr>
+        </p:nvSpPr>
+        <p:spPr/>
+        <p:txBody>
+          <a:bodyPr/>
+          <a:lstStyle/>
+          <a:p>
+            <a:r>
+              <a:rPr lang="de-DE"/>
+              <a:t>Meilenstein 4</a:t>
+            </a:r>
+          </a:p>
+        </p:txBody>
+      </p:sp>
+      <p:sp>
+        <p:nvSpPr>
+          <p:cNvPr id="6" name="Foliennummernplatzhalter 5">
+            <a:extLst>
+              <a:ext uri="{FF2B5EF4-FFF2-40B4-BE49-F238E27FC236}">
+                <a16:creationId xmlns:a16="http://schemas.microsoft.com/office/drawing/2014/main" id="{36ED7E5A-89DA-354C-FC7F-3824AD88D336}"/>
+              </a:ext>
+            </a:extLst>
+          </p:cNvPr>
+          <p:cNvSpPr>
+            <a:spLocks noGrp="1"/>
+          </p:cNvSpPr>
+          <p:nvPr>
+            <p:ph type="sldNum" sz="quarter" idx="12"/>
+          </p:nvPr>
+        </p:nvSpPr>
+        <p:spPr/>
+        <p:txBody>
+          <a:bodyPr/>
+          <a:lstStyle/>
+          <a:p>
+            <a:fld id="{37433AC2-EFC7-45C2-8E26-B48CD5F13A15}" type="slidenum">
+              <a:rPr lang="de-DE" smtClean="0"/>
+              <a:t>13</a:t>
+            </a:fld>
+            <a:endParaRPr lang="de-DE"/>
+          </a:p>
+        </p:txBody>
+      </p:sp>
+      <p:pic>
+        <p:nvPicPr>
+          <p:cNvPr id="8" name="Grafik 7">
+            <a:extLst>
+              <a:ext uri="{FF2B5EF4-FFF2-40B4-BE49-F238E27FC236}">
+                <a16:creationId xmlns:a16="http://schemas.microsoft.com/office/drawing/2014/main" id="{613A6F43-9383-8DCA-924F-75020A470901}"/>
+              </a:ext>
+            </a:extLst>
+          </p:cNvPr>
+          <p:cNvPicPr>
+            <a:picLocks noChangeAspect="1"/>
+          </p:cNvPicPr>
+          <p:nvPr/>
+        </p:nvPicPr>
+        <p:blipFill rotWithShape="1">
+          <a:blip r:embed="rId2"/>
+          <a:srcRect r="16061"/>
+          <a:stretch/>
+        </p:blipFill>
+        <p:spPr>
+          <a:xfrm>
+            <a:off x="5685771" y="1043018"/>
+            <a:ext cx="5849657" cy="1001418"/>
+          </a:xfrm>
+          <a:prstGeom prst="rect">
+            <a:avLst/>
+          </a:prstGeom>
+        </p:spPr>
+      </p:pic>
+      <p:pic>
+        <p:nvPicPr>
+          <p:cNvPr id="10" name="Grafik 9" descr="Ein Bild, das Rahmen enthält.&#10;&#10;Automatisch generierte Beschreibung">
+            <a:extLst>
+              <a:ext uri="{FF2B5EF4-FFF2-40B4-BE49-F238E27FC236}">
+                <a16:creationId xmlns:a16="http://schemas.microsoft.com/office/drawing/2014/main" id="{69A3721F-7912-D846-2C87-BE93E49DECC4}"/>
+              </a:ext>
+            </a:extLst>
+          </p:cNvPr>
+          <p:cNvPicPr>
+            <a:picLocks noChangeAspect="1"/>
+          </p:cNvPicPr>
+          <p:nvPr/>
+        </p:nvPicPr>
+        <p:blipFill>
+          <a:blip r:embed="rId3">
+            <a:extLst>
+              <a:ext uri="{28A0092B-C50C-407E-A947-70E740481C1C}">
+                <a14:useLocalDpi xmlns:a14="http://schemas.microsoft.com/office/drawing/2010/main" val="0"/>
+              </a:ext>
+            </a:extLst>
+          </a:blip>
+          <a:stretch>
+            <a:fillRect/>
+          </a:stretch>
+        </p:blipFill>
+        <p:spPr>
+          <a:xfrm>
+            <a:off x="5685771" y="2488327"/>
+            <a:ext cx="695325" cy="695325"/>
+          </a:xfrm>
+          <a:prstGeom prst="rect">
+            <a:avLst/>
+          </a:prstGeom>
+          <a:ln>
+            <a:noFill/>
+          </a:ln>
+          <a:effectLst>
+            <a:outerShdw blurRad="292100" dist="139700" dir="2700000" algn="tl" rotWithShape="0">
+              <a:srgbClr val="333333">
+                <a:alpha val="65000"/>
+              </a:srgbClr>
+            </a:outerShdw>
+          </a:effectLst>
+        </p:spPr>
+      </p:pic>
+      <p:pic>
+        <p:nvPicPr>
+          <p:cNvPr id="12" name="Grafik 11" descr="Ein Bild, das Symbol, Design enthält.&#10;&#10;Automatisch generierte Beschreibung">
+            <a:extLst>
+              <a:ext uri="{FF2B5EF4-FFF2-40B4-BE49-F238E27FC236}">
+                <a16:creationId xmlns:a16="http://schemas.microsoft.com/office/drawing/2014/main" id="{005B7E6A-35D9-33A7-2403-356D905908EA}"/>
+              </a:ext>
+            </a:extLst>
+          </p:cNvPr>
+          <p:cNvPicPr>
+            <a:picLocks noChangeAspect="1"/>
+          </p:cNvPicPr>
+          <p:nvPr/>
+        </p:nvPicPr>
+        <p:blipFill>
+          <a:blip r:embed="rId4">
+            <a:extLst>
+              <a:ext uri="{28A0092B-C50C-407E-A947-70E740481C1C}">
+                <a14:useLocalDpi xmlns:a14="http://schemas.microsoft.com/office/drawing/2010/main" val="0"/>
+              </a:ext>
+            </a:extLst>
+          </a:blip>
+          <a:stretch>
+            <a:fillRect/>
+          </a:stretch>
+        </p:blipFill>
+        <p:spPr>
+          <a:xfrm>
+            <a:off x="6656607" y="2471549"/>
+            <a:ext cx="695325" cy="695325"/>
+          </a:xfrm>
+          <a:prstGeom prst="rect">
+            <a:avLst/>
+          </a:prstGeom>
+          <a:ln>
+            <a:noFill/>
+          </a:ln>
+          <a:effectLst>
+            <a:outerShdw blurRad="292100" dist="139700" dir="2700000" algn="tl" rotWithShape="0">
+              <a:srgbClr val="333333">
+                <a:alpha val="65000"/>
+              </a:srgbClr>
+            </a:outerShdw>
+          </a:effectLst>
+        </p:spPr>
+      </p:pic>
+      <p:pic>
+        <p:nvPicPr>
+          <p:cNvPr id="18" name="Grafik 17">
+            <a:extLst>
+              <a:ext uri="{FF2B5EF4-FFF2-40B4-BE49-F238E27FC236}">
+                <a16:creationId xmlns:a16="http://schemas.microsoft.com/office/drawing/2014/main" id="{1F413AB7-012B-508E-EA04-64BDBDBE5D81}"/>
+              </a:ext>
+            </a:extLst>
+          </p:cNvPr>
+          <p:cNvPicPr>
+            <a:picLocks noChangeAspect="1"/>
+          </p:cNvPicPr>
+          <p:nvPr/>
+        </p:nvPicPr>
+        <p:blipFill rotWithShape="1">
+          <a:blip r:embed="rId5"/>
+          <a:srcRect t="3882" b="12599"/>
+          <a:stretch/>
+        </p:blipFill>
+        <p:spPr>
+          <a:xfrm>
+            <a:off x="6199468" y="3674349"/>
+            <a:ext cx="4511570" cy="1618769"/>
+          </a:xfrm>
+          <a:prstGeom prst="rect">
+            <a:avLst/>
+          </a:prstGeom>
+        </p:spPr>
+      </p:pic>
+      <p:pic>
+        <p:nvPicPr>
+          <p:cNvPr id="20" name="Grafik 19" descr="Ein Bild, das Metallwaren, Haken enthält.&#10;&#10;Automatisch generierte Beschreibung">
+            <a:extLst>
+              <a:ext uri="{FF2B5EF4-FFF2-40B4-BE49-F238E27FC236}">
+                <a16:creationId xmlns:a16="http://schemas.microsoft.com/office/drawing/2014/main" id="{A96B2AB7-B20D-EC59-E883-AB2225C24D40}"/>
+              </a:ext>
+            </a:extLst>
+          </p:cNvPr>
+          <p:cNvPicPr>
+            <a:picLocks noChangeAspect="1"/>
+          </p:cNvPicPr>
+          <p:nvPr/>
+        </p:nvPicPr>
+        <p:blipFill>
+          <a:blip r:embed="rId6">
+            <a:extLst>
+              <a:ext uri="{28A0092B-C50C-407E-A947-70E740481C1C}">
+                <a14:useLocalDpi xmlns:a14="http://schemas.microsoft.com/office/drawing/2010/main" val="0"/>
+              </a:ext>
+            </a:extLst>
+          </a:blip>
+          <a:stretch>
+            <a:fillRect/>
+          </a:stretch>
+        </p:blipFill>
+        <p:spPr>
+          <a:xfrm>
+            <a:off x="8974570" y="5594806"/>
+            <a:ext cx="695325" cy="695325"/>
+          </a:xfrm>
+          <a:prstGeom prst="rect">
+            <a:avLst/>
+          </a:prstGeom>
+          <a:ln>
+            <a:noFill/>
+          </a:ln>
+          <a:effectLst>
+            <a:outerShdw blurRad="292100" dist="139700" dir="2700000" algn="tl" rotWithShape="0">
+              <a:srgbClr val="333333">
+                <a:alpha val="65000"/>
+              </a:srgbClr>
+            </a:outerShdw>
+          </a:effectLst>
+        </p:spPr>
+      </p:pic>
+      <p:pic>
+        <p:nvPicPr>
+          <p:cNvPr id="22" name="Grafik 21">
+            <a:extLst>
+              <a:ext uri="{FF2B5EF4-FFF2-40B4-BE49-F238E27FC236}">
+                <a16:creationId xmlns:a16="http://schemas.microsoft.com/office/drawing/2014/main" id="{3F416016-C98C-C7EA-65BD-A0A7D25A0B15}"/>
+              </a:ext>
+            </a:extLst>
+          </p:cNvPr>
+          <p:cNvPicPr>
+            <a:picLocks noChangeAspect="1"/>
+          </p:cNvPicPr>
+          <p:nvPr/>
+        </p:nvPicPr>
+        <p:blipFill>
+          <a:blip r:embed="rId7">
+            <a:extLst>
+              <a:ext uri="{28A0092B-C50C-407E-A947-70E740481C1C}">
+                <a14:useLocalDpi xmlns:a14="http://schemas.microsoft.com/office/drawing/2010/main" val="0"/>
+              </a:ext>
+            </a:extLst>
+          </a:blip>
+          <a:stretch>
+            <a:fillRect/>
+          </a:stretch>
+        </p:blipFill>
+        <p:spPr>
+          <a:xfrm>
+            <a:off x="7732300" y="5598028"/>
+            <a:ext cx="695325" cy="695325"/>
+          </a:xfrm>
+          <a:prstGeom prst="rect">
+            <a:avLst/>
+          </a:prstGeom>
+          <a:ln>
+            <a:noFill/>
+          </a:ln>
+          <a:effectLst>
+            <a:outerShdw blurRad="292100" dist="139700" dir="2700000" algn="tl" rotWithShape="0">
+              <a:srgbClr val="333333">
+                <a:alpha val="65000"/>
+              </a:srgbClr>
+            </a:outerShdw>
+          </a:effectLst>
+        </p:spPr>
+      </p:pic>
+      <p:cxnSp>
+        <p:nvCxnSpPr>
+          <p:cNvPr id="33" name="Gerade Verbindung mit Pfeil 32">
+            <a:extLst>
+              <a:ext uri="{FF2B5EF4-FFF2-40B4-BE49-F238E27FC236}">
+                <a16:creationId xmlns:a16="http://schemas.microsoft.com/office/drawing/2014/main" id="{E0ADFE65-78B5-53D8-BFF7-E409DD0E4D3A}"/>
+              </a:ext>
+            </a:extLst>
+          </p:cNvPr>
+          <p:cNvCxnSpPr/>
+          <p:nvPr/>
+        </p:nvCxnSpPr>
+        <p:spPr>
+          <a:xfrm>
+            <a:off x="5928087" y="1661591"/>
+            <a:ext cx="0" cy="809958"/>
+          </a:xfrm>
+          <a:prstGeom prst="straightConnector1">
+            <a:avLst/>
+          </a:prstGeom>
+          <a:ln w="28575">
+            <a:tailEnd type="triangle"/>
+          </a:ln>
+        </p:spPr>
+        <p:style>
+          <a:lnRef idx="1">
+            <a:schemeClr val="accent1"/>
+          </a:lnRef>
+          <a:fillRef idx="0">
+            <a:schemeClr val="accent1"/>
+          </a:fillRef>
+          <a:effectRef idx="0">
+            <a:schemeClr val="accent1"/>
+          </a:effectRef>
+          <a:fontRef idx="minor">
+            <a:schemeClr val="tx1"/>
+          </a:fontRef>
+        </p:style>
+      </p:cxnSp>
+      <p:cxnSp>
+        <p:nvCxnSpPr>
+          <p:cNvPr id="34" name="Gerade Verbindung mit Pfeil 33">
+            <a:extLst>
+              <a:ext uri="{FF2B5EF4-FFF2-40B4-BE49-F238E27FC236}">
+                <a16:creationId xmlns:a16="http://schemas.microsoft.com/office/drawing/2014/main" id="{5FF3BC80-A4E9-1954-2A75-E0D03EAB884B}"/>
+              </a:ext>
+            </a:extLst>
+          </p:cNvPr>
+          <p:cNvCxnSpPr>
+            <a:cxnSpLocks/>
+            <a:endCxn id="12" idx="0"/>
+          </p:cNvCxnSpPr>
+          <p:nvPr/>
+        </p:nvCxnSpPr>
+        <p:spPr>
+          <a:xfrm>
+            <a:off x="6506927" y="1661591"/>
+            <a:ext cx="497343" cy="809958"/>
+          </a:xfrm>
+          <a:prstGeom prst="straightConnector1">
+            <a:avLst/>
+          </a:prstGeom>
+          <a:ln w="28575">
+            <a:tailEnd type="triangle"/>
+          </a:ln>
+        </p:spPr>
+        <p:style>
+          <a:lnRef idx="1">
+            <a:schemeClr val="accent1"/>
+          </a:lnRef>
+          <a:fillRef idx="0">
+            <a:schemeClr val="accent1"/>
+          </a:fillRef>
+          <a:effectRef idx="0">
+            <a:schemeClr val="accent1"/>
+          </a:effectRef>
+          <a:fontRef idx="minor">
+            <a:schemeClr val="tx1"/>
+          </a:fontRef>
+        </p:style>
+      </p:cxnSp>
+      <p:cxnSp>
+        <p:nvCxnSpPr>
+          <p:cNvPr id="36" name="Gerade Verbindung mit Pfeil 35">
+            <a:extLst>
+              <a:ext uri="{FF2B5EF4-FFF2-40B4-BE49-F238E27FC236}">
+                <a16:creationId xmlns:a16="http://schemas.microsoft.com/office/drawing/2014/main" id="{1ADAE8FE-8C30-27C5-C824-EB55D097DA1E}"/>
+              </a:ext>
+            </a:extLst>
+          </p:cNvPr>
+          <p:cNvCxnSpPr>
+            <a:cxnSpLocks/>
+            <a:endCxn id="22" idx="0"/>
+          </p:cNvCxnSpPr>
+          <p:nvPr/>
+        </p:nvCxnSpPr>
+        <p:spPr>
+          <a:xfrm>
+            <a:off x="7817766" y="4933620"/>
+            <a:ext cx="262197" cy="664408"/>
+          </a:xfrm>
+          <a:prstGeom prst="straightConnector1">
+            <a:avLst/>
+          </a:prstGeom>
+          <a:ln w="28575">
+            <a:tailEnd type="triangle"/>
+          </a:ln>
+        </p:spPr>
+        <p:style>
+          <a:lnRef idx="1">
+            <a:schemeClr val="accent1"/>
+          </a:lnRef>
+          <a:fillRef idx="0">
+            <a:schemeClr val="accent1"/>
+          </a:fillRef>
+          <a:effectRef idx="0">
+            <a:schemeClr val="accent1"/>
+          </a:effectRef>
+          <a:fontRef idx="minor">
+            <a:schemeClr val="tx1"/>
+          </a:fontRef>
+        </p:style>
+      </p:cxnSp>
+      <p:cxnSp>
+        <p:nvCxnSpPr>
+          <p:cNvPr id="38" name="Gerade Verbindung mit Pfeil 37">
+            <a:extLst>
+              <a:ext uri="{FF2B5EF4-FFF2-40B4-BE49-F238E27FC236}">
+                <a16:creationId xmlns:a16="http://schemas.microsoft.com/office/drawing/2014/main" id="{45C800BC-A3CD-B742-5705-85598B6804EE}"/>
+              </a:ext>
+            </a:extLst>
+          </p:cNvPr>
+          <p:cNvCxnSpPr>
+            <a:cxnSpLocks/>
+            <a:endCxn id="20" idx="0"/>
+          </p:cNvCxnSpPr>
+          <p:nvPr/>
+        </p:nvCxnSpPr>
+        <p:spPr>
+          <a:xfrm>
+            <a:off x="9211746" y="5071950"/>
+            <a:ext cx="110487" cy="522856"/>
+          </a:xfrm>
+          <a:prstGeom prst="straightConnector1">
+            <a:avLst/>
+          </a:prstGeom>
+          <a:ln w="28575">
+            <a:tailEnd type="triangle"/>
+          </a:ln>
+        </p:spPr>
+        <p:style>
+          <a:lnRef idx="1">
+            <a:schemeClr val="accent1"/>
+          </a:lnRef>
+          <a:fillRef idx="0">
+            <a:schemeClr val="accent1"/>
+          </a:fillRef>
+          <a:effectRef idx="0">
+            <a:schemeClr val="accent1"/>
+          </a:effectRef>
+          <a:fontRef idx="minor">
+            <a:schemeClr val="tx1"/>
+          </a:fontRef>
+        </p:style>
+      </p:cxnSp>
+      <p:sp>
+        <p:nvSpPr>
+          <p:cNvPr id="40" name="Textfeld 39">
+            <a:extLst>
+              <a:ext uri="{FF2B5EF4-FFF2-40B4-BE49-F238E27FC236}">
+                <a16:creationId xmlns:a16="http://schemas.microsoft.com/office/drawing/2014/main" id="{E96377D5-841E-20AD-FE7C-44AB4E67689B}"/>
+              </a:ext>
+            </a:extLst>
+          </p:cNvPr>
+          <p:cNvSpPr txBox="1"/>
+          <p:nvPr/>
+        </p:nvSpPr>
+        <p:spPr>
+          <a:xfrm>
+            <a:off x="6325299" y="3333346"/>
+            <a:ext cx="4766269" cy="400110"/>
+          </a:xfrm>
+          <a:prstGeom prst="rect">
+            <a:avLst/>
+          </a:prstGeom>
+          <a:noFill/>
+        </p:spPr>
+        <p:txBody>
+          <a:bodyPr wrap="square" rtlCol="0">
+            <a:spAutoFit/>
+          </a:bodyPr>
+          <a:lstStyle/>
+          <a:p>
+            <a:r>
+              <a:rPr lang="de-DE" sz="2000" b="1" dirty="0"/>
+              <a:t>     I         G         t              1      l       S       4</a:t>
+            </a:r>
+          </a:p>
+        </p:txBody>
+      </p:sp>
+      <p:sp>
+        <p:nvSpPr>
+          <p:cNvPr id="41" name="Textfeld 40">
+            <a:extLst>
+              <a:ext uri="{FF2B5EF4-FFF2-40B4-BE49-F238E27FC236}">
+                <a16:creationId xmlns:a16="http://schemas.microsoft.com/office/drawing/2014/main" id="{A42F8B2F-CD94-8435-06BB-CEC98A226B1D}"/>
+              </a:ext>
+            </a:extLst>
+          </p:cNvPr>
+          <p:cNvSpPr txBox="1"/>
+          <p:nvPr/>
+        </p:nvSpPr>
+        <p:spPr>
+          <a:xfrm>
+            <a:off x="5684424" y="719434"/>
+            <a:ext cx="5849657" cy="400110"/>
+          </a:xfrm>
+          <a:prstGeom prst="rect">
+            <a:avLst/>
+          </a:prstGeom>
+          <a:noFill/>
+        </p:spPr>
+        <p:txBody>
+          <a:bodyPr wrap="square" rtlCol="0">
+            <a:spAutoFit/>
+          </a:bodyPr>
+          <a:lstStyle/>
+          <a:p>
+            <a:r>
+              <a:rPr lang="de-DE" sz="2000" b="1" dirty="0"/>
+              <a:t>    H  a   l </a:t>
+            </a:r>
+            <a:r>
+              <a:rPr lang="de-DE" sz="2000" b="1" dirty="0" err="1"/>
+              <a:t>l</a:t>
+            </a:r>
+            <a:r>
+              <a:rPr lang="de-DE" sz="2000" b="1" dirty="0"/>
+              <a:t>   O       W    e  l  t    Z   G     0    G     Z   0    2   3</a:t>
+            </a:r>
+          </a:p>
+        </p:txBody>
+      </p:sp>
+      <p:sp>
+        <p:nvSpPr>
+          <p:cNvPr id="44" name="Textfeld 43">
+            <a:extLst>
+              <a:ext uri="{FF2B5EF4-FFF2-40B4-BE49-F238E27FC236}">
+                <a16:creationId xmlns:a16="http://schemas.microsoft.com/office/drawing/2014/main" id="{C8ADFD6B-3C41-25F8-17A6-96644BA0027F}"/>
+              </a:ext>
+            </a:extLst>
+          </p:cNvPr>
+          <p:cNvSpPr txBox="1"/>
+          <p:nvPr/>
+        </p:nvSpPr>
+        <p:spPr>
+          <a:xfrm>
+            <a:off x="838200" y="5984043"/>
+            <a:ext cx="4672668" cy="307777"/>
+          </a:xfrm>
+          <a:prstGeom prst="rect">
+            <a:avLst/>
+          </a:prstGeom>
+          <a:noFill/>
+        </p:spPr>
+        <p:txBody>
+          <a:bodyPr wrap="square" rtlCol="0">
+            <a:spAutoFit/>
+          </a:bodyPr>
+          <a:lstStyle/>
+          <a:p>
+            <a:r>
+              <a:rPr lang="de-DE" sz="1400" baseline="50000" dirty="0"/>
+              <a:t>1</a:t>
+            </a:r>
+            <a:r>
+              <a:rPr lang="de-DE" sz="1400" dirty="0"/>
+              <a:t>https://github.com/</a:t>
+            </a:r>
+            <a:r>
+              <a:rPr lang="de-DE" sz="1400" dirty="0" err="1"/>
+              <a:t>tesseract-ocr</a:t>
+            </a:r>
+            <a:r>
+              <a:rPr lang="de-DE" sz="1400" dirty="0"/>
+              <a:t>/</a:t>
+            </a:r>
+            <a:r>
+              <a:rPr lang="de-DE" sz="1400" dirty="0" err="1"/>
+              <a:t>tesseract</a:t>
+            </a:r>
+            <a:endParaRPr lang="de-DE" sz="1400" dirty="0"/>
+          </a:p>
+        </p:txBody>
+      </p:sp>
+    </p:spTree>
+    <p:extLst>
+      <p:ext uri="{BB962C8B-B14F-4D97-AF65-F5344CB8AC3E}">
+        <p14:creationId xmlns:p14="http://schemas.microsoft.com/office/powerpoint/2010/main" val="3600906502"/>
+      </p:ext>
+    </p:extLst>
+  </p:cSld>
+  <p:clrMapOvr>
+    <a:masterClrMapping/>
+  </p:clrMapOvr>
+</p:sld>
+</file>
+
+<file path=ppt/slides/slide14.xml><?xml version="1.0" encoding="utf-8"?>
+<p:sld xmlns:a="http://schemas.openxmlformats.org/drawingml/2006/main" xmlns:r="http://schemas.openxmlformats.org/officeDocument/2006/relationships" xmlns:p="http://schemas.openxmlformats.org/presentationml/2006/main">
+  <p:cSld>
+    <p:spTree>
+      <p:nvGrpSpPr>
+        <p:cNvPr id="1" name=""/>
+        <p:cNvGrpSpPr/>
+        <p:nvPr/>
+      </p:nvGrpSpPr>
+      <p:grpSpPr>
+        <a:xfrm>
+          <a:off x="0" y="0"/>
+          <a:ext cx="0" cy="0"/>
+          <a:chOff x="0" y="0"/>
+          <a:chExt cx="0" cy="0"/>
+        </a:xfrm>
+      </p:grpSpPr>
+      <p:sp>
+        <p:nvSpPr>
+          <p:cNvPr id="2" name="Titel 1">
+            <a:extLst>
+              <a:ext uri="{FF2B5EF4-FFF2-40B4-BE49-F238E27FC236}">
+                <a16:creationId xmlns:a16="http://schemas.microsoft.com/office/drawing/2014/main" id="{1F98ABB1-5A34-EFA7-BB54-B92C44C4CF37}"/>
+              </a:ext>
+            </a:extLst>
+          </p:cNvPr>
+          <p:cNvSpPr>
+            <a:spLocks noGrp="1"/>
+          </p:cNvSpPr>
+          <p:nvPr>
+            <p:ph type="title"/>
+          </p:nvPr>
+        </p:nvSpPr>
+        <p:spPr>
+          <a:xfrm>
+            <a:off x="838200" y="2766218"/>
+            <a:ext cx="10515600" cy="1325563"/>
+          </a:xfrm>
+        </p:spPr>
+        <p:txBody>
+          <a:bodyPr/>
+          <a:lstStyle/>
+          <a:p>
+            <a:r>
+              <a:rPr lang="de-DE" dirty="0"/>
+              <a:t>Live Demo</a:t>
+            </a:r>
+          </a:p>
+        </p:txBody>
+      </p:sp>
+      <p:sp>
+        <p:nvSpPr>
+          <p:cNvPr id="3" name="Datumsplatzhalter 2">
+            <a:extLst>
+              <a:ext uri="{FF2B5EF4-FFF2-40B4-BE49-F238E27FC236}">
+                <a16:creationId xmlns:a16="http://schemas.microsoft.com/office/drawing/2014/main" id="{34AD67F4-0E9A-AD78-B45C-2121435ABF2C}"/>
+              </a:ext>
+            </a:extLst>
+          </p:cNvPr>
+          <p:cNvSpPr>
+            <a:spLocks noGrp="1"/>
+          </p:cNvSpPr>
+          <p:nvPr>
+            <p:ph type="dt" sz="half" idx="10"/>
+          </p:nvPr>
+        </p:nvSpPr>
+        <p:spPr/>
+        <p:txBody>
+          <a:bodyPr/>
+          <a:lstStyle/>
+          <a:p>
+            <a:fld id="{065DC3C3-A251-411D-9204-A665BD7B6442}" type="datetime1">
+              <a:rPr lang="de-DE" smtClean="0"/>
+              <a:t>26.06.2023</a:t>
+            </a:fld>
+            <a:endParaRPr lang="de-DE"/>
+          </a:p>
+        </p:txBody>
+      </p:sp>
+      <p:sp>
+        <p:nvSpPr>
+          <p:cNvPr id="4" name="Fußzeilenplatzhalter 3">
+            <a:extLst>
+              <a:ext uri="{FF2B5EF4-FFF2-40B4-BE49-F238E27FC236}">
+                <a16:creationId xmlns:a16="http://schemas.microsoft.com/office/drawing/2014/main" id="{485B437B-E868-B7EC-8969-B032421F2DBC}"/>
+              </a:ext>
+            </a:extLst>
+          </p:cNvPr>
+          <p:cNvSpPr>
+            <a:spLocks noGrp="1"/>
+          </p:cNvSpPr>
+          <p:nvPr>
+            <p:ph type="ftr" sz="quarter" idx="11"/>
+          </p:nvPr>
+        </p:nvSpPr>
+        <p:spPr/>
+        <p:txBody>
+          <a:bodyPr/>
+          <a:lstStyle/>
+          <a:p>
+            <a:r>
+              <a:rPr lang="de-DE"/>
+              <a:t>Meilenstein 4</a:t>
+            </a:r>
+          </a:p>
+        </p:txBody>
+      </p:sp>
+      <p:sp>
+        <p:nvSpPr>
+          <p:cNvPr id="5" name="Foliennummernplatzhalter 4">
+            <a:extLst>
+              <a:ext uri="{FF2B5EF4-FFF2-40B4-BE49-F238E27FC236}">
+                <a16:creationId xmlns:a16="http://schemas.microsoft.com/office/drawing/2014/main" id="{9301FF17-2CAE-3F7D-E0EE-99605F3A912B}"/>
+              </a:ext>
+            </a:extLst>
+          </p:cNvPr>
+          <p:cNvSpPr>
+            <a:spLocks noGrp="1"/>
+          </p:cNvSpPr>
+          <p:nvPr>
+            <p:ph type="sldNum" sz="quarter" idx="12"/>
+          </p:nvPr>
+        </p:nvSpPr>
+        <p:spPr/>
+        <p:txBody>
+          <a:bodyPr/>
+          <a:lstStyle/>
+          <a:p>
+            <a:fld id="{37433AC2-EFC7-45C2-8E26-B48CD5F13A15}" type="slidenum">
+              <a:rPr lang="de-DE" smtClean="0"/>
+              <a:t>14</a:t>
+            </a:fld>
+            <a:endParaRPr lang="de-DE"/>
+          </a:p>
+        </p:txBody>
+      </p:sp>
+    </p:spTree>
+    <p:extLst>
+      <p:ext uri="{BB962C8B-B14F-4D97-AF65-F5344CB8AC3E}">
+        <p14:creationId xmlns:p14="http://schemas.microsoft.com/office/powerpoint/2010/main" val="1844840672"/>
+      </p:ext>
+    </p:extLst>
+  </p:cSld>
+  <p:clrMapOvr>
+    <a:masterClrMapping/>
+  </p:clrMapOvr>
+</p:sld>
+</file>
+
+<file path=ppt/slides/slide15.xml><?xml version="1.0" encoding="utf-8"?>
+<p:sld xmlns:a="http://schemas.openxmlformats.org/drawingml/2006/main" xmlns:r="http://schemas.openxmlformats.org/officeDocument/2006/relationships" xmlns:p="http://schemas.openxmlformats.org/presentationml/2006/main">
+  <p:cSld>
+    <p:spTree>
+      <p:nvGrpSpPr>
+        <p:cNvPr id="1" name=""/>
+        <p:cNvGrpSpPr/>
+        <p:nvPr/>
+      </p:nvGrpSpPr>
+      <p:grpSpPr>
+        <a:xfrm>
+          <a:off x="0" y="0"/>
+          <a:ext cx="0" cy="0"/>
+          <a:chOff x="0" y="0"/>
+          <a:chExt cx="0" cy="0"/>
+        </a:xfrm>
+      </p:grpSpPr>
+      <p:sp>
+        <p:nvSpPr>
+          <p:cNvPr id="2" name="Titel 1">
+            <a:extLst>
+              <a:ext uri="{FF2B5EF4-FFF2-40B4-BE49-F238E27FC236}">
+                <a16:creationId xmlns:a16="http://schemas.microsoft.com/office/drawing/2014/main" id="{0B50ED26-7024-9353-8942-8ED0EFB2359D}"/>
+              </a:ext>
+            </a:extLst>
+          </p:cNvPr>
+          <p:cNvSpPr>
+            <a:spLocks noGrp="1"/>
+          </p:cNvSpPr>
+          <p:nvPr>
+            <p:ph type="title"/>
+          </p:nvPr>
+        </p:nvSpPr>
+        <p:spPr>
+          <a:xfrm>
+            <a:off x="838200" y="2766218"/>
+            <a:ext cx="10515600" cy="1325563"/>
+          </a:xfrm>
+        </p:spPr>
+        <p:txBody>
+          <a:bodyPr/>
+          <a:lstStyle/>
+          <a:p>
+            <a:r>
+              <a:rPr lang="de-DE" dirty="0"/>
+              <a:t>Fragen?</a:t>
+            </a:r>
+          </a:p>
+        </p:txBody>
+      </p:sp>
+      <p:sp>
+        <p:nvSpPr>
+          <p:cNvPr id="3" name="Datumsplatzhalter 2">
+            <a:extLst>
+              <a:ext uri="{FF2B5EF4-FFF2-40B4-BE49-F238E27FC236}">
+                <a16:creationId xmlns:a16="http://schemas.microsoft.com/office/drawing/2014/main" id="{E5DB71C7-3ACD-97D3-9F98-0F946D5A3783}"/>
+              </a:ext>
+            </a:extLst>
+          </p:cNvPr>
+          <p:cNvSpPr>
+            <a:spLocks noGrp="1"/>
+          </p:cNvSpPr>
+          <p:nvPr>
+            <p:ph type="dt" sz="half" idx="10"/>
+          </p:nvPr>
+        </p:nvSpPr>
+        <p:spPr/>
+        <p:txBody>
+          <a:bodyPr/>
+          <a:lstStyle/>
+          <a:p>
+            <a:fld id="{3C622B7E-6CE7-414F-8907-A5BB078E8D6D}" type="datetime1">
+              <a:rPr lang="de-DE" smtClean="0"/>
+              <a:t>26.06.2023</a:t>
+            </a:fld>
+            <a:endParaRPr lang="de-DE"/>
+          </a:p>
+        </p:txBody>
+      </p:sp>
+      <p:sp>
+        <p:nvSpPr>
+          <p:cNvPr id="4" name="Fußzeilenplatzhalter 3">
+            <a:extLst>
+              <a:ext uri="{FF2B5EF4-FFF2-40B4-BE49-F238E27FC236}">
+                <a16:creationId xmlns:a16="http://schemas.microsoft.com/office/drawing/2014/main" id="{BB2CCD6D-278C-D340-EF7A-7B4323AAF013}"/>
+              </a:ext>
+            </a:extLst>
+          </p:cNvPr>
+          <p:cNvSpPr>
+            <a:spLocks noGrp="1"/>
+          </p:cNvSpPr>
+          <p:nvPr>
+            <p:ph type="ftr" sz="quarter" idx="11"/>
+          </p:nvPr>
+        </p:nvSpPr>
+        <p:spPr/>
+        <p:txBody>
+          <a:bodyPr/>
+          <a:lstStyle/>
+          <a:p>
+            <a:r>
+              <a:rPr lang="de-DE"/>
+              <a:t>Meilenstein 4</a:t>
+            </a:r>
+          </a:p>
+        </p:txBody>
+      </p:sp>
+      <p:sp>
+        <p:nvSpPr>
+          <p:cNvPr id="5" name="Foliennummernplatzhalter 4">
+            <a:extLst>
+              <a:ext uri="{FF2B5EF4-FFF2-40B4-BE49-F238E27FC236}">
+                <a16:creationId xmlns:a16="http://schemas.microsoft.com/office/drawing/2014/main" id="{37D7E96A-D5C4-736C-6B58-51CCC0042237}"/>
+              </a:ext>
+            </a:extLst>
+          </p:cNvPr>
+          <p:cNvSpPr>
+            <a:spLocks noGrp="1"/>
+          </p:cNvSpPr>
+          <p:nvPr>
+            <p:ph type="sldNum" sz="quarter" idx="12"/>
+          </p:nvPr>
+        </p:nvSpPr>
+        <p:spPr/>
+        <p:txBody>
+          <a:bodyPr/>
+          <a:lstStyle/>
+          <a:p>
+            <a:fld id="{37433AC2-EFC7-45C2-8E26-B48CD5F13A15}" type="slidenum">
+              <a:rPr lang="de-DE" smtClean="0"/>
+              <a:t>15</a:t>
+            </a:fld>
+            <a:endParaRPr lang="de-DE"/>
+          </a:p>
+        </p:txBody>
+      </p:sp>
+    </p:spTree>
+    <p:extLst>
+      <p:ext uri="{BB962C8B-B14F-4D97-AF65-F5344CB8AC3E}">
+        <p14:creationId xmlns:p14="http://schemas.microsoft.com/office/powerpoint/2010/main" val="568572890"/>
       </p:ext>
     </p:extLst>
   </p:cSld>
@@ -3477,6 +6076,155 @@
               <a:rPr lang="de-DE" dirty="0"/>
               <a:t>Daten &amp; Vorbereitung</a:t>
             </a:r>
+          </a:p>
+          <a:p>
+            <a:r>
+              <a:rPr lang="de-DE" dirty="0"/>
+              <a:t>Knowledge </a:t>
+            </a:r>
+            <a:r>
+              <a:rPr lang="de-DE" dirty="0" err="1"/>
+              <a:t>Distillation</a:t>
+            </a:r>
+            <a:endParaRPr lang="de-DE" dirty="0"/>
+          </a:p>
+          <a:p>
+            <a:pPr lvl="1"/>
+            <a:r>
+              <a:rPr lang="de-DE" dirty="0"/>
+              <a:t>Ergebnisse</a:t>
+            </a:r>
+          </a:p>
+          <a:p>
+            <a:pPr lvl="1"/>
+            <a:r>
+              <a:rPr lang="de-DE" dirty="0"/>
+              <a:t>Vergleich mit Scratch (ohne Teacher)</a:t>
+            </a:r>
+          </a:p>
+          <a:p>
+            <a:pPr lvl="1"/>
+            <a:r>
+              <a:rPr lang="de-DE" dirty="0"/>
+              <a:t>Weitere Ergebnisse</a:t>
+            </a:r>
+          </a:p>
+          <a:p>
+            <a:pPr lvl="1"/>
+            <a:r>
+              <a:rPr lang="de-DE" dirty="0"/>
+              <a:t>Finale Model</a:t>
+            </a:r>
+          </a:p>
+          <a:p>
+            <a:r>
+              <a:rPr lang="de-DE" dirty="0"/>
+              <a:t>App</a:t>
+            </a:r>
+          </a:p>
+          <a:p>
+            <a:pPr lvl="1"/>
+            <a:r>
+              <a:rPr lang="de-DE" dirty="0"/>
+              <a:t>Beispiele</a:t>
+            </a:r>
+          </a:p>
+          <a:p>
+            <a:pPr lvl="1"/>
+            <a:r>
+              <a:rPr lang="de-DE" dirty="0"/>
+              <a:t>Live Demo</a:t>
+            </a:r>
+          </a:p>
+          <a:p>
+            <a:pPr lvl="1"/>
+            <a:endParaRPr lang="de-DE" dirty="0"/>
+          </a:p>
+        </p:txBody>
+      </p:sp>
+      <p:sp>
+        <p:nvSpPr>
+          <p:cNvPr id="4" name="Datumsplatzhalter 3">
+            <a:extLst>
+              <a:ext uri="{FF2B5EF4-FFF2-40B4-BE49-F238E27FC236}">
+                <a16:creationId xmlns:a16="http://schemas.microsoft.com/office/drawing/2014/main" id="{D6BA6301-B47A-989B-6933-F3E1868EDE32}"/>
+              </a:ext>
+            </a:extLst>
+          </p:cNvPr>
+          <p:cNvSpPr>
+            <a:spLocks noGrp="1"/>
+          </p:cNvSpPr>
+          <p:nvPr>
+            <p:ph type="dt" sz="half" idx="10"/>
+          </p:nvPr>
+        </p:nvSpPr>
+        <p:spPr/>
+        <p:txBody>
+          <a:bodyPr/>
+          <a:lstStyle/>
+          <a:p>
+            <a:fld id="{B05BEB5C-4BC9-43C8-BD10-326274D1CAA2}" type="datetime1">
+              <a:rPr lang="de-DE" smtClean="0"/>
+              <a:t>26.06.2023</a:t>
+            </a:fld>
+            <a:endParaRPr lang="de-DE"/>
+          </a:p>
+        </p:txBody>
+      </p:sp>
+      <p:sp>
+        <p:nvSpPr>
+          <p:cNvPr id="5" name="Fußzeilenplatzhalter 4">
+            <a:extLst>
+              <a:ext uri="{FF2B5EF4-FFF2-40B4-BE49-F238E27FC236}">
+                <a16:creationId xmlns:a16="http://schemas.microsoft.com/office/drawing/2014/main" id="{D26BF51C-9A70-3430-EEDA-61ADF8C59950}"/>
+              </a:ext>
+            </a:extLst>
+          </p:cNvPr>
+          <p:cNvSpPr>
+            <a:spLocks noGrp="1"/>
+          </p:cNvSpPr>
+          <p:nvPr>
+            <p:ph type="ftr" sz="quarter" idx="11"/>
+          </p:nvPr>
+        </p:nvSpPr>
+        <p:spPr/>
+        <p:txBody>
+          <a:bodyPr/>
+          <a:lstStyle/>
+          <a:p>
+            <a:r>
+              <a:rPr lang="de-DE"/>
+              <a:t>Meilenstein 4</a:t>
+            </a:r>
+          </a:p>
+        </p:txBody>
+      </p:sp>
+      <p:sp>
+        <p:nvSpPr>
+          <p:cNvPr id="6" name="Foliennummernplatzhalter 5">
+            <a:extLst>
+              <a:ext uri="{FF2B5EF4-FFF2-40B4-BE49-F238E27FC236}">
+                <a16:creationId xmlns:a16="http://schemas.microsoft.com/office/drawing/2014/main" id="{8D321148-FE43-EE54-56A5-749B8FE9C4EF}"/>
+              </a:ext>
+            </a:extLst>
+          </p:cNvPr>
+          <p:cNvSpPr>
+            <a:spLocks noGrp="1"/>
+          </p:cNvSpPr>
+          <p:nvPr>
+            <p:ph type="sldNum" sz="quarter" idx="12"/>
+          </p:nvPr>
+        </p:nvSpPr>
+        <p:spPr/>
+        <p:txBody>
+          <a:bodyPr/>
+          <a:lstStyle/>
+          <a:p>
+            <a:fld id="{37433AC2-EFC7-45C2-8E26-B48CD5F13A15}" type="slidenum">
+              <a:rPr lang="de-DE" smtClean="0"/>
+              <a:t>2</a:t>
+            </a:fld>
+            <a:endParaRPr lang="de-DE"/>
           </a:p>
         </p:txBody>
       </p:sp>
@@ -3554,10 +6302,23 @@
             <p:ph idx="1"/>
           </p:nvPr>
         </p:nvSpPr>
-        <p:spPr/>
-        <p:txBody>
-          <a:bodyPr/>
-          <a:lstStyle/>
+        <p:spPr>
+          <a:xfrm>
+            <a:off x="838200" y="1825625"/>
+            <a:ext cx="5705213" cy="4351338"/>
+          </a:xfrm>
+        </p:spPr>
+        <p:txBody>
+          <a:bodyPr>
+            <a:normAutofit/>
+          </a:bodyPr>
+          <a:lstStyle/>
+          <a:p>
+            <a:r>
+              <a:rPr lang="de-DE" dirty="0"/>
+              <a:t>Ziel: Handgeschriebene Zeichen erkennen</a:t>
+            </a:r>
+          </a:p>
           <a:p>
             <a:r>
               <a:rPr lang="de-DE" dirty="0"/>
@@ -3573,52 +6334,217 @@
             </a:r>
           </a:p>
           <a:p>
+            <a:r>
+              <a:rPr lang="de-DE" dirty="0"/>
+              <a:t>Größen</a:t>
+            </a:r>
+          </a:p>
+          <a:p>
             <a:pPr lvl="1"/>
             <a:r>
               <a:rPr lang="de-DE" dirty="0"/>
-              <a:t>EMNIST 800K</a:t>
+              <a:t>EMNIST (23x23) 800K</a:t>
             </a:r>
           </a:p>
           <a:p>
             <a:pPr lvl="1"/>
             <a:r>
               <a:rPr lang="de-DE" dirty="0"/>
-              <a:t>Eigener 1300</a:t>
+              <a:t>Eigener (73x73) 1300</a:t>
             </a:r>
           </a:p>
           <a:p>
             <a:r>
               <a:rPr lang="de-DE" dirty="0"/>
-              <a:t>Neu: Data Augmentation</a:t>
+              <a:t>Vorbereitung</a:t>
             </a:r>
           </a:p>
           <a:p>
             <a:pPr lvl="1"/>
             <a:r>
               <a:rPr lang="de-DE" dirty="0"/>
-              <a:t>Kontrast</a:t>
-            </a:r>
-          </a:p>
-          <a:p>
-            <a:pPr lvl="1"/>
-            <a:r>
-              <a:rPr lang="de-DE" dirty="0"/>
-              <a:t>Helligkeit</a:t>
-            </a:r>
-          </a:p>
-          <a:p>
-            <a:pPr lvl="1"/>
-            <a:r>
-              <a:rPr lang="de-DE" dirty="0"/>
-              <a:t>Leichte Drehung</a:t>
-            </a:r>
-          </a:p>
-          <a:p>
-            <a:pPr lvl="1"/>
+              <a:t>Rotieren &amp; Flippen (EMNIST), Skalieren, Normalisieren</a:t>
+            </a:r>
+          </a:p>
+        </p:txBody>
+      </p:sp>
+      <p:pic>
+        <p:nvPicPr>
+          <p:cNvPr id="4" name="Picture 8">
+            <a:extLst>
+              <a:ext uri="{FF2B5EF4-FFF2-40B4-BE49-F238E27FC236}">
+                <a16:creationId xmlns:a16="http://schemas.microsoft.com/office/drawing/2014/main" id="{1C597342-614E-08AE-D38D-D421A97458B3}"/>
+              </a:ext>
+            </a:extLst>
+          </p:cNvPr>
+          <p:cNvPicPr>
+            <a:picLocks noChangeAspect="1" noChangeArrowheads="1"/>
+          </p:cNvPicPr>
+          <p:nvPr/>
+        </p:nvPicPr>
+        <p:blipFill>
+          <a:blip r:embed="rId2">
+            <a:extLst>
+              <a:ext uri="{28A0092B-C50C-407E-A947-70E740481C1C}">
+                <a14:useLocalDpi xmlns:a14="http://schemas.microsoft.com/office/drawing/2010/main" val="0"/>
+              </a:ext>
+            </a:extLst>
+          </a:blip>
+          <a:srcRect/>
+          <a:stretch>
+            <a:fillRect/>
+          </a:stretch>
+        </p:blipFill>
+        <p:spPr bwMode="auto">
+          <a:xfrm>
+            <a:off x="7849246" y="3536302"/>
+            <a:ext cx="2894756" cy="2888117"/>
+          </a:xfrm>
+          <a:prstGeom prst="rect">
+            <a:avLst/>
+          </a:prstGeom>
+          <a:noFill/>
+          <a:extLst>
+            <a:ext uri="{909E8E84-426E-40DD-AFC4-6F175D3DCCD1}">
+              <a14:hiddenFill xmlns:a14="http://schemas.microsoft.com/office/drawing/2010/main">
+                <a:solidFill>
+                  <a:srgbClr val="FFFFFF"/>
+                </a:solidFill>
+              </a14:hiddenFill>
+            </a:ext>
+          </a:extLst>
+        </p:spPr>
+      </p:pic>
+      <p:pic>
+        <p:nvPicPr>
+          <p:cNvPr id="5" name="Picture 10">
+            <a:extLst>
+              <a:ext uri="{FF2B5EF4-FFF2-40B4-BE49-F238E27FC236}">
+                <a16:creationId xmlns:a16="http://schemas.microsoft.com/office/drawing/2014/main" id="{642B1787-0B24-6A47-E4FD-77A8F640F5ED}"/>
+              </a:ext>
+            </a:extLst>
+          </p:cNvPr>
+          <p:cNvPicPr>
+            <a:picLocks noChangeAspect="1" noChangeArrowheads="1"/>
+          </p:cNvPicPr>
+          <p:nvPr/>
+        </p:nvPicPr>
+        <p:blipFill>
+          <a:blip r:embed="rId3">
+            <a:extLst>
+              <a:ext uri="{28A0092B-C50C-407E-A947-70E740481C1C}">
+                <a14:useLocalDpi xmlns:a14="http://schemas.microsoft.com/office/drawing/2010/main" val="0"/>
+              </a:ext>
+            </a:extLst>
+          </a:blip>
+          <a:srcRect/>
+          <a:stretch>
+            <a:fillRect/>
+          </a:stretch>
+        </p:blipFill>
+        <p:spPr bwMode="auto">
+          <a:xfrm>
+            <a:off x="7849246" y="536853"/>
+            <a:ext cx="2918926" cy="2892147"/>
+          </a:xfrm>
+          <a:prstGeom prst="rect">
+            <a:avLst/>
+          </a:prstGeom>
+          <a:noFill/>
+          <a:extLst>
+            <a:ext uri="{909E8E84-426E-40DD-AFC4-6F175D3DCCD1}">
+              <a14:hiddenFill xmlns:a14="http://schemas.microsoft.com/office/drawing/2010/main">
+                <a:solidFill>
+                  <a:srgbClr val="FFFFFF"/>
+                </a:solidFill>
+              </a14:hiddenFill>
+            </a:ext>
+          </a:extLst>
+        </p:spPr>
+      </p:pic>
+      <p:sp>
+        <p:nvSpPr>
+          <p:cNvPr id="6" name="Datumsplatzhalter 5">
+            <a:extLst>
+              <a:ext uri="{FF2B5EF4-FFF2-40B4-BE49-F238E27FC236}">
+                <a16:creationId xmlns:a16="http://schemas.microsoft.com/office/drawing/2014/main" id="{3618BBAC-988B-C28A-11AF-F0E209F066B7}"/>
+              </a:ext>
+            </a:extLst>
+          </p:cNvPr>
+          <p:cNvSpPr>
+            <a:spLocks noGrp="1"/>
+          </p:cNvSpPr>
+          <p:nvPr>
+            <p:ph type="dt" sz="half" idx="10"/>
+          </p:nvPr>
+        </p:nvSpPr>
+        <p:spPr/>
+        <p:txBody>
+          <a:bodyPr/>
+          <a:lstStyle/>
+          <a:p>
+            <a:fld id="{F086D00E-2AE6-42D7-9990-78C326B7BBE6}" type="datetime1">
+              <a:rPr lang="de-DE" smtClean="0"/>
+              <a:t>26.06.2023</a:t>
+            </a:fld>
+            <a:endParaRPr lang="de-DE"/>
+          </a:p>
+        </p:txBody>
+      </p:sp>
+      <p:sp>
+        <p:nvSpPr>
+          <p:cNvPr id="7" name="Fußzeilenplatzhalter 6">
+            <a:extLst>
+              <a:ext uri="{FF2B5EF4-FFF2-40B4-BE49-F238E27FC236}">
+                <a16:creationId xmlns:a16="http://schemas.microsoft.com/office/drawing/2014/main" id="{2A27B4B1-D662-73C0-B6D2-589EB3DE6419}"/>
+              </a:ext>
+            </a:extLst>
+          </p:cNvPr>
+          <p:cNvSpPr>
+            <a:spLocks noGrp="1"/>
+          </p:cNvSpPr>
+          <p:nvPr>
+            <p:ph type="ftr" sz="quarter" idx="11"/>
+          </p:nvPr>
+        </p:nvSpPr>
+        <p:spPr/>
+        <p:txBody>
+          <a:bodyPr/>
+          <a:lstStyle/>
+          <a:p>
             <a:r>
               <a:rPr lang="de-DE"/>
-              <a:t>Rauschen</a:t>
-            </a:r>
+              <a:t>Meilenstein 4</a:t>
+            </a:r>
+          </a:p>
+        </p:txBody>
+      </p:sp>
+      <p:sp>
+        <p:nvSpPr>
+          <p:cNvPr id="8" name="Foliennummernplatzhalter 7">
+            <a:extLst>
+              <a:ext uri="{FF2B5EF4-FFF2-40B4-BE49-F238E27FC236}">
+                <a16:creationId xmlns:a16="http://schemas.microsoft.com/office/drawing/2014/main" id="{0F798796-22F1-7D0A-F604-0DB8326806A1}"/>
+              </a:ext>
+            </a:extLst>
+          </p:cNvPr>
+          <p:cNvSpPr>
+            <a:spLocks noGrp="1"/>
+          </p:cNvSpPr>
+          <p:nvPr>
+            <p:ph type="sldNum" sz="quarter" idx="12"/>
+          </p:nvPr>
+        </p:nvSpPr>
+        <p:spPr/>
+        <p:txBody>
+          <a:bodyPr/>
+          <a:lstStyle/>
+          <a:p>
+            <a:fld id="{37433AC2-EFC7-45C2-8E26-B48CD5F13A15}" type="slidenum">
+              <a:rPr lang="de-DE" smtClean="0"/>
+              <a:t>3</a:t>
+            </a:fld>
+            <a:endParaRPr lang="de-DE"/>
           </a:p>
         </p:txBody>
       </p:sp>
@@ -3626,6 +6552,5436 @@
     <p:extLst>
       <p:ext uri="{BB962C8B-B14F-4D97-AF65-F5344CB8AC3E}">
         <p14:creationId xmlns:p14="http://schemas.microsoft.com/office/powerpoint/2010/main" val="1785524900"/>
+      </p:ext>
+    </p:extLst>
+  </p:cSld>
+  <p:clrMapOvr>
+    <a:masterClrMapping/>
+  </p:clrMapOvr>
+</p:sld>
+</file>
+
+<file path=ppt/slides/slide4.xml><?xml version="1.0" encoding="utf-8"?>
+<p:sld xmlns:a="http://schemas.openxmlformats.org/drawingml/2006/main" xmlns:r="http://schemas.openxmlformats.org/officeDocument/2006/relationships" xmlns:p="http://schemas.openxmlformats.org/presentationml/2006/main">
+  <p:cSld>
+    <p:spTree>
+      <p:nvGrpSpPr>
+        <p:cNvPr id="1" name=""/>
+        <p:cNvGrpSpPr/>
+        <p:nvPr/>
+      </p:nvGrpSpPr>
+      <p:grpSpPr>
+        <a:xfrm>
+          <a:off x="0" y="0"/>
+          <a:ext cx="0" cy="0"/>
+          <a:chOff x="0" y="0"/>
+          <a:chExt cx="0" cy="0"/>
+        </a:xfrm>
+      </p:grpSpPr>
+      <p:sp>
+        <p:nvSpPr>
+          <p:cNvPr id="2" name="Titel 1">
+            <a:extLst>
+              <a:ext uri="{FF2B5EF4-FFF2-40B4-BE49-F238E27FC236}">
+                <a16:creationId xmlns:a16="http://schemas.microsoft.com/office/drawing/2014/main" id="{2F3F357C-BA0C-06B1-1EE9-C0CB8CB1DC88}"/>
+              </a:ext>
+            </a:extLst>
+          </p:cNvPr>
+          <p:cNvSpPr>
+            <a:spLocks noGrp="1"/>
+          </p:cNvSpPr>
+          <p:nvPr>
+            <p:ph type="title"/>
+          </p:nvPr>
+        </p:nvSpPr>
+        <p:spPr/>
+        <p:txBody>
+          <a:bodyPr/>
+          <a:lstStyle/>
+          <a:p>
+            <a:r>
+              <a:rPr lang="de-DE" dirty="0"/>
+              <a:t>Daten &amp; Vorbereitung</a:t>
+            </a:r>
+          </a:p>
+        </p:txBody>
+      </p:sp>
+      <p:sp>
+        <p:nvSpPr>
+          <p:cNvPr id="3" name="Inhaltsplatzhalter 2">
+            <a:extLst>
+              <a:ext uri="{FF2B5EF4-FFF2-40B4-BE49-F238E27FC236}">
+                <a16:creationId xmlns:a16="http://schemas.microsoft.com/office/drawing/2014/main" id="{B03BF2F0-774D-996A-DBF9-BA8CE0F92D10}"/>
+              </a:ext>
+            </a:extLst>
+          </p:cNvPr>
+          <p:cNvSpPr>
+            <a:spLocks noGrp="1"/>
+          </p:cNvSpPr>
+          <p:nvPr>
+            <p:ph idx="1"/>
+          </p:nvPr>
+        </p:nvSpPr>
+        <p:spPr>
+          <a:xfrm>
+            <a:off x="838200" y="1825625"/>
+            <a:ext cx="5570989" cy="4351338"/>
+          </a:xfrm>
+        </p:spPr>
+        <p:txBody>
+          <a:bodyPr/>
+          <a:lstStyle/>
+          <a:p>
+            <a:r>
+              <a:rPr lang="de-DE" dirty="0"/>
+              <a:t>Neu: Data Augmentation</a:t>
+            </a:r>
+          </a:p>
+          <a:p>
+            <a:pPr lvl="1"/>
+            <a:r>
+              <a:rPr lang="de-DE" dirty="0"/>
+              <a:t>Kontrast</a:t>
+            </a:r>
+          </a:p>
+          <a:p>
+            <a:pPr lvl="1"/>
+            <a:r>
+              <a:rPr lang="de-DE" dirty="0"/>
+              <a:t>Helligkeit</a:t>
+            </a:r>
+          </a:p>
+          <a:p>
+            <a:pPr lvl="1"/>
+            <a:r>
+              <a:rPr lang="de-DE" dirty="0"/>
+              <a:t>Leichte Drehung</a:t>
+            </a:r>
+          </a:p>
+          <a:p>
+            <a:pPr lvl="1"/>
+            <a:r>
+              <a:rPr lang="de-DE" dirty="0"/>
+              <a:t>Rauschen</a:t>
+            </a:r>
+          </a:p>
+          <a:p>
+            <a:r>
+              <a:rPr lang="de-DE" dirty="0"/>
+              <a:t>Teacher Model (aus MS3) neu trainiert</a:t>
+            </a:r>
+          </a:p>
+          <a:p>
+            <a:pPr lvl="1"/>
+            <a:r>
+              <a:rPr lang="de-DE" dirty="0"/>
+              <a:t>Genauigkeit 86.47% 	</a:t>
+            </a:r>
+            <a:r>
+              <a:rPr lang="de-DE" dirty="0">
+                <a:solidFill>
+                  <a:srgbClr val="C00000"/>
+                </a:solidFill>
+              </a:rPr>
+              <a:t>-0.21%</a:t>
+            </a:r>
+            <a:endParaRPr lang="de-DE" dirty="0"/>
+          </a:p>
+          <a:p>
+            <a:pPr lvl="1"/>
+            <a:r>
+              <a:rPr lang="de-DE" dirty="0"/>
+              <a:t>Loss 0.3681 		</a:t>
+            </a:r>
+            <a:r>
+              <a:rPr lang="de-DE" dirty="0">
+                <a:solidFill>
+                  <a:schemeClr val="accent6">
+                    <a:lumMod val="75000"/>
+                  </a:schemeClr>
+                </a:solidFill>
+              </a:rPr>
+              <a:t>-0.0133</a:t>
+            </a:r>
+            <a:endParaRPr lang="de-DE" dirty="0"/>
+          </a:p>
+          <a:p>
+            <a:endParaRPr lang="de-DE" dirty="0"/>
+          </a:p>
+        </p:txBody>
+      </p:sp>
+      <p:pic>
+        <p:nvPicPr>
+          <p:cNvPr id="2050" name="Picture 2">
+            <a:extLst>
+              <a:ext uri="{FF2B5EF4-FFF2-40B4-BE49-F238E27FC236}">
+                <a16:creationId xmlns:a16="http://schemas.microsoft.com/office/drawing/2014/main" id="{7A318969-47E4-EF20-2A2E-1D994299BB10}"/>
+              </a:ext>
+            </a:extLst>
+          </p:cNvPr>
+          <p:cNvPicPr>
+            <a:picLocks noChangeAspect="1" noChangeArrowheads="1"/>
+          </p:cNvPicPr>
+          <p:nvPr/>
+        </p:nvPicPr>
+        <p:blipFill>
+          <a:blip r:embed="rId2">
+            <a:extLst>
+              <a:ext uri="{28A0092B-C50C-407E-A947-70E740481C1C}">
+                <a14:useLocalDpi xmlns:a14="http://schemas.microsoft.com/office/drawing/2010/main" val="0"/>
+              </a:ext>
+            </a:extLst>
+          </a:blip>
+          <a:srcRect/>
+          <a:stretch>
+            <a:fillRect/>
+          </a:stretch>
+        </p:blipFill>
+        <p:spPr bwMode="auto">
+          <a:xfrm>
+            <a:off x="6606283" y="1623498"/>
+            <a:ext cx="4747517" cy="4755591"/>
+          </a:xfrm>
+          <a:prstGeom prst="rect">
+            <a:avLst/>
+          </a:prstGeom>
+          <a:noFill/>
+          <a:extLst>
+            <a:ext uri="{909E8E84-426E-40DD-AFC4-6F175D3DCCD1}">
+              <a14:hiddenFill xmlns:a14="http://schemas.microsoft.com/office/drawing/2010/main">
+                <a:solidFill>
+                  <a:srgbClr val="FFFFFF"/>
+                </a:solidFill>
+              </a14:hiddenFill>
+            </a:ext>
+          </a:extLst>
+        </p:spPr>
+      </p:pic>
+      <p:sp>
+        <p:nvSpPr>
+          <p:cNvPr id="4" name="Datumsplatzhalter 3">
+            <a:extLst>
+              <a:ext uri="{FF2B5EF4-FFF2-40B4-BE49-F238E27FC236}">
+                <a16:creationId xmlns:a16="http://schemas.microsoft.com/office/drawing/2014/main" id="{CC643CD2-6F29-AE0B-794B-7088D4CDDF32}"/>
+              </a:ext>
+            </a:extLst>
+          </p:cNvPr>
+          <p:cNvSpPr>
+            <a:spLocks noGrp="1"/>
+          </p:cNvSpPr>
+          <p:nvPr>
+            <p:ph type="dt" sz="half" idx="10"/>
+          </p:nvPr>
+        </p:nvSpPr>
+        <p:spPr/>
+        <p:txBody>
+          <a:bodyPr/>
+          <a:lstStyle/>
+          <a:p>
+            <a:fld id="{FD08A40C-BC3C-48C5-B9BF-B969D5F8E7C5}" type="datetime1">
+              <a:rPr lang="de-DE" smtClean="0"/>
+              <a:t>26.06.2023</a:t>
+            </a:fld>
+            <a:endParaRPr lang="de-DE"/>
+          </a:p>
+        </p:txBody>
+      </p:sp>
+      <p:sp>
+        <p:nvSpPr>
+          <p:cNvPr id="5" name="Fußzeilenplatzhalter 4">
+            <a:extLst>
+              <a:ext uri="{FF2B5EF4-FFF2-40B4-BE49-F238E27FC236}">
+                <a16:creationId xmlns:a16="http://schemas.microsoft.com/office/drawing/2014/main" id="{D36BBBD4-0458-70E5-1324-4ADDD10DDA27}"/>
+              </a:ext>
+            </a:extLst>
+          </p:cNvPr>
+          <p:cNvSpPr>
+            <a:spLocks noGrp="1"/>
+          </p:cNvSpPr>
+          <p:nvPr>
+            <p:ph type="ftr" sz="quarter" idx="11"/>
+          </p:nvPr>
+        </p:nvSpPr>
+        <p:spPr/>
+        <p:txBody>
+          <a:bodyPr/>
+          <a:lstStyle/>
+          <a:p>
+            <a:r>
+              <a:rPr lang="de-DE"/>
+              <a:t>Meilenstein 4</a:t>
+            </a:r>
+          </a:p>
+        </p:txBody>
+      </p:sp>
+      <p:sp>
+        <p:nvSpPr>
+          <p:cNvPr id="6" name="Foliennummernplatzhalter 5">
+            <a:extLst>
+              <a:ext uri="{FF2B5EF4-FFF2-40B4-BE49-F238E27FC236}">
+                <a16:creationId xmlns:a16="http://schemas.microsoft.com/office/drawing/2014/main" id="{7D4098E5-E2DB-6A7A-A73C-C62C1A8B92B9}"/>
+              </a:ext>
+            </a:extLst>
+          </p:cNvPr>
+          <p:cNvSpPr>
+            <a:spLocks noGrp="1"/>
+          </p:cNvSpPr>
+          <p:nvPr>
+            <p:ph type="sldNum" sz="quarter" idx="12"/>
+          </p:nvPr>
+        </p:nvSpPr>
+        <p:spPr/>
+        <p:txBody>
+          <a:bodyPr/>
+          <a:lstStyle/>
+          <a:p>
+            <a:fld id="{37433AC2-EFC7-45C2-8E26-B48CD5F13A15}" type="slidenum">
+              <a:rPr lang="de-DE" smtClean="0"/>
+              <a:t>4</a:t>
+            </a:fld>
+            <a:endParaRPr lang="de-DE"/>
+          </a:p>
+        </p:txBody>
+      </p:sp>
+    </p:spTree>
+    <p:extLst>
+      <p:ext uri="{BB962C8B-B14F-4D97-AF65-F5344CB8AC3E}">
+        <p14:creationId xmlns:p14="http://schemas.microsoft.com/office/powerpoint/2010/main" val="2973661053"/>
+      </p:ext>
+    </p:extLst>
+  </p:cSld>
+  <p:clrMapOvr>
+    <a:masterClrMapping/>
+  </p:clrMapOvr>
+</p:sld>
+</file>
+
+<file path=ppt/slides/slide5.xml><?xml version="1.0" encoding="utf-8"?>
+<p:sld xmlns:a="http://schemas.openxmlformats.org/drawingml/2006/main" xmlns:r="http://schemas.openxmlformats.org/officeDocument/2006/relationships" xmlns:p="http://schemas.openxmlformats.org/presentationml/2006/main">
+  <p:cSld>
+    <p:spTree>
+      <p:nvGrpSpPr>
+        <p:cNvPr id="1" name=""/>
+        <p:cNvGrpSpPr/>
+        <p:nvPr/>
+      </p:nvGrpSpPr>
+      <p:grpSpPr>
+        <a:xfrm>
+          <a:off x="0" y="0"/>
+          <a:ext cx="0" cy="0"/>
+          <a:chOff x="0" y="0"/>
+          <a:chExt cx="0" cy="0"/>
+        </a:xfrm>
+      </p:grpSpPr>
+      <p:sp>
+        <p:nvSpPr>
+          <p:cNvPr id="3" name="Würfel 2">
+            <a:extLst>
+              <a:ext uri="{FF2B5EF4-FFF2-40B4-BE49-F238E27FC236}">
+                <a16:creationId xmlns:a16="http://schemas.microsoft.com/office/drawing/2014/main" id="{3FD3C440-3437-6451-B340-BE3444C7735E}"/>
+              </a:ext>
+            </a:extLst>
+          </p:cNvPr>
+          <p:cNvSpPr/>
+          <p:nvPr/>
+        </p:nvSpPr>
+        <p:spPr>
+          <a:xfrm>
+            <a:off x="1261390" y="1405390"/>
+            <a:ext cx="1104962" cy="2552314"/>
+          </a:xfrm>
+          <a:prstGeom prst="cube">
+            <a:avLst>
+              <a:gd name="adj" fmla="val 81626"/>
+            </a:avLst>
+          </a:prstGeom>
+        </p:spPr>
+        <p:style>
+          <a:lnRef idx="2">
+            <a:schemeClr val="accent1">
+              <a:shade val="15000"/>
+            </a:schemeClr>
+          </a:lnRef>
+          <a:fillRef idx="1">
+            <a:schemeClr val="accent1"/>
+          </a:fillRef>
+          <a:effectRef idx="0">
+            <a:schemeClr val="accent1"/>
+          </a:effectRef>
+          <a:fontRef idx="minor">
+            <a:schemeClr val="lt1"/>
+          </a:fontRef>
+        </p:style>
+        <p:txBody>
+          <a:bodyPr vert="vert270" rtlCol="0" anchor="ctr"/>
+          <a:lstStyle/>
+          <a:p>
+            <a:pPr algn="ctr"/>
+            <a:r>
+              <a:rPr lang="de-DE" dirty="0"/>
+              <a:t>71x71x64</a:t>
+            </a:r>
+          </a:p>
+        </p:txBody>
+      </p:sp>
+      <p:sp>
+        <p:nvSpPr>
+          <p:cNvPr id="67" name="Würfel 66">
+            <a:extLst>
+              <a:ext uri="{FF2B5EF4-FFF2-40B4-BE49-F238E27FC236}">
+                <a16:creationId xmlns:a16="http://schemas.microsoft.com/office/drawing/2014/main" id="{5BA5C470-B00F-5075-7C88-F3F0653B7797}"/>
+              </a:ext>
+            </a:extLst>
+          </p:cNvPr>
+          <p:cNvSpPr/>
+          <p:nvPr/>
+        </p:nvSpPr>
+        <p:spPr>
+          <a:xfrm>
+            <a:off x="1598359" y="1405390"/>
+            <a:ext cx="1104962" cy="2552314"/>
+          </a:xfrm>
+          <a:prstGeom prst="cube">
+            <a:avLst>
+              <a:gd name="adj" fmla="val 81626"/>
+            </a:avLst>
+          </a:prstGeom>
+        </p:spPr>
+        <p:style>
+          <a:lnRef idx="2">
+            <a:schemeClr val="accent1">
+              <a:shade val="15000"/>
+            </a:schemeClr>
+          </a:lnRef>
+          <a:fillRef idx="1">
+            <a:schemeClr val="accent1"/>
+          </a:fillRef>
+          <a:effectRef idx="0">
+            <a:schemeClr val="accent1"/>
+          </a:effectRef>
+          <a:fontRef idx="minor">
+            <a:schemeClr val="lt1"/>
+          </a:fontRef>
+        </p:style>
+        <p:txBody>
+          <a:bodyPr vert="vert270" rtlCol="0" anchor="ctr"/>
+          <a:lstStyle/>
+          <a:p>
+            <a:pPr algn="ctr"/>
+            <a:r>
+              <a:rPr lang="de-DE" dirty="0"/>
+              <a:t>69x69x64</a:t>
+            </a:r>
+          </a:p>
+        </p:txBody>
+      </p:sp>
+      <p:sp>
+        <p:nvSpPr>
+          <p:cNvPr id="2" name="Titel 1">
+            <a:extLst>
+              <a:ext uri="{FF2B5EF4-FFF2-40B4-BE49-F238E27FC236}">
+                <a16:creationId xmlns:a16="http://schemas.microsoft.com/office/drawing/2014/main" id="{CAACCD5B-C2E2-7A85-F127-D66C2449EAB7}"/>
+              </a:ext>
+            </a:extLst>
+          </p:cNvPr>
+          <p:cNvSpPr>
+            <a:spLocks noGrp="1"/>
+          </p:cNvSpPr>
+          <p:nvPr>
+            <p:ph type="title"/>
+          </p:nvPr>
+        </p:nvSpPr>
+        <p:spPr/>
+        <p:txBody>
+          <a:bodyPr/>
+          <a:lstStyle/>
+          <a:p>
+            <a:r>
+              <a:rPr lang="de-DE" dirty="0"/>
+              <a:t>Knowledge </a:t>
+            </a:r>
+            <a:r>
+              <a:rPr lang="de-DE" dirty="0" err="1"/>
+              <a:t>Distillation</a:t>
+            </a:r>
+            <a:endParaRPr lang="de-DE" dirty="0"/>
+          </a:p>
+        </p:txBody>
+      </p:sp>
+      <p:sp>
+        <p:nvSpPr>
+          <p:cNvPr id="5" name="Würfel 4">
+            <a:extLst>
+              <a:ext uri="{FF2B5EF4-FFF2-40B4-BE49-F238E27FC236}">
+                <a16:creationId xmlns:a16="http://schemas.microsoft.com/office/drawing/2014/main" id="{8175CDC9-2476-17FA-CACC-29478A9C4822}"/>
+              </a:ext>
+            </a:extLst>
+          </p:cNvPr>
+          <p:cNvSpPr/>
+          <p:nvPr/>
+        </p:nvSpPr>
+        <p:spPr>
+          <a:xfrm>
+            <a:off x="2134256" y="1740105"/>
+            <a:ext cx="839212" cy="1938466"/>
+          </a:xfrm>
+          <a:prstGeom prst="cube">
+            <a:avLst>
+              <a:gd name="adj" fmla="val 69833"/>
+            </a:avLst>
+          </a:prstGeom>
+        </p:spPr>
+        <p:style>
+          <a:lnRef idx="2">
+            <a:schemeClr val="accent2">
+              <a:shade val="15000"/>
+            </a:schemeClr>
+          </a:lnRef>
+          <a:fillRef idx="1">
+            <a:schemeClr val="accent2"/>
+          </a:fillRef>
+          <a:effectRef idx="0">
+            <a:schemeClr val="accent2"/>
+          </a:effectRef>
+          <a:fontRef idx="minor">
+            <a:schemeClr val="lt1"/>
+          </a:fontRef>
+        </p:style>
+        <p:txBody>
+          <a:bodyPr vert="vert270" rtlCol="0" anchor="ctr"/>
+          <a:lstStyle/>
+          <a:p>
+            <a:pPr algn="ctr"/>
+            <a:r>
+              <a:rPr lang="de-DE" dirty="0"/>
+              <a:t>34x34x64</a:t>
+            </a:r>
+          </a:p>
+        </p:txBody>
+      </p:sp>
+      <p:sp>
+        <p:nvSpPr>
+          <p:cNvPr id="23" name="Würfel 22">
+            <a:extLst>
+              <a:ext uri="{FF2B5EF4-FFF2-40B4-BE49-F238E27FC236}">
+                <a16:creationId xmlns:a16="http://schemas.microsoft.com/office/drawing/2014/main" id="{7BE626A2-B300-33EC-6854-2F1508142610}"/>
+              </a:ext>
+            </a:extLst>
+          </p:cNvPr>
+          <p:cNvSpPr/>
+          <p:nvPr/>
+        </p:nvSpPr>
+        <p:spPr>
+          <a:xfrm>
+            <a:off x="5034011" y="2619667"/>
+            <a:ext cx="1453415" cy="212992"/>
+          </a:xfrm>
+          <a:prstGeom prst="cube">
+            <a:avLst>
+              <a:gd name="adj" fmla="val 45525"/>
+            </a:avLst>
+          </a:prstGeom>
+        </p:spPr>
+        <p:style>
+          <a:lnRef idx="2">
+            <a:schemeClr val="accent6">
+              <a:shade val="15000"/>
+            </a:schemeClr>
+          </a:lnRef>
+          <a:fillRef idx="1">
+            <a:schemeClr val="accent6"/>
+          </a:fillRef>
+          <a:effectRef idx="0">
+            <a:schemeClr val="accent6"/>
+          </a:effectRef>
+          <a:fontRef idx="minor">
+            <a:schemeClr val="lt1"/>
+          </a:fontRef>
+        </p:style>
+        <p:txBody>
+          <a:bodyPr rtlCol="0" anchor="ctr"/>
+          <a:lstStyle/>
+          <a:p>
+            <a:pPr algn="ctr"/>
+            <a:endParaRPr lang="de-DE" dirty="0"/>
+          </a:p>
+        </p:txBody>
+      </p:sp>
+      <p:sp>
+        <p:nvSpPr>
+          <p:cNvPr id="26" name="Würfel 25">
+            <a:extLst>
+              <a:ext uri="{FF2B5EF4-FFF2-40B4-BE49-F238E27FC236}">
+                <a16:creationId xmlns:a16="http://schemas.microsoft.com/office/drawing/2014/main" id="{138B2D43-02D4-2E19-A5B9-1E0C065F507E}"/>
+              </a:ext>
+            </a:extLst>
+          </p:cNvPr>
+          <p:cNvSpPr/>
+          <p:nvPr/>
+        </p:nvSpPr>
+        <p:spPr>
+          <a:xfrm>
+            <a:off x="6646643" y="2619667"/>
+            <a:ext cx="1453415" cy="212992"/>
+          </a:xfrm>
+          <a:prstGeom prst="cube">
+            <a:avLst>
+              <a:gd name="adj" fmla="val 45525"/>
+            </a:avLst>
+          </a:prstGeom>
+        </p:spPr>
+        <p:style>
+          <a:lnRef idx="2">
+            <a:schemeClr val="accent6">
+              <a:shade val="15000"/>
+            </a:schemeClr>
+          </a:lnRef>
+          <a:fillRef idx="1">
+            <a:schemeClr val="accent6"/>
+          </a:fillRef>
+          <a:effectRef idx="0">
+            <a:schemeClr val="accent6"/>
+          </a:effectRef>
+          <a:fontRef idx="minor">
+            <a:schemeClr val="lt1"/>
+          </a:fontRef>
+        </p:style>
+        <p:txBody>
+          <a:bodyPr rtlCol="0" anchor="ctr"/>
+          <a:lstStyle/>
+          <a:p>
+            <a:pPr algn="ctr"/>
+            <a:endParaRPr lang="de-DE"/>
+          </a:p>
+        </p:txBody>
+      </p:sp>
+      <p:sp>
+        <p:nvSpPr>
+          <p:cNvPr id="27" name="Würfel 26">
+            <a:extLst>
+              <a:ext uri="{FF2B5EF4-FFF2-40B4-BE49-F238E27FC236}">
+                <a16:creationId xmlns:a16="http://schemas.microsoft.com/office/drawing/2014/main" id="{C448C104-5909-22A9-9E5C-37450A7142D5}"/>
+              </a:ext>
+            </a:extLst>
+          </p:cNvPr>
+          <p:cNvSpPr/>
+          <p:nvPr/>
+        </p:nvSpPr>
+        <p:spPr>
+          <a:xfrm>
+            <a:off x="8259275" y="2619667"/>
+            <a:ext cx="499714" cy="213608"/>
+          </a:xfrm>
+          <a:prstGeom prst="cube">
+            <a:avLst>
+              <a:gd name="adj" fmla="val 45525"/>
+            </a:avLst>
+          </a:prstGeom>
+        </p:spPr>
+        <p:style>
+          <a:lnRef idx="2">
+            <a:schemeClr val="accent4">
+              <a:shade val="15000"/>
+            </a:schemeClr>
+          </a:lnRef>
+          <a:fillRef idx="1">
+            <a:schemeClr val="accent4"/>
+          </a:fillRef>
+          <a:effectRef idx="0">
+            <a:schemeClr val="accent4"/>
+          </a:effectRef>
+          <a:fontRef idx="minor">
+            <a:schemeClr val="lt1"/>
+          </a:fontRef>
+        </p:style>
+        <p:txBody>
+          <a:bodyPr rtlCol="0" anchor="ctr"/>
+          <a:lstStyle/>
+          <a:p>
+            <a:pPr algn="ctr"/>
+            <a:endParaRPr lang="de-DE"/>
+          </a:p>
+        </p:txBody>
+      </p:sp>
+      <p:sp>
+        <p:nvSpPr>
+          <p:cNvPr id="29" name="Würfel 28">
+            <a:extLst>
+              <a:ext uri="{FF2B5EF4-FFF2-40B4-BE49-F238E27FC236}">
+                <a16:creationId xmlns:a16="http://schemas.microsoft.com/office/drawing/2014/main" id="{FD015AAD-B68B-98C7-DA2F-45C033386D2F}"/>
+              </a:ext>
+            </a:extLst>
+          </p:cNvPr>
+          <p:cNvSpPr/>
+          <p:nvPr/>
+        </p:nvSpPr>
+        <p:spPr>
+          <a:xfrm>
+            <a:off x="9272084" y="3305139"/>
+            <a:ext cx="462015" cy="336632"/>
+          </a:xfrm>
+          <a:prstGeom prst="cube">
+            <a:avLst>
+              <a:gd name="adj" fmla="val 39956"/>
+            </a:avLst>
+          </a:prstGeom>
+        </p:spPr>
+        <p:style>
+          <a:lnRef idx="2">
+            <a:schemeClr val="accent1">
+              <a:shade val="15000"/>
+            </a:schemeClr>
+          </a:lnRef>
+          <a:fillRef idx="1">
+            <a:schemeClr val="accent1"/>
+          </a:fillRef>
+          <a:effectRef idx="0">
+            <a:schemeClr val="accent1"/>
+          </a:effectRef>
+          <a:fontRef idx="minor">
+            <a:schemeClr val="lt1"/>
+          </a:fontRef>
+        </p:style>
+        <p:txBody>
+          <a:bodyPr rtlCol="0" anchor="ctr"/>
+          <a:lstStyle/>
+          <a:p>
+            <a:pPr algn="ctr"/>
+            <a:endParaRPr lang="de-DE"/>
+          </a:p>
+        </p:txBody>
+      </p:sp>
+      <p:sp>
+        <p:nvSpPr>
+          <p:cNvPr id="30" name="Würfel 29">
+            <a:extLst>
+              <a:ext uri="{FF2B5EF4-FFF2-40B4-BE49-F238E27FC236}">
+                <a16:creationId xmlns:a16="http://schemas.microsoft.com/office/drawing/2014/main" id="{A40BBFA5-2FD7-06A6-606B-09AD0B9292CC}"/>
+              </a:ext>
+            </a:extLst>
+          </p:cNvPr>
+          <p:cNvSpPr/>
+          <p:nvPr/>
+        </p:nvSpPr>
+        <p:spPr>
+          <a:xfrm>
+            <a:off x="9272083" y="3728650"/>
+            <a:ext cx="462015" cy="336632"/>
+          </a:xfrm>
+          <a:prstGeom prst="cube">
+            <a:avLst>
+              <a:gd name="adj" fmla="val 39956"/>
+            </a:avLst>
+          </a:prstGeom>
+        </p:spPr>
+        <p:style>
+          <a:lnRef idx="2">
+            <a:schemeClr val="accent2">
+              <a:shade val="15000"/>
+            </a:schemeClr>
+          </a:lnRef>
+          <a:fillRef idx="1">
+            <a:schemeClr val="accent2"/>
+          </a:fillRef>
+          <a:effectRef idx="0">
+            <a:schemeClr val="accent2"/>
+          </a:effectRef>
+          <a:fontRef idx="minor">
+            <a:schemeClr val="lt1"/>
+          </a:fontRef>
+        </p:style>
+        <p:txBody>
+          <a:bodyPr rtlCol="0" anchor="ctr"/>
+          <a:lstStyle/>
+          <a:p>
+            <a:pPr algn="ctr"/>
+            <a:endParaRPr lang="de-DE"/>
+          </a:p>
+        </p:txBody>
+      </p:sp>
+      <p:sp>
+        <p:nvSpPr>
+          <p:cNvPr id="31" name="Würfel 30">
+            <a:extLst>
+              <a:ext uri="{FF2B5EF4-FFF2-40B4-BE49-F238E27FC236}">
+                <a16:creationId xmlns:a16="http://schemas.microsoft.com/office/drawing/2014/main" id="{297E6DE1-7718-EBD1-C51D-6FDD2671C79C}"/>
+              </a:ext>
+            </a:extLst>
+          </p:cNvPr>
+          <p:cNvSpPr/>
+          <p:nvPr/>
+        </p:nvSpPr>
+        <p:spPr>
+          <a:xfrm>
+            <a:off x="9272083" y="4209655"/>
+            <a:ext cx="462015" cy="336632"/>
+          </a:xfrm>
+          <a:prstGeom prst="cube">
+            <a:avLst>
+              <a:gd name="adj" fmla="val 39956"/>
+            </a:avLst>
+          </a:prstGeom>
+        </p:spPr>
+        <p:style>
+          <a:lnRef idx="2">
+            <a:schemeClr val="accent6">
+              <a:shade val="15000"/>
+            </a:schemeClr>
+          </a:lnRef>
+          <a:fillRef idx="1">
+            <a:schemeClr val="accent6"/>
+          </a:fillRef>
+          <a:effectRef idx="0">
+            <a:schemeClr val="accent6"/>
+          </a:effectRef>
+          <a:fontRef idx="minor">
+            <a:schemeClr val="lt1"/>
+          </a:fontRef>
+        </p:style>
+        <p:txBody>
+          <a:bodyPr rtlCol="0" anchor="ctr"/>
+          <a:lstStyle/>
+          <a:p>
+            <a:pPr algn="ctr"/>
+            <a:endParaRPr lang="de-DE"/>
+          </a:p>
+        </p:txBody>
+      </p:sp>
+      <p:sp>
+        <p:nvSpPr>
+          <p:cNvPr id="32" name="Würfel 31">
+            <a:extLst>
+              <a:ext uri="{FF2B5EF4-FFF2-40B4-BE49-F238E27FC236}">
+                <a16:creationId xmlns:a16="http://schemas.microsoft.com/office/drawing/2014/main" id="{5DDC79E0-E3FF-9133-03A4-61E46BB4FD5F}"/>
+              </a:ext>
+            </a:extLst>
+          </p:cNvPr>
+          <p:cNvSpPr/>
+          <p:nvPr/>
+        </p:nvSpPr>
+        <p:spPr>
+          <a:xfrm>
+            <a:off x="9272082" y="4766161"/>
+            <a:ext cx="462015" cy="336632"/>
+          </a:xfrm>
+          <a:prstGeom prst="cube">
+            <a:avLst>
+              <a:gd name="adj" fmla="val 39956"/>
+            </a:avLst>
+          </a:prstGeom>
+        </p:spPr>
+        <p:style>
+          <a:lnRef idx="2">
+            <a:schemeClr val="accent4">
+              <a:shade val="15000"/>
+            </a:schemeClr>
+          </a:lnRef>
+          <a:fillRef idx="1">
+            <a:schemeClr val="accent4"/>
+          </a:fillRef>
+          <a:effectRef idx="0">
+            <a:schemeClr val="accent4"/>
+          </a:effectRef>
+          <a:fontRef idx="minor">
+            <a:schemeClr val="lt1"/>
+          </a:fontRef>
+        </p:style>
+        <p:txBody>
+          <a:bodyPr rtlCol="0" anchor="ctr"/>
+          <a:lstStyle/>
+          <a:p>
+            <a:pPr algn="ctr"/>
+            <a:endParaRPr lang="de-DE"/>
+          </a:p>
+        </p:txBody>
+      </p:sp>
+      <p:sp>
+        <p:nvSpPr>
+          <p:cNvPr id="42" name="Würfel 41">
+            <a:extLst>
+              <a:ext uri="{FF2B5EF4-FFF2-40B4-BE49-F238E27FC236}">
+                <a16:creationId xmlns:a16="http://schemas.microsoft.com/office/drawing/2014/main" id="{DF587815-811C-292F-29BE-83DD65C5004A}"/>
+              </a:ext>
+            </a:extLst>
+          </p:cNvPr>
+          <p:cNvSpPr/>
+          <p:nvPr/>
+        </p:nvSpPr>
+        <p:spPr>
+          <a:xfrm>
+            <a:off x="6958417" y="5108387"/>
+            <a:ext cx="821762" cy="213608"/>
+          </a:xfrm>
+          <a:prstGeom prst="cube">
+            <a:avLst>
+              <a:gd name="adj" fmla="val 45525"/>
+            </a:avLst>
+          </a:prstGeom>
+        </p:spPr>
+        <p:style>
+          <a:lnRef idx="2">
+            <a:schemeClr val="accent6">
+              <a:shade val="15000"/>
+            </a:schemeClr>
+          </a:lnRef>
+          <a:fillRef idx="1">
+            <a:schemeClr val="accent6"/>
+          </a:fillRef>
+          <a:effectRef idx="0">
+            <a:schemeClr val="accent6"/>
+          </a:effectRef>
+          <a:fontRef idx="minor">
+            <a:schemeClr val="lt1"/>
+          </a:fontRef>
+        </p:style>
+        <p:txBody>
+          <a:bodyPr rtlCol="0" anchor="ctr"/>
+          <a:lstStyle/>
+          <a:p>
+            <a:pPr algn="ctr"/>
+            <a:endParaRPr lang="de-DE"/>
+          </a:p>
+        </p:txBody>
+      </p:sp>
+      <p:sp>
+        <p:nvSpPr>
+          <p:cNvPr id="45" name="Würfel 44">
+            <a:extLst>
+              <a:ext uri="{FF2B5EF4-FFF2-40B4-BE49-F238E27FC236}">
+                <a16:creationId xmlns:a16="http://schemas.microsoft.com/office/drawing/2014/main" id="{B4FA94E2-05D6-CABD-31B9-E9BB026F330E}"/>
+              </a:ext>
+            </a:extLst>
+          </p:cNvPr>
+          <p:cNvSpPr/>
+          <p:nvPr/>
+        </p:nvSpPr>
+        <p:spPr>
+          <a:xfrm>
+            <a:off x="8255223" y="5108387"/>
+            <a:ext cx="499714" cy="213608"/>
+          </a:xfrm>
+          <a:prstGeom prst="cube">
+            <a:avLst>
+              <a:gd name="adj" fmla="val 45525"/>
+            </a:avLst>
+          </a:prstGeom>
+        </p:spPr>
+        <p:style>
+          <a:lnRef idx="2">
+            <a:schemeClr val="accent4">
+              <a:shade val="15000"/>
+            </a:schemeClr>
+          </a:lnRef>
+          <a:fillRef idx="1">
+            <a:schemeClr val="accent4"/>
+          </a:fillRef>
+          <a:effectRef idx="0">
+            <a:schemeClr val="accent4"/>
+          </a:effectRef>
+          <a:fontRef idx="minor">
+            <a:schemeClr val="lt1"/>
+          </a:fontRef>
+        </p:style>
+        <p:txBody>
+          <a:bodyPr rtlCol="0" anchor="ctr"/>
+          <a:lstStyle/>
+          <a:p>
+            <a:pPr algn="ctr"/>
+            <a:endParaRPr lang="de-DE"/>
+          </a:p>
+        </p:txBody>
+      </p:sp>
+      <p:sp>
+        <p:nvSpPr>
+          <p:cNvPr id="46" name="Würfel 45">
+            <a:extLst>
+              <a:ext uri="{FF2B5EF4-FFF2-40B4-BE49-F238E27FC236}">
+                <a16:creationId xmlns:a16="http://schemas.microsoft.com/office/drawing/2014/main" id="{DB6EC860-3AF0-EE37-05FE-F3A95099EB0E}"/>
+              </a:ext>
+            </a:extLst>
+          </p:cNvPr>
+          <p:cNvSpPr/>
+          <p:nvPr/>
+        </p:nvSpPr>
+        <p:spPr>
+          <a:xfrm>
+            <a:off x="5293848" y="5108387"/>
+            <a:ext cx="821762" cy="213608"/>
+          </a:xfrm>
+          <a:prstGeom prst="cube">
+            <a:avLst>
+              <a:gd name="adj" fmla="val 45525"/>
+            </a:avLst>
+          </a:prstGeom>
+        </p:spPr>
+        <p:style>
+          <a:lnRef idx="2">
+            <a:schemeClr val="accent6">
+              <a:shade val="15000"/>
+            </a:schemeClr>
+          </a:lnRef>
+          <a:fillRef idx="1">
+            <a:schemeClr val="accent6"/>
+          </a:fillRef>
+          <a:effectRef idx="0">
+            <a:schemeClr val="accent6"/>
+          </a:effectRef>
+          <a:fontRef idx="minor">
+            <a:schemeClr val="lt1"/>
+          </a:fontRef>
+        </p:style>
+        <p:txBody>
+          <a:bodyPr rtlCol="0" anchor="ctr"/>
+          <a:lstStyle/>
+          <a:p>
+            <a:pPr algn="ctr"/>
+            <a:endParaRPr lang="de-DE"/>
+          </a:p>
+        </p:txBody>
+      </p:sp>
+      <p:sp>
+        <p:nvSpPr>
+          <p:cNvPr id="48" name="Textfeld 47">
+            <a:extLst>
+              <a:ext uri="{FF2B5EF4-FFF2-40B4-BE49-F238E27FC236}">
+                <a16:creationId xmlns:a16="http://schemas.microsoft.com/office/drawing/2014/main" id="{6DFDD2F5-13DD-32C9-9158-3F216891AE67}"/>
+              </a:ext>
+            </a:extLst>
+          </p:cNvPr>
+          <p:cNvSpPr txBox="1"/>
+          <p:nvPr/>
+        </p:nvSpPr>
+        <p:spPr>
+          <a:xfrm>
+            <a:off x="3838802" y="1462680"/>
+            <a:ext cx="4453221" cy="461665"/>
+          </a:xfrm>
+          <a:prstGeom prst="rect">
+            <a:avLst/>
+          </a:prstGeom>
+          <a:noFill/>
+        </p:spPr>
+        <p:txBody>
+          <a:bodyPr wrap="square" rtlCol="0">
+            <a:spAutoFit/>
+          </a:bodyPr>
+          <a:lstStyle/>
+          <a:p>
+            <a:r>
+              <a:rPr lang="de-DE" sz="2400" dirty="0"/>
+              <a:t>Teacher Model (4.72M Parameter)</a:t>
+            </a:r>
+          </a:p>
+        </p:txBody>
+      </p:sp>
+      <p:sp>
+        <p:nvSpPr>
+          <p:cNvPr id="49" name="Textfeld 48">
+            <a:extLst>
+              <a:ext uri="{FF2B5EF4-FFF2-40B4-BE49-F238E27FC236}">
+                <a16:creationId xmlns:a16="http://schemas.microsoft.com/office/drawing/2014/main" id="{1E2FEBF6-8838-EE96-8FF5-800DF5FE1DC2}"/>
+              </a:ext>
+            </a:extLst>
+          </p:cNvPr>
+          <p:cNvSpPr txBox="1"/>
+          <p:nvPr/>
+        </p:nvSpPr>
+        <p:spPr>
+          <a:xfrm>
+            <a:off x="3838802" y="3892559"/>
+            <a:ext cx="4706102" cy="461665"/>
+          </a:xfrm>
+          <a:prstGeom prst="rect">
+            <a:avLst/>
+          </a:prstGeom>
+          <a:noFill/>
+        </p:spPr>
+        <p:txBody>
+          <a:bodyPr wrap="square" rtlCol="0">
+            <a:spAutoFit/>
+          </a:bodyPr>
+          <a:lstStyle/>
+          <a:p>
+            <a:r>
+              <a:rPr lang="de-DE" sz="2400" dirty="0"/>
+              <a:t>Student Model (0.45M Parameter)</a:t>
+            </a:r>
+          </a:p>
+        </p:txBody>
+      </p:sp>
+      <p:sp>
+        <p:nvSpPr>
+          <p:cNvPr id="52" name="Textfeld 51">
+            <a:extLst>
+              <a:ext uri="{FF2B5EF4-FFF2-40B4-BE49-F238E27FC236}">
+                <a16:creationId xmlns:a16="http://schemas.microsoft.com/office/drawing/2014/main" id="{989D9B08-77F8-EC34-6014-7229F691B3CF}"/>
+              </a:ext>
+            </a:extLst>
+          </p:cNvPr>
+          <p:cNvSpPr txBox="1"/>
+          <p:nvPr/>
+        </p:nvSpPr>
+        <p:spPr>
+          <a:xfrm>
+            <a:off x="5114815" y="2834088"/>
+            <a:ext cx="1189526" cy="923330"/>
+          </a:xfrm>
+          <a:prstGeom prst="rect">
+            <a:avLst/>
+          </a:prstGeom>
+          <a:noFill/>
+        </p:spPr>
+        <p:txBody>
+          <a:bodyPr wrap="square" rtlCol="0">
+            <a:spAutoFit/>
+          </a:bodyPr>
+          <a:lstStyle/>
+          <a:p>
+            <a:r>
+              <a:rPr lang="de-DE" dirty="0"/>
+              <a:t>512 Nodes</a:t>
+            </a:r>
+            <a:br>
+              <a:rPr lang="de-DE" dirty="0"/>
+            </a:br>
+            <a:r>
+              <a:rPr lang="de-DE" dirty="0"/>
+              <a:t>(Dropout 0.8 &amp; BN</a:t>
+            </a:r>
+            <a:r>
+              <a:rPr lang="de-DE" sz="1800" baseline="50000" dirty="0"/>
+              <a:t>1</a:t>
+            </a:r>
+            <a:r>
+              <a:rPr lang="de-DE" dirty="0"/>
+              <a:t>)</a:t>
+            </a:r>
+          </a:p>
+        </p:txBody>
+      </p:sp>
+      <p:sp>
+        <p:nvSpPr>
+          <p:cNvPr id="53" name="Textfeld 52">
+            <a:extLst>
+              <a:ext uri="{FF2B5EF4-FFF2-40B4-BE49-F238E27FC236}">
+                <a16:creationId xmlns:a16="http://schemas.microsoft.com/office/drawing/2014/main" id="{F5D51F17-6F76-607E-4013-1CFF6C74E1F9}"/>
+              </a:ext>
+            </a:extLst>
+          </p:cNvPr>
+          <p:cNvSpPr txBox="1"/>
+          <p:nvPr/>
+        </p:nvSpPr>
+        <p:spPr>
+          <a:xfrm>
+            <a:off x="6778587" y="2832920"/>
+            <a:ext cx="1189526" cy="923330"/>
+          </a:xfrm>
+          <a:prstGeom prst="rect">
+            <a:avLst/>
+          </a:prstGeom>
+          <a:noFill/>
+        </p:spPr>
+        <p:txBody>
+          <a:bodyPr wrap="square" rtlCol="0">
+            <a:spAutoFit/>
+          </a:bodyPr>
+          <a:lstStyle/>
+          <a:p>
+            <a:r>
+              <a:rPr lang="de-DE" dirty="0"/>
+              <a:t>512 Nodes</a:t>
+            </a:r>
+            <a:br>
+              <a:rPr lang="de-DE" dirty="0"/>
+            </a:br>
+            <a:r>
+              <a:rPr lang="de-DE" dirty="0"/>
+              <a:t>(Dropout 0.8 &amp; BN</a:t>
+            </a:r>
+            <a:r>
+              <a:rPr lang="de-DE" sz="1800" baseline="50000" dirty="0"/>
+              <a:t>1</a:t>
+            </a:r>
+            <a:r>
+              <a:rPr lang="de-DE" dirty="0"/>
+              <a:t>)</a:t>
+            </a:r>
+          </a:p>
+        </p:txBody>
+      </p:sp>
+      <p:sp>
+        <p:nvSpPr>
+          <p:cNvPr id="55" name="Textfeld 54">
+            <a:extLst>
+              <a:ext uri="{FF2B5EF4-FFF2-40B4-BE49-F238E27FC236}">
+                <a16:creationId xmlns:a16="http://schemas.microsoft.com/office/drawing/2014/main" id="{E1993278-AB0B-1502-0158-AD7B0E606685}"/>
+              </a:ext>
+            </a:extLst>
+          </p:cNvPr>
+          <p:cNvSpPr txBox="1"/>
+          <p:nvPr/>
+        </p:nvSpPr>
+        <p:spPr>
+          <a:xfrm>
+            <a:off x="5059638" y="5356691"/>
+            <a:ext cx="1189526" cy="369332"/>
+          </a:xfrm>
+          <a:prstGeom prst="rect">
+            <a:avLst/>
+          </a:prstGeom>
+          <a:noFill/>
+        </p:spPr>
+        <p:txBody>
+          <a:bodyPr wrap="square" rtlCol="0">
+            <a:spAutoFit/>
+          </a:bodyPr>
+          <a:lstStyle/>
+          <a:p>
+            <a:r>
+              <a:rPr lang="de-DE" dirty="0"/>
+              <a:t>128 Nodes</a:t>
+            </a:r>
+          </a:p>
+        </p:txBody>
+      </p:sp>
+      <p:sp>
+        <p:nvSpPr>
+          <p:cNvPr id="56" name="Textfeld 55">
+            <a:extLst>
+              <a:ext uri="{FF2B5EF4-FFF2-40B4-BE49-F238E27FC236}">
+                <a16:creationId xmlns:a16="http://schemas.microsoft.com/office/drawing/2014/main" id="{62DF80E2-93AF-5D57-C4A6-CE454A238F8A}"/>
+              </a:ext>
+            </a:extLst>
+          </p:cNvPr>
+          <p:cNvSpPr txBox="1"/>
+          <p:nvPr/>
+        </p:nvSpPr>
+        <p:spPr>
+          <a:xfrm>
+            <a:off x="6792785" y="5356691"/>
+            <a:ext cx="1189526" cy="369332"/>
+          </a:xfrm>
+          <a:prstGeom prst="rect">
+            <a:avLst/>
+          </a:prstGeom>
+          <a:noFill/>
+        </p:spPr>
+        <p:txBody>
+          <a:bodyPr wrap="square" rtlCol="0">
+            <a:spAutoFit/>
+          </a:bodyPr>
+          <a:lstStyle/>
+          <a:p>
+            <a:r>
+              <a:rPr lang="de-DE" dirty="0"/>
+              <a:t>128 Nodes</a:t>
+            </a:r>
+          </a:p>
+        </p:txBody>
+      </p:sp>
+      <p:sp>
+        <p:nvSpPr>
+          <p:cNvPr id="65" name="Würfel 64">
+            <a:extLst>
+              <a:ext uri="{FF2B5EF4-FFF2-40B4-BE49-F238E27FC236}">
+                <a16:creationId xmlns:a16="http://schemas.microsoft.com/office/drawing/2014/main" id="{9DCB47BD-9362-B1B7-B1DD-EADE39A33640}"/>
+              </a:ext>
+            </a:extLst>
+          </p:cNvPr>
+          <p:cNvSpPr/>
+          <p:nvPr/>
+        </p:nvSpPr>
+        <p:spPr>
+          <a:xfrm>
+            <a:off x="2512432" y="1750653"/>
+            <a:ext cx="839212" cy="1938466"/>
+          </a:xfrm>
+          <a:prstGeom prst="cube">
+            <a:avLst>
+              <a:gd name="adj" fmla="val 69833"/>
+            </a:avLst>
+          </a:prstGeom>
+        </p:spPr>
+        <p:style>
+          <a:lnRef idx="2">
+            <a:schemeClr val="accent1">
+              <a:shade val="15000"/>
+            </a:schemeClr>
+          </a:lnRef>
+          <a:fillRef idx="1">
+            <a:schemeClr val="accent1"/>
+          </a:fillRef>
+          <a:effectRef idx="0">
+            <a:schemeClr val="accent1"/>
+          </a:effectRef>
+          <a:fontRef idx="minor">
+            <a:schemeClr val="lt1"/>
+          </a:fontRef>
+        </p:style>
+        <p:txBody>
+          <a:bodyPr vert="vert270" rtlCol="0" anchor="ctr"/>
+          <a:lstStyle/>
+          <a:p>
+            <a:pPr algn="ctr"/>
+            <a:r>
+              <a:rPr lang="de-DE" dirty="0"/>
+              <a:t>32x32x128</a:t>
+            </a:r>
+          </a:p>
+        </p:txBody>
+      </p:sp>
+      <p:sp>
+        <p:nvSpPr>
+          <p:cNvPr id="66" name="Würfel 65">
+            <a:extLst>
+              <a:ext uri="{FF2B5EF4-FFF2-40B4-BE49-F238E27FC236}">
+                <a16:creationId xmlns:a16="http://schemas.microsoft.com/office/drawing/2014/main" id="{DAA7B768-91EC-992A-4B2C-D4835C9D56F1}"/>
+              </a:ext>
+            </a:extLst>
+          </p:cNvPr>
+          <p:cNvSpPr/>
+          <p:nvPr/>
+        </p:nvSpPr>
+        <p:spPr>
+          <a:xfrm>
+            <a:off x="2907671" y="1750653"/>
+            <a:ext cx="839212" cy="1938466"/>
+          </a:xfrm>
+          <a:prstGeom prst="cube">
+            <a:avLst>
+              <a:gd name="adj" fmla="val 69833"/>
+            </a:avLst>
+          </a:prstGeom>
+        </p:spPr>
+        <p:style>
+          <a:lnRef idx="2">
+            <a:schemeClr val="accent1">
+              <a:shade val="15000"/>
+            </a:schemeClr>
+          </a:lnRef>
+          <a:fillRef idx="1">
+            <a:schemeClr val="accent1"/>
+          </a:fillRef>
+          <a:effectRef idx="0">
+            <a:schemeClr val="accent1"/>
+          </a:effectRef>
+          <a:fontRef idx="minor">
+            <a:schemeClr val="lt1"/>
+          </a:fontRef>
+        </p:style>
+        <p:txBody>
+          <a:bodyPr vert="vert270" rtlCol="0" anchor="ctr"/>
+          <a:lstStyle/>
+          <a:p>
+            <a:pPr algn="ctr"/>
+            <a:r>
+              <a:rPr lang="de-DE" dirty="0"/>
+              <a:t>30x30x128</a:t>
+            </a:r>
+          </a:p>
+        </p:txBody>
+      </p:sp>
+      <p:sp>
+        <p:nvSpPr>
+          <p:cNvPr id="20" name="Würfel 19">
+            <a:extLst>
+              <a:ext uri="{FF2B5EF4-FFF2-40B4-BE49-F238E27FC236}">
+                <a16:creationId xmlns:a16="http://schemas.microsoft.com/office/drawing/2014/main" id="{D8214AB3-5A49-8C55-8418-2D902550A251}"/>
+              </a:ext>
+            </a:extLst>
+          </p:cNvPr>
+          <p:cNvSpPr/>
+          <p:nvPr/>
+        </p:nvSpPr>
+        <p:spPr>
+          <a:xfrm>
+            <a:off x="3503895" y="2068515"/>
+            <a:ext cx="559474" cy="1292309"/>
+          </a:xfrm>
+          <a:prstGeom prst="cube">
+            <a:avLst>
+              <a:gd name="adj" fmla="val 56838"/>
+            </a:avLst>
+          </a:prstGeom>
+        </p:spPr>
+        <p:style>
+          <a:lnRef idx="2">
+            <a:schemeClr val="accent2">
+              <a:shade val="15000"/>
+            </a:schemeClr>
+          </a:lnRef>
+          <a:fillRef idx="1">
+            <a:schemeClr val="accent2"/>
+          </a:fillRef>
+          <a:effectRef idx="0">
+            <a:schemeClr val="accent2"/>
+          </a:effectRef>
+          <a:fontRef idx="minor">
+            <a:schemeClr val="lt1"/>
+          </a:fontRef>
+        </p:style>
+        <p:txBody>
+          <a:bodyPr vert="vert270" rtlCol="0" anchor="ctr"/>
+          <a:lstStyle/>
+          <a:p>
+            <a:pPr algn="ctr"/>
+            <a:r>
+              <a:rPr lang="de-DE" sz="1400" dirty="0"/>
+              <a:t>15x15x128</a:t>
+            </a:r>
+          </a:p>
+        </p:txBody>
+      </p:sp>
+      <p:sp>
+        <p:nvSpPr>
+          <p:cNvPr id="63" name="Würfel 62">
+            <a:extLst>
+              <a:ext uri="{FF2B5EF4-FFF2-40B4-BE49-F238E27FC236}">
+                <a16:creationId xmlns:a16="http://schemas.microsoft.com/office/drawing/2014/main" id="{5A1C6B3A-D5C5-4689-7F94-AC11099F3EB7}"/>
+              </a:ext>
+            </a:extLst>
+          </p:cNvPr>
+          <p:cNvSpPr/>
+          <p:nvPr/>
+        </p:nvSpPr>
+        <p:spPr>
+          <a:xfrm>
+            <a:off x="3838802" y="2078060"/>
+            <a:ext cx="559474" cy="1292309"/>
+          </a:xfrm>
+          <a:prstGeom prst="cube">
+            <a:avLst>
+              <a:gd name="adj" fmla="val 56838"/>
+            </a:avLst>
+          </a:prstGeom>
+        </p:spPr>
+        <p:style>
+          <a:lnRef idx="2">
+            <a:schemeClr val="accent1">
+              <a:shade val="15000"/>
+            </a:schemeClr>
+          </a:lnRef>
+          <a:fillRef idx="1">
+            <a:schemeClr val="accent1"/>
+          </a:fillRef>
+          <a:effectRef idx="0">
+            <a:schemeClr val="accent1"/>
+          </a:effectRef>
+          <a:fontRef idx="minor">
+            <a:schemeClr val="lt1"/>
+          </a:fontRef>
+        </p:style>
+        <p:txBody>
+          <a:bodyPr vert="vert270" rtlCol="0" anchor="ctr"/>
+          <a:lstStyle/>
+          <a:p>
+            <a:pPr algn="ctr"/>
+            <a:r>
+              <a:rPr lang="de-DE" sz="1400" dirty="0"/>
+              <a:t>13x13x256</a:t>
+            </a:r>
+          </a:p>
+        </p:txBody>
+      </p:sp>
+      <p:sp>
+        <p:nvSpPr>
+          <p:cNvPr id="64" name="Würfel 63">
+            <a:extLst>
+              <a:ext uri="{FF2B5EF4-FFF2-40B4-BE49-F238E27FC236}">
+                <a16:creationId xmlns:a16="http://schemas.microsoft.com/office/drawing/2014/main" id="{6619C846-1CC1-2F2E-5A68-8470EFE71085}"/>
+              </a:ext>
+            </a:extLst>
+          </p:cNvPr>
+          <p:cNvSpPr/>
+          <p:nvPr/>
+        </p:nvSpPr>
+        <p:spPr>
+          <a:xfrm>
+            <a:off x="4173357" y="2078060"/>
+            <a:ext cx="559474" cy="1292309"/>
+          </a:xfrm>
+          <a:prstGeom prst="cube">
+            <a:avLst>
+              <a:gd name="adj" fmla="val 56838"/>
+            </a:avLst>
+          </a:prstGeom>
+        </p:spPr>
+        <p:style>
+          <a:lnRef idx="2">
+            <a:schemeClr val="accent1">
+              <a:shade val="15000"/>
+            </a:schemeClr>
+          </a:lnRef>
+          <a:fillRef idx="1">
+            <a:schemeClr val="accent1"/>
+          </a:fillRef>
+          <a:effectRef idx="0">
+            <a:schemeClr val="accent1"/>
+          </a:effectRef>
+          <a:fontRef idx="minor">
+            <a:schemeClr val="lt1"/>
+          </a:fontRef>
+        </p:style>
+        <p:txBody>
+          <a:bodyPr vert="vert270" rtlCol="0" anchor="ctr"/>
+          <a:lstStyle/>
+          <a:p>
+            <a:pPr algn="ctr"/>
+            <a:r>
+              <a:rPr lang="de-DE" sz="1400" dirty="0"/>
+              <a:t>11x11x256</a:t>
+            </a:r>
+          </a:p>
+        </p:txBody>
+      </p:sp>
+      <p:sp>
+        <p:nvSpPr>
+          <p:cNvPr id="62" name="Würfel 61">
+            <a:extLst>
+              <a:ext uri="{FF2B5EF4-FFF2-40B4-BE49-F238E27FC236}">
+                <a16:creationId xmlns:a16="http://schemas.microsoft.com/office/drawing/2014/main" id="{16627FE9-BA9A-98D1-3027-1FDD748135A0}"/>
+              </a:ext>
+            </a:extLst>
+          </p:cNvPr>
+          <p:cNvSpPr/>
+          <p:nvPr/>
+        </p:nvSpPr>
+        <p:spPr>
+          <a:xfrm>
+            <a:off x="4545109" y="2309275"/>
+            <a:ext cx="393962" cy="910000"/>
+          </a:xfrm>
+          <a:prstGeom prst="cube">
+            <a:avLst>
+              <a:gd name="adj" fmla="val 45889"/>
+            </a:avLst>
+          </a:prstGeom>
+        </p:spPr>
+        <p:style>
+          <a:lnRef idx="2">
+            <a:schemeClr val="accent2">
+              <a:shade val="15000"/>
+            </a:schemeClr>
+          </a:lnRef>
+          <a:fillRef idx="1">
+            <a:schemeClr val="accent2"/>
+          </a:fillRef>
+          <a:effectRef idx="0">
+            <a:schemeClr val="accent2"/>
+          </a:effectRef>
+          <a:fontRef idx="minor">
+            <a:schemeClr val="lt1"/>
+          </a:fontRef>
+        </p:style>
+        <p:txBody>
+          <a:bodyPr vert="vert270" rtlCol="0" anchor="ctr"/>
+          <a:lstStyle/>
+          <a:p>
+            <a:pPr algn="ctr"/>
+            <a:r>
+              <a:rPr lang="de-DE" sz="1400" dirty="0"/>
+              <a:t>5x5x256</a:t>
+            </a:r>
+          </a:p>
+        </p:txBody>
+      </p:sp>
+      <p:sp>
+        <p:nvSpPr>
+          <p:cNvPr id="68" name="Würfel 67">
+            <a:extLst>
+              <a:ext uri="{FF2B5EF4-FFF2-40B4-BE49-F238E27FC236}">
+                <a16:creationId xmlns:a16="http://schemas.microsoft.com/office/drawing/2014/main" id="{C623E69E-D23B-C614-5A9E-1E3789D1D373}"/>
+              </a:ext>
+            </a:extLst>
+          </p:cNvPr>
+          <p:cNvSpPr/>
+          <p:nvPr/>
+        </p:nvSpPr>
+        <p:spPr>
+          <a:xfrm>
+            <a:off x="1261390" y="3849834"/>
+            <a:ext cx="1104962" cy="2552314"/>
+          </a:xfrm>
+          <a:prstGeom prst="cube">
+            <a:avLst>
+              <a:gd name="adj" fmla="val 81626"/>
+            </a:avLst>
+          </a:prstGeom>
+        </p:spPr>
+        <p:style>
+          <a:lnRef idx="2">
+            <a:schemeClr val="accent1">
+              <a:shade val="15000"/>
+            </a:schemeClr>
+          </a:lnRef>
+          <a:fillRef idx="1">
+            <a:schemeClr val="accent1"/>
+          </a:fillRef>
+          <a:effectRef idx="0">
+            <a:schemeClr val="accent1"/>
+          </a:effectRef>
+          <a:fontRef idx="minor">
+            <a:schemeClr val="lt1"/>
+          </a:fontRef>
+        </p:style>
+        <p:txBody>
+          <a:bodyPr vert="vert270" rtlCol="0" anchor="ctr"/>
+          <a:lstStyle/>
+          <a:p>
+            <a:pPr algn="ctr"/>
+            <a:r>
+              <a:rPr lang="de-DE" dirty="0"/>
+              <a:t>71x71x16</a:t>
+            </a:r>
+          </a:p>
+        </p:txBody>
+      </p:sp>
+      <p:sp>
+        <p:nvSpPr>
+          <p:cNvPr id="70" name="Würfel 69">
+            <a:extLst>
+              <a:ext uri="{FF2B5EF4-FFF2-40B4-BE49-F238E27FC236}">
+                <a16:creationId xmlns:a16="http://schemas.microsoft.com/office/drawing/2014/main" id="{E64EDBEB-7697-A597-DA17-B79B69297B73}"/>
+              </a:ext>
+            </a:extLst>
+          </p:cNvPr>
+          <p:cNvSpPr/>
+          <p:nvPr/>
+        </p:nvSpPr>
+        <p:spPr>
+          <a:xfrm>
+            <a:off x="2134256" y="4184549"/>
+            <a:ext cx="839212" cy="1938466"/>
+          </a:xfrm>
+          <a:prstGeom prst="cube">
+            <a:avLst>
+              <a:gd name="adj" fmla="val 69833"/>
+            </a:avLst>
+          </a:prstGeom>
+        </p:spPr>
+        <p:style>
+          <a:lnRef idx="2">
+            <a:schemeClr val="accent2">
+              <a:shade val="15000"/>
+            </a:schemeClr>
+          </a:lnRef>
+          <a:fillRef idx="1">
+            <a:schemeClr val="accent2"/>
+          </a:fillRef>
+          <a:effectRef idx="0">
+            <a:schemeClr val="accent2"/>
+          </a:effectRef>
+          <a:fontRef idx="minor">
+            <a:schemeClr val="lt1"/>
+          </a:fontRef>
+        </p:style>
+        <p:txBody>
+          <a:bodyPr vert="vert270" rtlCol="0" anchor="ctr"/>
+          <a:lstStyle/>
+          <a:p>
+            <a:pPr algn="ctr"/>
+            <a:r>
+              <a:rPr lang="de-DE" dirty="0"/>
+              <a:t>35x35x16</a:t>
+            </a:r>
+          </a:p>
+        </p:txBody>
+      </p:sp>
+      <p:sp>
+        <p:nvSpPr>
+          <p:cNvPr id="71" name="Würfel 70">
+            <a:extLst>
+              <a:ext uri="{FF2B5EF4-FFF2-40B4-BE49-F238E27FC236}">
+                <a16:creationId xmlns:a16="http://schemas.microsoft.com/office/drawing/2014/main" id="{D49EEFA1-702B-4DA3-9E6D-1A3257E3788D}"/>
+              </a:ext>
+            </a:extLst>
+          </p:cNvPr>
+          <p:cNvSpPr/>
+          <p:nvPr/>
+        </p:nvSpPr>
+        <p:spPr>
+          <a:xfrm>
+            <a:off x="2512432" y="4195097"/>
+            <a:ext cx="839212" cy="1938466"/>
+          </a:xfrm>
+          <a:prstGeom prst="cube">
+            <a:avLst>
+              <a:gd name="adj" fmla="val 69833"/>
+            </a:avLst>
+          </a:prstGeom>
+        </p:spPr>
+        <p:style>
+          <a:lnRef idx="2">
+            <a:schemeClr val="accent1">
+              <a:shade val="15000"/>
+            </a:schemeClr>
+          </a:lnRef>
+          <a:fillRef idx="1">
+            <a:schemeClr val="accent1"/>
+          </a:fillRef>
+          <a:effectRef idx="0">
+            <a:schemeClr val="accent1"/>
+          </a:effectRef>
+          <a:fontRef idx="minor">
+            <a:schemeClr val="lt1"/>
+          </a:fontRef>
+        </p:style>
+        <p:txBody>
+          <a:bodyPr vert="vert270" rtlCol="0" anchor="ctr"/>
+          <a:lstStyle/>
+          <a:p>
+            <a:pPr algn="ctr"/>
+            <a:r>
+              <a:rPr lang="de-DE" dirty="0"/>
+              <a:t>33x33x32</a:t>
+            </a:r>
+          </a:p>
+        </p:txBody>
+      </p:sp>
+      <p:sp>
+        <p:nvSpPr>
+          <p:cNvPr id="73" name="Würfel 72">
+            <a:extLst>
+              <a:ext uri="{FF2B5EF4-FFF2-40B4-BE49-F238E27FC236}">
+                <a16:creationId xmlns:a16="http://schemas.microsoft.com/office/drawing/2014/main" id="{43FD9019-50E1-677D-4D98-0EF2B5005918}"/>
+              </a:ext>
+            </a:extLst>
+          </p:cNvPr>
+          <p:cNvSpPr/>
+          <p:nvPr/>
+        </p:nvSpPr>
+        <p:spPr>
+          <a:xfrm>
+            <a:off x="3503895" y="4512959"/>
+            <a:ext cx="559474" cy="1292309"/>
+          </a:xfrm>
+          <a:prstGeom prst="cube">
+            <a:avLst>
+              <a:gd name="adj" fmla="val 56838"/>
+            </a:avLst>
+          </a:prstGeom>
+        </p:spPr>
+        <p:style>
+          <a:lnRef idx="2">
+            <a:schemeClr val="accent2">
+              <a:shade val="15000"/>
+            </a:schemeClr>
+          </a:lnRef>
+          <a:fillRef idx="1">
+            <a:schemeClr val="accent2"/>
+          </a:fillRef>
+          <a:effectRef idx="0">
+            <a:schemeClr val="accent2"/>
+          </a:effectRef>
+          <a:fontRef idx="minor">
+            <a:schemeClr val="lt1"/>
+          </a:fontRef>
+        </p:style>
+        <p:txBody>
+          <a:bodyPr vert="vert270" rtlCol="0" anchor="ctr"/>
+          <a:lstStyle/>
+          <a:p>
+            <a:pPr algn="ctr"/>
+            <a:r>
+              <a:rPr lang="de-DE" sz="1400" dirty="0"/>
+              <a:t>16x16x32</a:t>
+            </a:r>
+          </a:p>
+        </p:txBody>
+      </p:sp>
+      <p:sp>
+        <p:nvSpPr>
+          <p:cNvPr id="74" name="Würfel 73">
+            <a:extLst>
+              <a:ext uri="{FF2B5EF4-FFF2-40B4-BE49-F238E27FC236}">
+                <a16:creationId xmlns:a16="http://schemas.microsoft.com/office/drawing/2014/main" id="{F386EDBF-594E-36AB-FD5A-D22C0CC5D484}"/>
+              </a:ext>
+            </a:extLst>
+          </p:cNvPr>
+          <p:cNvSpPr/>
+          <p:nvPr/>
+        </p:nvSpPr>
+        <p:spPr>
+          <a:xfrm>
+            <a:off x="3838802" y="4522504"/>
+            <a:ext cx="559474" cy="1292309"/>
+          </a:xfrm>
+          <a:prstGeom prst="cube">
+            <a:avLst>
+              <a:gd name="adj" fmla="val 56838"/>
+            </a:avLst>
+          </a:prstGeom>
+        </p:spPr>
+        <p:style>
+          <a:lnRef idx="2">
+            <a:schemeClr val="accent1">
+              <a:shade val="15000"/>
+            </a:schemeClr>
+          </a:lnRef>
+          <a:fillRef idx="1">
+            <a:schemeClr val="accent1"/>
+          </a:fillRef>
+          <a:effectRef idx="0">
+            <a:schemeClr val="accent1"/>
+          </a:effectRef>
+          <a:fontRef idx="minor">
+            <a:schemeClr val="lt1"/>
+          </a:fontRef>
+        </p:style>
+        <p:txBody>
+          <a:bodyPr vert="vert270" rtlCol="0" anchor="ctr"/>
+          <a:lstStyle/>
+          <a:p>
+            <a:pPr algn="ctr"/>
+            <a:r>
+              <a:rPr lang="de-DE" sz="1400" dirty="0"/>
+              <a:t>14x14x64</a:t>
+            </a:r>
+          </a:p>
+        </p:txBody>
+      </p:sp>
+      <p:sp>
+        <p:nvSpPr>
+          <p:cNvPr id="76" name="Würfel 75">
+            <a:extLst>
+              <a:ext uri="{FF2B5EF4-FFF2-40B4-BE49-F238E27FC236}">
+                <a16:creationId xmlns:a16="http://schemas.microsoft.com/office/drawing/2014/main" id="{3E998B8D-638B-BAF6-7ECA-1B932E378E0F}"/>
+              </a:ext>
+            </a:extLst>
+          </p:cNvPr>
+          <p:cNvSpPr/>
+          <p:nvPr/>
+        </p:nvSpPr>
+        <p:spPr>
+          <a:xfrm>
+            <a:off x="4545109" y="4753719"/>
+            <a:ext cx="393962" cy="910000"/>
+          </a:xfrm>
+          <a:prstGeom prst="cube">
+            <a:avLst>
+              <a:gd name="adj" fmla="val 45889"/>
+            </a:avLst>
+          </a:prstGeom>
+        </p:spPr>
+        <p:style>
+          <a:lnRef idx="2">
+            <a:schemeClr val="accent2">
+              <a:shade val="15000"/>
+            </a:schemeClr>
+          </a:lnRef>
+          <a:fillRef idx="1">
+            <a:schemeClr val="accent2"/>
+          </a:fillRef>
+          <a:effectRef idx="0">
+            <a:schemeClr val="accent2"/>
+          </a:effectRef>
+          <a:fontRef idx="minor">
+            <a:schemeClr val="lt1"/>
+          </a:fontRef>
+        </p:style>
+        <p:txBody>
+          <a:bodyPr vert="vert270" rtlCol="0" anchor="ctr"/>
+          <a:lstStyle/>
+          <a:p>
+            <a:pPr algn="ctr"/>
+            <a:r>
+              <a:rPr lang="de-DE" sz="1400" dirty="0"/>
+              <a:t>7x7x64</a:t>
+            </a:r>
+          </a:p>
+        </p:txBody>
+      </p:sp>
+      <p:sp>
+        <p:nvSpPr>
+          <p:cNvPr id="77" name="Textfeld 76">
+            <a:extLst>
+              <a:ext uri="{FF2B5EF4-FFF2-40B4-BE49-F238E27FC236}">
+                <a16:creationId xmlns:a16="http://schemas.microsoft.com/office/drawing/2014/main" id="{98939E56-65D3-BAE4-3398-7D169BF70AB5}"/>
+              </a:ext>
+            </a:extLst>
+          </p:cNvPr>
+          <p:cNvSpPr txBox="1"/>
+          <p:nvPr/>
+        </p:nvSpPr>
+        <p:spPr>
+          <a:xfrm>
+            <a:off x="9734097" y="3221372"/>
+            <a:ext cx="1893044" cy="369332"/>
+          </a:xfrm>
+          <a:prstGeom prst="rect">
+            <a:avLst/>
+          </a:prstGeom>
+          <a:noFill/>
+        </p:spPr>
+        <p:txBody>
+          <a:bodyPr wrap="square" rtlCol="0">
+            <a:spAutoFit/>
+          </a:bodyPr>
+          <a:lstStyle/>
+          <a:p>
+            <a:r>
+              <a:rPr lang="de-DE" dirty="0" err="1"/>
+              <a:t>Conv</a:t>
+            </a:r>
+            <a:r>
+              <a:rPr lang="de-DE" dirty="0"/>
+              <a:t>. Layer (</a:t>
+            </a:r>
+            <a:r>
+              <a:rPr lang="de-DE" dirty="0" err="1"/>
+              <a:t>ReLu</a:t>
+            </a:r>
+            <a:r>
+              <a:rPr lang="de-DE" dirty="0"/>
+              <a:t>)</a:t>
+            </a:r>
+          </a:p>
+        </p:txBody>
+      </p:sp>
+      <p:sp>
+        <p:nvSpPr>
+          <p:cNvPr id="78" name="Textfeld 77">
+            <a:extLst>
+              <a:ext uri="{FF2B5EF4-FFF2-40B4-BE49-F238E27FC236}">
+                <a16:creationId xmlns:a16="http://schemas.microsoft.com/office/drawing/2014/main" id="{A1F80290-44D5-00C5-17D6-83DF3AB2A27D}"/>
+              </a:ext>
+            </a:extLst>
+          </p:cNvPr>
+          <p:cNvSpPr txBox="1"/>
+          <p:nvPr/>
+        </p:nvSpPr>
+        <p:spPr>
+          <a:xfrm>
+            <a:off x="9734097" y="3673202"/>
+            <a:ext cx="1893044" cy="369332"/>
+          </a:xfrm>
+          <a:prstGeom prst="rect">
+            <a:avLst/>
+          </a:prstGeom>
+          <a:noFill/>
+        </p:spPr>
+        <p:txBody>
+          <a:bodyPr wrap="square" rtlCol="0">
+            <a:spAutoFit/>
+          </a:bodyPr>
+          <a:lstStyle/>
+          <a:p>
+            <a:r>
+              <a:rPr lang="de-DE" dirty="0"/>
+              <a:t>Max Pooling (2x2)</a:t>
+            </a:r>
+          </a:p>
+        </p:txBody>
+      </p:sp>
+      <p:sp>
+        <p:nvSpPr>
+          <p:cNvPr id="79" name="Textfeld 78">
+            <a:extLst>
+              <a:ext uri="{FF2B5EF4-FFF2-40B4-BE49-F238E27FC236}">
+                <a16:creationId xmlns:a16="http://schemas.microsoft.com/office/drawing/2014/main" id="{256740E9-1347-CA4E-F404-F75B1F737296}"/>
+              </a:ext>
+            </a:extLst>
+          </p:cNvPr>
+          <p:cNvSpPr txBox="1"/>
+          <p:nvPr/>
+        </p:nvSpPr>
+        <p:spPr>
+          <a:xfrm>
+            <a:off x="9734097" y="4034342"/>
+            <a:ext cx="2354439" cy="646331"/>
+          </a:xfrm>
+          <a:prstGeom prst="rect">
+            <a:avLst/>
+          </a:prstGeom>
+          <a:noFill/>
+        </p:spPr>
+        <p:txBody>
+          <a:bodyPr wrap="square" rtlCol="0">
+            <a:spAutoFit/>
+          </a:bodyPr>
+          <a:lstStyle/>
+          <a:p>
+            <a:r>
+              <a:rPr lang="de-DE" dirty="0"/>
+              <a:t>Fully </a:t>
+            </a:r>
+            <a:r>
+              <a:rPr lang="de-DE" dirty="0" err="1"/>
+              <a:t>Connected</a:t>
+            </a:r>
+            <a:r>
+              <a:rPr lang="de-DE" dirty="0"/>
+              <a:t> Layer (</a:t>
+            </a:r>
+            <a:r>
+              <a:rPr lang="de-DE" dirty="0" err="1"/>
+              <a:t>ReLu</a:t>
+            </a:r>
+            <a:r>
+              <a:rPr lang="de-DE" dirty="0"/>
+              <a:t>)</a:t>
+            </a:r>
+          </a:p>
+        </p:txBody>
+      </p:sp>
+      <p:sp>
+        <p:nvSpPr>
+          <p:cNvPr id="80" name="Textfeld 79">
+            <a:extLst>
+              <a:ext uri="{FF2B5EF4-FFF2-40B4-BE49-F238E27FC236}">
+                <a16:creationId xmlns:a16="http://schemas.microsoft.com/office/drawing/2014/main" id="{7C603109-6EF7-2E3B-4CAC-3FEBE86ABCCF}"/>
+              </a:ext>
+            </a:extLst>
+          </p:cNvPr>
+          <p:cNvSpPr txBox="1"/>
+          <p:nvPr/>
+        </p:nvSpPr>
+        <p:spPr>
+          <a:xfrm>
+            <a:off x="9749338" y="4570315"/>
+            <a:ext cx="2354439" cy="646331"/>
+          </a:xfrm>
+          <a:prstGeom prst="rect">
+            <a:avLst/>
+          </a:prstGeom>
+          <a:noFill/>
+        </p:spPr>
+        <p:txBody>
+          <a:bodyPr wrap="square" rtlCol="0">
+            <a:spAutoFit/>
+          </a:bodyPr>
+          <a:lstStyle/>
+          <a:p>
+            <a:r>
+              <a:rPr lang="de-DE" dirty="0"/>
+              <a:t>Output Layer (62 Nodes)</a:t>
+            </a:r>
+          </a:p>
+        </p:txBody>
+      </p:sp>
+      <p:sp>
+        <p:nvSpPr>
+          <p:cNvPr id="82" name="Datumsplatzhalter 81">
+            <a:extLst>
+              <a:ext uri="{FF2B5EF4-FFF2-40B4-BE49-F238E27FC236}">
+                <a16:creationId xmlns:a16="http://schemas.microsoft.com/office/drawing/2014/main" id="{B42943A6-1B05-DE79-62D7-84B193D79045}"/>
+              </a:ext>
+            </a:extLst>
+          </p:cNvPr>
+          <p:cNvSpPr>
+            <a:spLocks noGrp="1"/>
+          </p:cNvSpPr>
+          <p:nvPr>
+            <p:ph type="dt" sz="half" idx="10"/>
+          </p:nvPr>
+        </p:nvSpPr>
+        <p:spPr/>
+        <p:txBody>
+          <a:bodyPr/>
+          <a:lstStyle/>
+          <a:p>
+            <a:fld id="{8C3FA6DE-6ED4-49FB-A765-F7984FCDBBCC}" type="datetime1">
+              <a:rPr lang="de-DE" smtClean="0"/>
+              <a:t>26.06.2023</a:t>
+            </a:fld>
+            <a:endParaRPr lang="de-DE"/>
+          </a:p>
+        </p:txBody>
+      </p:sp>
+      <p:sp>
+        <p:nvSpPr>
+          <p:cNvPr id="83" name="Fußzeilenplatzhalter 82">
+            <a:extLst>
+              <a:ext uri="{FF2B5EF4-FFF2-40B4-BE49-F238E27FC236}">
+                <a16:creationId xmlns:a16="http://schemas.microsoft.com/office/drawing/2014/main" id="{FB5005A6-9052-FD39-70E2-9647D5DD7F44}"/>
+              </a:ext>
+            </a:extLst>
+          </p:cNvPr>
+          <p:cNvSpPr>
+            <a:spLocks noGrp="1"/>
+          </p:cNvSpPr>
+          <p:nvPr>
+            <p:ph type="ftr" sz="quarter" idx="11"/>
+          </p:nvPr>
+        </p:nvSpPr>
+        <p:spPr/>
+        <p:txBody>
+          <a:bodyPr/>
+          <a:lstStyle/>
+          <a:p>
+            <a:r>
+              <a:rPr lang="de-DE"/>
+              <a:t>Meilenstein 4</a:t>
+            </a:r>
+          </a:p>
+        </p:txBody>
+      </p:sp>
+      <p:sp>
+        <p:nvSpPr>
+          <p:cNvPr id="84" name="Foliennummernplatzhalter 83">
+            <a:extLst>
+              <a:ext uri="{FF2B5EF4-FFF2-40B4-BE49-F238E27FC236}">
+                <a16:creationId xmlns:a16="http://schemas.microsoft.com/office/drawing/2014/main" id="{7725B2DB-FF0B-115D-6EBC-85E63DADF28C}"/>
+              </a:ext>
+            </a:extLst>
+          </p:cNvPr>
+          <p:cNvSpPr>
+            <a:spLocks noGrp="1"/>
+          </p:cNvSpPr>
+          <p:nvPr>
+            <p:ph type="sldNum" sz="quarter" idx="12"/>
+          </p:nvPr>
+        </p:nvSpPr>
+        <p:spPr/>
+        <p:txBody>
+          <a:bodyPr/>
+          <a:lstStyle/>
+          <a:p>
+            <a:fld id="{37433AC2-EFC7-45C2-8E26-B48CD5F13A15}" type="slidenum">
+              <a:rPr lang="de-DE" smtClean="0"/>
+              <a:t>5</a:t>
+            </a:fld>
+            <a:endParaRPr lang="de-DE"/>
+          </a:p>
+        </p:txBody>
+      </p:sp>
+      <p:sp>
+        <p:nvSpPr>
+          <p:cNvPr id="87" name="Rechteck: abgerundete Ecken 86">
+            <a:extLst>
+              <a:ext uri="{FF2B5EF4-FFF2-40B4-BE49-F238E27FC236}">
+                <a16:creationId xmlns:a16="http://schemas.microsoft.com/office/drawing/2014/main" id="{CA291C7B-8269-7288-605B-41164FA289E1}"/>
+              </a:ext>
+            </a:extLst>
+          </p:cNvPr>
+          <p:cNvSpPr/>
+          <p:nvPr/>
+        </p:nvSpPr>
+        <p:spPr>
+          <a:xfrm>
+            <a:off x="317689" y="1405390"/>
+            <a:ext cx="342778" cy="4950960"/>
+          </a:xfrm>
+          <a:prstGeom prst="roundRect">
+            <a:avLst/>
+          </a:prstGeom>
+        </p:spPr>
+        <p:style>
+          <a:lnRef idx="2">
+            <a:schemeClr val="accent1">
+              <a:shade val="15000"/>
+            </a:schemeClr>
+          </a:lnRef>
+          <a:fillRef idx="1">
+            <a:schemeClr val="accent1"/>
+          </a:fillRef>
+          <a:effectRef idx="0">
+            <a:schemeClr val="accent1"/>
+          </a:effectRef>
+          <a:fontRef idx="minor">
+            <a:schemeClr val="lt1"/>
+          </a:fontRef>
+        </p:style>
+        <p:txBody>
+          <a:bodyPr vert="vert270" rtlCol="0" anchor="ctr"/>
+          <a:lstStyle/>
+          <a:p>
+            <a:pPr algn="ctr"/>
+            <a:r>
+              <a:rPr lang="de-DE" dirty="0"/>
+              <a:t>Bild 73x73x1</a:t>
+            </a:r>
+          </a:p>
+        </p:txBody>
+      </p:sp>
+      <p:sp>
+        <p:nvSpPr>
+          <p:cNvPr id="88" name="Textfeld 87">
+            <a:extLst>
+              <a:ext uri="{FF2B5EF4-FFF2-40B4-BE49-F238E27FC236}">
+                <a16:creationId xmlns:a16="http://schemas.microsoft.com/office/drawing/2014/main" id="{F6EA14EC-D3AD-4695-9AB3-DACBECA20839}"/>
+              </a:ext>
+            </a:extLst>
+          </p:cNvPr>
+          <p:cNvSpPr txBox="1"/>
+          <p:nvPr/>
+        </p:nvSpPr>
+        <p:spPr>
+          <a:xfrm>
+            <a:off x="9580188" y="6048573"/>
+            <a:ext cx="2181809" cy="307777"/>
+          </a:xfrm>
+          <a:prstGeom prst="rect">
+            <a:avLst/>
+          </a:prstGeom>
+          <a:noFill/>
+        </p:spPr>
+        <p:txBody>
+          <a:bodyPr wrap="square" rtlCol="0">
+            <a:spAutoFit/>
+          </a:bodyPr>
+          <a:lstStyle/>
+          <a:p>
+            <a:r>
+              <a:rPr lang="de-DE" sz="1400" baseline="50000" dirty="0"/>
+              <a:t>1</a:t>
+            </a:r>
+            <a:r>
+              <a:rPr lang="de-DE" sz="1400" dirty="0"/>
+              <a:t>BN = Batch </a:t>
+            </a:r>
+            <a:r>
+              <a:rPr lang="de-DE" sz="1400" dirty="0" err="1"/>
+              <a:t>Normalization</a:t>
+            </a:r>
+            <a:endParaRPr lang="de-DE" sz="1400" dirty="0"/>
+          </a:p>
+        </p:txBody>
+      </p:sp>
+    </p:spTree>
+    <p:extLst>
+      <p:ext uri="{BB962C8B-B14F-4D97-AF65-F5344CB8AC3E}">
+        <p14:creationId xmlns:p14="http://schemas.microsoft.com/office/powerpoint/2010/main" val="413774575"/>
+      </p:ext>
+    </p:extLst>
+  </p:cSld>
+  <p:clrMapOvr>
+    <a:masterClrMapping/>
+  </p:clrMapOvr>
+</p:sld>
+</file>
+
+<file path=ppt/slides/slide6.xml><?xml version="1.0" encoding="utf-8"?>
+<p:sld xmlns:a="http://schemas.openxmlformats.org/drawingml/2006/main" xmlns:r="http://schemas.openxmlformats.org/officeDocument/2006/relationships" xmlns:p="http://schemas.openxmlformats.org/presentationml/2006/main">
+  <p:cSld>
+    <p:spTree>
+      <p:nvGrpSpPr>
+        <p:cNvPr id="1" name=""/>
+        <p:cNvGrpSpPr/>
+        <p:nvPr/>
+      </p:nvGrpSpPr>
+      <p:grpSpPr>
+        <a:xfrm>
+          <a:off x="0" y="0"/>
+          <a:ext cx="0" cy="0"/>
+          <a:chOff x="0" y="0"/>
+          <a:chExt cx="0" cy="0"/>
+        </a:xfrm>
+      </p:grpSpPr>
+      <p:sp>
+        <p:nvSpPr>
+          <p:cNvPr id="2" name="Titel 1">
+            <a:extLst>
+              <a:ext uri="{FF2B5EF4-FFF2-40B4-BE49-F238E27FC236}">
+                <a16:creationId xmlns:a16="http://schemas.microsoft.com/office/drawing/2014/main" id="{68988C38-1BF8-1AE6-BADC-BAFD5B78385D}"/>
+              </a:ext>
+            </a:extLst>
+          </p:cNvPr>
+          <p:cNvSpPr>
+            <a:spLocks noGrp="1"/>
+          </p:cNvSpPr>
+          <p:nvPr>
+            <p:ph type="title"/>
+          </p:nvPr>
+        </p:nvSpPr>
+        <p:spPr/>
+        <p:txBody>
+          <a:bodyPr/>
+          <a:lstStyle/>
+          <a:p>
+            <a:r>
+              <a:rPr lang="de-DE" dirty="0"/>
+              <a:t>Ergebnisse</a:t>
+            </a:r>
+          </a:p>
+        </p:txBody>
+      </p:sp>
+      <p:sp>
+        <p:nvSpPr>
+          <p:cNvPr id="4" name="Datumsplatzhalter 3">
+            <a:extLst>
+              <a:ext uri="{FF2B5EF4-FFF2-40B4-BE49-F238E27FC236}">
+                <a16:creationId xmlns:a16="http://schemas.microsoft.com/office/drawing/2014/main" id="{8D82D86A-4388-0BF0-8CBB-1379586CA423}"/>
+              </a:ext>
+            </a:extLst>
+          </p:cNvPr>
+          <p:cNvSpPr>
+            <a:spLocks noGrp="1"/>
+          </p:cNvSpPr>
+          <p:nvPr>
+            <p:ph type="dt" sz="half" idx="10"/>
+          </p:nvPr>
+        </p:nvSpPr>
+        <p:spPr/>
+        <p:txBody>
+          <a:bodyPr/>
+          <a:lstStyle/>
+          <a:p>
+            <a:fld id="{AEFEC425-9E01-464A-8616-98A84DF87E39}" type="datetime1">
+              <a:rPr lang="de-DE" smtClean="0"/>
+              <a:t>26.06.2023</a:t>
+            </a:fld>
+            <a:endParaRPr lang="de-DE"/>
+          </a:p>
+        </p:txBody>
+      </p:sp>
+      <p:sp>
+        <p:nvSpPr>
+          <p:cNvPr id="5" name="Fußzeilenplatzhalter 4">
+            <a:extLst>
+              <a:ext uri="{FF2B5EF4-FFF2-40B4-BE49-F238E27FC236}">
+                <a16:creationId xmlns:a16="http://schemas.microsoft.com/office/drawing/2014/main" id="{10DA489E-B479-F6D4-9A26-5CBCD6DB35CC}"/>
+              </a:ext>
+            </a:extLst>
+          </p:cNvPr>
+          <p:cNvSpPr>
+            <a:spLocks noGrp="1"/>
+          </p:cNvSpPr>
+          <p:nvPr>
+            <p:ph type="ftr" sz="quarter" idx="11"/>
+          </p:nvPr>
+        </p:nvSpPr>
+        <p:spPr/>
+        <p:txBody>
+          <a:bodyPr/>
+          <a:lstStyle/>
+          <a:p>
+            <a:r>
+              <a:rPr lang="de-DE"/>
+              <a:t>Meilenstein 4</a:t>
+            </a:r>
+          </a:p>
+        </p:txBody>
+      </p:sp>
+      <p:sp>
+        <p:nvSpPr>
+          <p:cNvPr id="6" name="Foliennummernplatzhalter 5">
+            <a:extLst>
+              <a:ext uri="{FF2B5EF4-FFF2-40B4-BE49-F238E27FC236}">
+                <a16:creationId xmlns:a16="http://schemas.microsoft.com/office/drawing/2014/main" id="{BA2E0EFF-2F62-8854-E010-CE2CA7FCBD0A}"/>
+              </a:ext>
+            </a:extLst>
+          </p:cNvPr>
+          <p:cNvSpPr>
+            <a:spLocks noGrp="1"/>
+          </p:cNvSpPr>
+          <p:nvPr>
+            <p:ph type="sldNum" sz="quarter" idx="12"/>
+          </p:nvPr>
+        </p:nvSpPr>
+        <p:spPr/>
+        <p:txBody>
+          <a:bodyPr/>
+          <a:lstStyle/>
+          <a:p>
+            <a:fld id="{37433AC2-EFC7-45C2-8E26-B48CD5F13A15}" type="slidenum">
+              <a:rPr lang="de-DE" smtClean="0"/>
+              <a:t>6</a:t>
+            </a:fld>
+            <a:endParaRPr lang="de-DE"/>
+          </a:p>
+        </p:txBody>
+      </p:sp>
+      <p:sp>
+        <p:nvSpPr>
+          <p:cNvPr id="7" name="Textfeld 6">
+            <a:extLst>
+              <a:ext uri="{FF2B5EF4-FFF2-40B4-BE49-F238E27FC236}">
+                <a16:creationId xmlns:a16="http://schemas.microsoft.com/office/drawing/2014/main" id="{53358420-C91C-BB7F-B8E2-2A3415A5C791}"/>
+              </a:ext>
+            </a:extLst>
+          </p:cNvPr>
+          <p:cNvSpPr txBox="1"/>
+          <p:nvPr/>
+        </p:nvSpPr>
+        <p:spPr>
+          <a:xfrm>
+            <a:off x="903343" y="5870286"/>
+            <a:ext cx="10450457" cy="523220"/>
+          </a:xfrm>
+          <a:prstGeom prst="rect">
+            <a:avLst/>
+          </a:prstGeom>
+          <a:noFill/>
+        </p:spPr>
+        <p:txBody>
+          <a:bodyPr wrap="square" rtlCol="0">
+            <a:spAutoFit/>
+          </a:bodyPr>
+          <a:lstStyle/>
+          <a:p>
+            <a:r>
+              <a:rPr lang="de-DE" sz="1400" dirty="0"/>
+              <a:t>Parameter: 251K Trainingsgröße (Mix aus EMNIST &amp; Eigener), </a:t>
+            </a:r>
+            <a:r>
+              <a:rPr lang="de-DE" sz="1400" dirty="0" err="1"/>
+              <a:t>Temperature</a:t>
+            </a:r>
+            <a:r>
+              <a:rPr lang="de-DE" sz="1400" dirty="0"/>
+              <a:t>: 1, Alpha: 0.5, Adam Optimizer (Learning Rate 0.0005), Early </a:t>
+            </a:r>
+            <a:r>
+              <a:rPr lang="de-DE" sz="1400" dirty="0" err="1"/>
+              <a:t>Stopping</a:t>
+            </a:r>
+            <a:r>
+              <a:rPr lang="de-DE" sz="1400" dirty="0"/>
+              <a:t> (Epoche 10 gestoppt)</a:t>
+            </a:r>
+          </a:p>
+        </p:txBody>
+      </p:sp>
+      <p:pic>
+        <p:nvPicPr>
+          <p:cNvPr id="11" name="Grafik 10">
+            <a:extLst>
+              <a:ext uri="{FF2B5EF4-FFF2-40B4-BE49-F238E27FC236}">
+                <a16:creationId xmlns:a16="http://schemas.microsoft.com/office/drawing/2014/main" id="{FA764198-C830-9DDA-C4A5-3F0D784FD106}"/>
+              </a:ext>
+            </a:extLst>
+          </p:cNvPr>
+          <p:cNvPicPr>
+            <a:picLocks noChangeAspect="1"/>
+          </p:cNvPicPr>
+          <p:nvPr/>
+        </p:nvPicPr>
+        <p:blipFill>
+          <a:blip r:embed="rId2">
+            <a:extLst>
+              <a:ext uri="{28A0092B-C50C-407E-A947-70E740481C1C}">
+                <a14:useLocalDpi xmlns:a14="http://schemas.microsoft.com/office/drawing/2010/main" val="0"/>
+              </a:ext>
+              <a:ext uri="{96DAC541-7B7A-43D3-8B79-37D633B846F1}">
+                <asvg:svgBlip xmlns:asvg="http://schemas.microsoft.com/office/drawing/2016/SVG/main" r:embed="rId3"/>
+              </a:ext>
+            </a:extLst>
+          </a:blip>
+          <a:stretch>
+            <a:fillRect/>
+          </a:stretch>
+        </p:blipFill>
+        <p:spPr>
+          <a:xfrm>
+            <a:off x="1232771" y="3216602"/>
+            <a:ext cx="3996377" cy="2422047"/>
+          </a:xfrm>
+          <a:prstGeom prst="rect">
+            <a:avLst/>
+          </a:prstGeom>
+        </p:spPr>
+      </p:pic>
+      <p:pic>
+        <p:nvPicPr>
+          <p:cNvPr id="13" name="Grafik 12">
+            <a:extLst>
+              <a:ext uri="{FF2B5EF4-FFF2-40B4-BE49-F238E27FC236}">
+                <a16:creationId xmlns:a16="http://schemas.microsoft.com/office/drawing/2014/main" id="{E659C5A8-7E63-01F4-61F4-589CC213F99F}"/>
+              </a:ext>
+            </a:extLst>
+          </p:cNvPr>
+          <p:cNvPicPr>
+            <a:picLocks noChangeAspect="1"/>
+          </p:cNvPicPr>
+          <p:nvPr/>
+        </p:nvPicPr>
+        <p:blipFill>
+          <a:blip r:embed="rId4">
+            <a:extLst>
+              <a:ext uri="{28A0092B-C50C-407E-A947-70E740481C1C}">
+                <a14:useLocalDpi xmlns:a14="http://schemas.microsoft.com/office/drawing/2010/main" val="0"/>
+              </a:ext>
+              <a:ext uri="{96DAC541-7B7A-43D3-8B79-37D633B846F1}">
+                <asvg:svgBlip xmlns:asvg="http://schemas.microsoft.com/office/drawing/2016/SVG/main" r:embed="rId5"/>
+              </a:ext>
+            </a:extLst>
+          </a:blip>
+          <a:stretch>
+            <a:fillRect/>
+          </a:stretch>
+        </p:blipFill>
+        <p:spPr>
+          <a:xfrm>
+            <a:off x="6318679" y="3207088"/>
+            <a:ext cx="3996376" cy="2422046"/>
+          </a:xfrm>
+          <a:prstGeom prst="rect">
+            <a:avLst/>
+          </a:prstGeom>
+        </p:spPr>
+      </p:pic>
+      <p:sp>
+        <p:nvSpPr>
+          <p:cNvPr id="19" name="Textfeld 18">
+            <a:extLst>
+              <a:ext uri="{FF2B5EF4-FFF2-40B4-BE49-F238E27FC236}">
+                <a16:creationId xmlns:a16="http://schemas.microsoft.com/office/drawing/2014/main" id="{D5A420A0-83E0-E14D-EF48-FB917C189EEF}"/>
+              </a:ext>
+            </a:extLst>
+          </p:cNvPr>
+          <p:cNvSpPr txBox="1"/>
+          <p:nvPr/>
+        </p:nvSpPr>
+        <p:spPr>
+          <a:xfrm>
+            <a:off x="8192898" y="5514806"/>
+            <a:ext cx="877455" cy="338554"/>
+          </a:xfrm>
+          <a:prstGeom prst="rect">
+            <a:avLst/>
+          </a:prstGeom>
+          <a:noFill/>
+        </p:spPr>
+        <p:txBody>
+          <a:bodyPr wrap="square" rtlCol="0">
+            <a:spAutoFit/>
+          </a:bodyPr>
+          <a:lstStyle/>
+          <a:p>
+            <a:r>
+              <a:rPr lang="de-DE" sz="1600" dirty="0" err="1"/>
+              <a:t>Epoch</a:t>
+            </a:r>
+            <a:endParaRPr lang="de-DE" sz="1600" dirty="0"/>
+          </a:p>
+        </p:txBody>
+      </p:sp>
+      <p:sp>
+        <p:nvSpPr>
+          <p:cNvPr id="20" name="Textfeld 19">
+            <a:extLst>
+              <a:ext uri="{FF2B5EF4-FFF2-40B4-BE49-F238E27FC236}">
+                <a16:creationId xmlns:a16="http://schemas.microsoft.com/office/drawing/2014/main" id="{C00E9C7A-A004-5DFF-10D1-16448173E27B}"/>
+              </a:ext>
+            </a:extLst>
+          </p:cNvPr>
+          <p:cNvSpPr txBox="1"/>
+          <p:nvPr/>
+        </p:nvSpPr>
+        <p:spPr>
+          <a:xfrm>
+            <a:off x="6122903" y="3610257"/>
+            <a:ext cx="430887" cy="1256037"/>
+          </a:xfrm>
+          <a:prstGeom prst="rect">
+            <a:avLst/>
+          </a:prstGeom>
+          <a:noFill/>
+        </p:spPr>
+        <p:txBody>
+          <a:bodyPr vert="vert270" wrap="square" rtlCol="0">
+            <a:spAutoFit/>
+          </a:bodyPr>
+          <a:lstStyle/>
+          <a:p>
+            <a:r>
+              <a:rPr lang="de-DE" sz="1600" dirty="0"/>
+              <a:t>Genauigkeit</a:t>
+            </a:r>
+          </a:p>
+        </p:txBody>
+      </p:sp>
+      <p:sp>
+        <p:nvSpPr>
+          <p:cNvPr id="21" name="Textfeld 20">
+            <a:extLst>
+              <a:ext uri="{FF2B5EF4-FFF2-40B4-BE49-F238E27FC236}">
+                <a16:creationId xmlns:a16="http://schemas.microsoft.com/office/drawing/2014/main" id="{A4C740C8-C581-901F-1F27-AE22DB96E742}"/>
+              </a:ext>
+            </a:extLst>
+          </p:cNvPr>
+          <p:cNvSpPr txBox="1"/>
+          <p:nvPr/>
+        </p:nvSpPr>
+        <p:spPr>
+          <a:xfrm>
+            <a:off x="1001938" y="3857413"/>
+            <a:ext cx="461665" cy="689949"/>
+          </a:xfrm>
+          <a:prstGeom prst="rect">
+            <a:avLst/>
+          </a:prstGeom>
+          <a:noFill/>
+        </p:spPr>
+        <p:txBody>
+          <a:bodyPr vert="vert270" wrap="square" rtlCol="0">
+            <a:spAutoFit/>
+          </a:bodyPr>
+          <a:lstStyle/>
+          <a:p>
+            <a:r>
+              <a:rPr lang="de-DE" sz="1600" dirty="0"/>
+              <a:t>Loss</a:t>
+            </a:r>
+          </a:p>
+        </p:txBody>
+      </p:sp>
+      <p:sp>
+        <p:nvSpPr>
+          <p:cNvPr id="22" name="Textfeld 21">
+            <a:extLst>
+              <a:ext uri="{FF2B5EF4-FFF2-40B4-BE49-F238E27FC236}">
+                <a16:creationId xmlns:a16="http://schemas.microsoft.com/office/drawing/2014/main" id="{A0680393-24FD-615B-B3DD-9F369DE6742A}"/>
+              </a:ext>
+            </a:extLst>
+          </p:cNvPr>
+          <p:cNvSpPr txBox="1"/>
+          <p:nvPr/>
+        </p:nvSpPr>
+        <p:spPr>
+          <a:xfrm>
+            <a:off x="2156043" y="3516401"/>
+            <a:ext cx="776681" cy="307777"/>
+          </a:xfrm>
+          <a:prstGeom prst="rect">
+            <a:avLst/>
+          </a:prstGeom>
+          <a:noFill/>
+        </p:spPr>
+        <p:txBody>
+          <a:bodyPr wrap="square" rtlCol="0">
+            <a:spAutoFit/>
+          </a:bodyPr>
+          <a:lstStyle/>
+          <a:p>
+            <a:r>
+              <a:rPr lang="de-DE" sz="1400" dirty="0"/>
+              <a:t>Training</a:t>
+            </a:r>
+          </a:p>
+        </p:txBody>
+      </p:sp>
+      <p:sp>
+        <p:nvSpPr>
+          <p:cNvPr id="23" name="Textfeld 22">
+            <a:extLst>
+              <a:ext uri="{FF2B5EF4-FFF2-40B4-BE49-F238E27FC236}">
+                <a16:creationId xmlns:a16="http://schemas.microsoft.com/office/drawing/2014/main" id="{9C684E52-773B-740F-9D31-A43FE2AD2DF3}"/>
+              </a:ext>
+            </a:extLst>
+          </p:cNvPr>
+          <p:cNvSpPr txBox="1"/>
+          <p:nvPr/>
+        </p:nvSpPr>
+        <p:spPr>
+          <a:xfrm>
+            <a:off x="6957313" y="3610257"/>
+            <a:ext cx="980464" cy="307777"/>
+          </a:xfrm>
+          <a:prstGeom prst="rect">
+            <a:avLst/>
+          </a:prstGeom>
+          <a:noFill/>
+        </p:spPr>
+        <p:txBody>
+          <a:bodyPr wrap="square" rtlCol="0">
+            <a:spAutoFit/>
+          </a:bodyPr>
+          <a:lstStyle/>
+          <a:p>
+            <a:r>
+              <a:rPr lang="de-DE" sz="1400" dirty="0"/>
+              <a:t>Validation</a:t>
+            </a:r>
+          </a:p>
+        </p:txBody>
+      </p:sp>
+      <p:sp>
+        <p:nvSpPr>
+          <p:cNvPr id="24" name="Textfeld 23">
+            <a:extLst>
+              <a:ext uri="{FF2B5EF4-FFF2-40B4-BE49-F238E27FC236}">
+                <a16:creationId xmlns:a16="http://schemas.microsoft.com/office/drawing/2014/main" id="{EEAB653D-2DFC-AD3B-E9D0-6A38BB649A4C}"/>
+              </a:ext>
+            </a:extLst>
+          </p:cNvPr>
+          <p:cNvSpPr txBox="1"/>
+          <p:nvPr/>
+        </p:nvSpPr>
+        <p:spPr>
+          <a:xfrm>
+            <a:off x="2156043" y="5118879"/>
+            <a:ext cx="980464" cy="307777"/>
+          </a:xfrm>
+          <a:prstGeom prst="rect">
+            <a:avLst/>
+          </a:prstGeom>
+          <a:noFill/>
+        </p:spPr>
+        <p:txBody>
+          <a:bodyPr wrap="square" rtlCol="0">
+            <a:spAutoFit/>
+          </a:bodyPr>
+          <a:lstStyle/>
+          <a:p>
+            <a:r>
+              <a:rPr lang="de-DE" sz="1400" dirty="0"/>
+              <a:t>Validation</a:t>
+            </a:r>
+          </a:p>
+        </p:txBody>
+      </p:sp>
+      <p:sp>
+        <p:nvSpPr>
+          <p:cNvPr id="25" name="Textfeld 24">
+            <a:extLst>
+              <a:ext uri="{FF2B5EF4-FFF2-40B4-BE49-F238E27FC236}">
+                <a16:creationId xmlns:a16="http://schemas.microsoft.com/office/drawing/2014/main" id="{1C2907D8-9139-D35D-3EF4-C12FB642876E}"/>
+              </a:ext>
+            </a:extLst>
+          </p:cNvPr>
+          <p:cNvSpPr txBox="1"/>
+          <p:nvPr/>
+        </p:nvSpPr>
+        <p:spPr>
+          <a:xfrm>
+            <a:off x="7314325" y="4726252"/>
+            <a:ext cx="776681" cy="307777"/>
+          </a:xfrm>
+          <a:prstGeom prst="rect">
+            <a:avLst/>
+          </a:prstGeom>
+          <a:noFill/>
+        </p:spPr>
+        <p:txBody>
+          <a:bodyPr wrap="square" rtlCol="0">
+            <a:spAutoFit/>
+          </a:bodyPr>
+          <a:lstStyle/>
+          <a:p>
+            <a:r>
+              <a:rPr lang="de-DE" sz="1400" dirty="0"/>
+              <a:t>Training</a:t>
+            </a:r>
+          </a:p>
+        </p:txBody>
+      </p:sp>
+      <p:sp>
+        <p:nvSpPr>
+          <p:cNvPr id="27" name="Inhaltsplatzhalter 2">
+            <a:extLst>
+              <a:ext uri="{FF2B5EF4-FFF2-40B4-BE49-F238E27FC236}">
+                <a16:creationId xmlns:a16="http://schemas.microsoft.com/office/drawing/2014/main" id="{C3F27432-C823-F7CF-5C12-A1FFA4A668C8}"/>
+              </a:ext>
+            </a:extLst>
+          </p:cNvPr>
+          <p:cNvSpPr>
+            <a:spLocks noGrp="1"/>
+          </p:cNvSpPr>
+          <p:nvPr>
+            <p:ph idx="1"/>
+          </p:nvPr>
+        </p:nvSpPr>
+        <p:spPr>
+          <a:xfrm>
+            <a:off x="838200" y="1825626"/>
+            <a:ext cx="10515600" cy="1256038"/>
+          </a:xfrm>
+        </p:spPr>
+        <p:txBody>
+          <a:bodyPr/>
+          <a:lstStyle/>
+          <a:p>
+            <a:r>
+              <a:rPr lang="de-DE" dirty="0"/>
+              <a:t>Genauigkeit: 85.92% (</a:t>
+            </a:r>
+            <a:r>
+              <a:rPr lang="de-DE" dirty="0">
+                <a:solidFill>
+                  <a:srgbClr val="FF0000"/>
+                </a:solidFill>
+              </a:rPr>
+              <a:t>-0.55% </a:t>
+            </a:r>
+            <a:r>
+              <a:rPr lang="de-DE" dirty="0" err="1"/>
+              <a:t>ggü</a:t>
+            </a:r>
+            <a:r>
+              <a:rPr lang="de-DE" dirty="0"/>
+              <a:t>. Teacher)</a:t>
+            </a:r>
+          </a:p>
+          <a:p>
+            <a:r>
+              <a:rPr lang="de-DE" dirty="0"/>
+              <a:t>Loss: 0.3863 (</a:t>
+            </a:r>
+            <a:r>
+              <a:rPr lang="de-DE" dirty="0">
+                <a:solidFill>
+                  <a:srgbClr val="FF0000"/>
+                </a:solidFill>
+              </a:rPr>
+              <a:t>+0.0182 </a:t>
+            </a:r>
+            <a:r>
+              <a:rPr lang="de-DE" dirty="0" err="1"/>
+              <a:t>ggü</a:t>
+            </a:r>
+            <a:r>
+              <a:rPr lang="de-DE" dirty="0"/>
+              <a:t>. Teacher)</a:t>
+            </a:r>
+          </a:p>
+          <a:p>
+            <a:endParaRPr lang="de-DE" dirty="0"/>
+          </a:p>
+        </p:txBody>
+      </p:sp>
+      <p:sp>
+        <p:nvSpPr>
+          <p:cNvPr id="28" name="Textfeld 27">
+            <a:extLst>
+              <a:ext uri="{FF2B5EF4-FFF2-40B4-BE49-F238E27FC236}">
+                <a16:creationId xmlns:a16="http://schemas.microsoft.com/office/drawing/2014/main" id="{F3050A5A-7BCC-FE57-C8A2-BBAA14DD77C4}"/>
+              </a:ext>
+            </a:extLst>
+          </p:cNvPr>
+          <p:cNvSpPr txBox="1"/>
+          <p:nvPr/>
+        </p:nvSpPr>
+        <p:spPr>
+          <a:xfrm>
+            <a:off x="3029575" y="5514806"/>
+            <a:ext cx="877455" cy="338554"/>
+          </a:xfrm>
+          <a:prstGeom prst="rect">
+            <a:avLst/>
+          </a:prstGeom>
+          <a:noFill/>
+        </p:spPr>
+        <p:txBody>
+          <a:bodyPr wrap="square" rtlCol="0">
+            <a:spAutoFit/>
+          </a:bodyPr>
+          <a:lstStyle/>
+          <a:p>
+            <a:r>
+              <a:rPr lang="de-DE" sz="1600" dirty="0" err="1"/>
+              <a:t>Epoch</a:t>
+            </a:r>
+            <a:endParaRPr lang="de-DE" sz="1600" dirty="0"/>
+          </a:p>
+        </p:txBody>
+      </p:sp>
+    </p:spTree>
+    <p:extLst>
+      <p:ext uri="{BB962C8B-B14F-4D97-AF65-F5344CB8AC3E}">
+        <p14:creationId xmlns:p14="http://schemas.microsoft.com/office/powerpoint/2010/main" val="1270934387"/>
+      </p:ext>
+    </p:extLst>
+  </p:cSld>
+  <p:clrMapOvr>
+    <a:masterClrMapping/>
+  </p:clrMapOvr>
+</p:sld>
+</file>
+
+<file path=ppt/slides/slide7.xml><?xml version="1.0" encoding="utf-8"?>
+<p:sld xmlns:a="http://schemas.openxmlformats.org/drawingml/2006/main" xmlns:r="http://schemas.openxmlformats.org/officeDocument/2006/relationships" xmlns:p="http://schemas.openxmlformats.org/presentationml/2006/main">
+  <p:cSld>
+    <p:spTree>
+      <p:nvGrpSpPr>
+        <p:cNvPr id="1" name=""/>
+        <p:cNvGrpSpPr/>
+        <p:nvPr/>
+      </p:nvGrpSpPr>
+      <p:grpSpPr>
+        <a:xfrm>
+          <a:off x="0" y="0"/>
+          <a:ext cx="0" cy="0"/>
+          <a:chOff x="0" y="0"/>
+          <a:chExt cx="0" cy="0"/>
+        </a:xfrm>
+      </p:grpSpPr>
+      <p:sp>
+        <p:nvSpPr>
+          <p:cNvPr id="2" name="Titel 1">
+            <a:extLst>
+              <a:ext uri="{FF2B5EF4-FFF2-40B4-BE49-F238E27FC236}">
+                <a16:creationId xmlns:a16="http://schemas.microsoft.com/office/drawing/2014/main" id="{F70F4333-501A-DF41-AF87-2A372D061954}"/>
+              </a:ext>
+            </a:extLst>
+          </p:cNvPr>
+          <p:cNvSpPr>
+            <a:spLocks noGrp="1"/>
+          </p:cNvSpPr>
+          <p:nvPr>
+            <p:ph type="title"/>
+          </p:nvPr>
+        </p:nvSpPr>
+        <p:spPr/>
+        <p:txBody>
+          <a:bodyPr/>
+          <a:lstStyle/>
+          <a:p>
+            <a:r>
+              <a:rPr lang="de-DE" dirty="0"/>
+              <a:t>Vergleich Scratch (Ohne Teacher)</a:t>
+            </a:r>
+          </a:p>
+        </p:txBody>
+      </p:sp>
+      <p:sp>
+        <p:nvSpPr>
+          <p:cNvPr id="3" name="Inhaltsplatzhalter 2">
+            <a:extLst>
+              <a:ext uri="{FF2B5EF4-FFF2-40B4-BE49-F238E27FC236}">
+                <a16:creationId xmlns:a16="http://schemas.microsoft.com/office/drawing/2014/main" id="{AACC2502-4685-EF33-E54C-6E8243683BE7}"/>
+              </a:ext>
+            </a:extLst>
+          </p:cNvPr>
+          <p:cNvSpPr>
+            <a:spLocks noGrp="1"/>
+          </p:cNvSpPr>
+          <p:nvPr>
+            <p:ph idx="1"/>
+          </p:nvPr>
+        </p:nvSpPr>
+        <p:spPr/>
+        <p:txBody>
+          <a:bodyPr/>
+          <a:lstStyle/>
+          <a:p>
+            <a:r>
+              <a:rPr lang="de-DE" dirty="0"/>
+              <a:t>Genauigkeit: 85.75% (</a:t>
+            </a:r>
+            <a:r>
+              <a:rPr lang="de-DE" dirty="0">
+                <a:solidFill>
+                  <a:srgbClr val="FF0000"/>
+                </a:solidFill>
+              </a:rPr>
+              <a:t>-0,17%</a:t>
+            </a:r>
+            <a:r>
+              <a:rPr lang="de-DE" dirty="0"/>
+              <a:t>)</a:t>
+            </a:r>
+          </a:p>
+          <a:p>
+            <a:r>
+              <a:rPr lang="de-DE" dirty="0"/>
+              <a:t>Loss: 0.4056 (</a:t>
+            </a:r>
+            <a:r>
+              <a:rPr lang="de-DE" dirty="0">
+                <a:solidFill>
+                  <a:srgbClr val="FF0000"/>
+                </a:solidFill>
+              </a:rPr>
+              <a:t>+0.0193</a:t>
+            </a:r>
+            <a:r>
+              <a:rPr lang="de-DE" dirty="0"/>
+              <a:t>)</a:t>
+            </a:r>
+          </a:p>
+          <a:p>
+            <a:r>
+              <a:rPr lang="de-DE" dirty="0"/>
+              <a:t>Trainingsschritte 17 (</a:t>
+            </a:r>
+            <a:r>
+              <a:rPr lang="de-DE" dirty="0">
+                <a:solidFill>
+                  <a:srgbClr val="FF0000"/>
+                </a:solidFill>
+              </a:rPr>
+              <a:t>+7</a:t>
+            </a:r>
+            <a:r>
+              <a:rPr lang="de-DE" dirty="0"/>
+              <a:t>)</a:t>
+            </a:r>
+          </a:p>
+        </p:txBody>
+      </p:sp>
+      <p:sp>
+        <p:nvSpPr>
+          <p:cNvPr id="4" name="Datumsplatzhalter 3">
+            <a:extLst>
+              <a:ext uri="{FF2B5EF4-FFF2-40B4-BE49-F238E27FC236}">
+                <a16:creationId xmlns:a16="http://schemas.microsoft.com/office/drawing/2014/main" id="{ED954265-ED99-97A1-1E2F-07E56CB642EF}"/>
+              </a:ext>
+            </a:extLst>
+          </p:cNvPr>
+          <p:cNvSpPr>
+            <a:spLocks noGrp="1"/>
+          </p:cNvSpPr>
+          <p:nvPr>
+            <p:ph type="dt" sz="half" idx="10"/>
+          </p:nvPr>
+        </p:nvSpPr>
+        <p:spPr/>
+        <p:txBody>
+          <a:bodyPr/>
+          <a:lstStyle/>
+          <a:p>
+            <a:fld id="{25118A72-986D-48C9-AAC8-AE8DB10EA9EB}" type="datetime1">
+              <a:rPr lang="de-DE" smtClean="0"/>
+              <a:t>26.06.2023</a:t>
+            </a:fld>
+            <a:endParaRPr lang="de-DE"/>
+          </a:p>
+        </p:txBody>
+      </p:sp>
+      <p:sp>
+        <p:nvSpPr>
+          <p:cNvPr id="5" name="Fußzeilenplatzhalter 4">
+            <a:extLst>
+              <a:ext uri="{FF2B5EF4-FFF2-40B4-BE49-F238E27FC236}">
+                <a16:creationId xmlns:a16="http://schemas.microsoft.com/office/drawing/2014/main" id="{AB4E2A9B-767D-8923-3BCD-7FCF339A6CE1}"/>
+              </a:ext>
+            </a:extLst>
+          </p:cNvPr>
+          <p:cNvSpPr>
+            <a:spLocks noGrp="1"/>
+          </p:cNvSpPr>
+          <p:nvPr>
+            <p:ph type="ftr" sz="quarter" idx="11"/>
+          </p:nvPr>
+        </p:nvSpPr>
+        <p:spPr/>
+        <p:txBody>
+          <a:bodyPr/>
+          <a:lstStyle/>
+          <a:p>
+            <a:r>
+              <a:rPr lang="de-DE"/>
+              <a:t>Meilenstein 4</a:t>
+            </a:r>
+          </a:p>
+        </p:txBody>
+      </p:sp>
+      <p:sp>
+        <p:nvSpPr>
+          <p:cNvPr id="6" name="Foliennummernplatzhalter 5">
+            <a:extLst>
+              <a:ext uri="{FF2B5EF4-FFF2-40B4-BE49-F238E27FC236}">
+                <a16:creationId xmlns:a16="http://schemas.microsoft.com/office/drawing/2014/main" id="{328164B7-232F-41E0-921E-71B2F0A5F8FD}"/>
+              </a:ext>
+            </a:extLst>
+          </p:cNvPr>
+          <p:cNvSpPr>
+            <a:spLocks noGrp="1"/>
+          </p:cNvSpPr>
+          <p:nvPr>
+            <p:ph type="sldNum" sz="quarter" idx="12"/>
+          </p:nvPr>
+        </p:nvSpPr>
+        <p:spPr/>
+        <p:txBody>
+          <a:bodyPr/>
+          <a:lstStyle/>
+          <a:p>
+            <a:fld id="{37433AC2-EFC7-45C2-8E26-B48CD5F13A15}" type="slidenum">
+              <a:rPr lang="de-DE" smtClean="0"/>
+              <a:t>7</a:t>
+            </a:fld>
+            <a:endParaRPr lang="de-DE"/>
+          </a:p>
+        </p:txBody>
+      </p:sp>
+      <p:pic>
+        <p:nvPicPr>
+          <p:cNvPr id="7" name="Grafik 6">
+            <a:extLst>
+              <a:ext uri="{FF2B5EF4-FFF2-40B4-BE49-F238E27FC236}">
+                <a16:creationId xmlns:a16="http://schemas.microsoft.com/office/drawing/2014/main" id="{71EDC856-1363-168E-ECB5-3CD28905B893}"/>
+              </a:ext>
+            </a:extLst>
+          </p:cNvPr>
+          <p:cNvPicPr>
+            <a:picLocks noChangeAspect="1"/>
+          </p:cNvPicPr>
+          <p:nvPr/>
+        </p:nvPicPr>
+        <p:blipFill>
+          <a:blip r:embed="rId2">
+            <a:extLst>
+              <a:ext uri="{28A0092B-C50C-407E-A947-70E740481C1C}">
+                <a14:useLocalDpi xmlns:a14="http://schemas.microsoft.com/office/drawing/2010/main" val="0"/>
+              </a:ext>
+              <a:ext uri="{96DAC541-7B7A-43D3-8B79-37D633B846F1}">
+                <asvg:svgBlip xmlns:asvg="http://schemas.microsoft.com/office/drawing/2016/SVG/main" r:embed="rId3"/>
+              </a:ext>
+            </a:extLst>
+          </a:blip>
+          <a:stretch>
+            <a:fillRect/>
+          </a:stretch>
+        </p:blipFill>
+        <p:spPr>
+          <a:xfrm>
+            <a:off x="6948172" y="3498470"/>
+            <a:ext cx="3714236" cy="2251052"/>
+          </a:xfrm>
+          <a:prstGeom prst="rect">
+            <a:avLst/>
+          </a:prstGeom>
+        </p:spPr>
+      </p:pic>
+      <p:pic>
+        <p:nvPicPr>
+          <p:cNvPr id="8" name="Grafik 7">
+            <a:extLst>
+              <a:ext uri="{FF2B5EF4-FFF2-40B4-BE49-F238E27FC236}">
+                <a16:creationId xmlns:a16="http://schemas.microsoft.com/office/drawing/2014/main" id="{12A6BA17-9A69-9237-7F5E-0E8718895C53}"/>
+              </a:ext>
+            </a:extLst>
+          </p:cNvPr>
+          <p:cNvPicPr>
+            <a:picLocks noChangeAspect="1"/>
+          </p:cNvPicPr>
+          <p:nvPr/>
+        </p:nvPicPr>
+        <p:blipFill>
+          <a:blip r:embed="rId4">
+            <a:extLst>
+              <a:ext uri="{28A0092B-C50C-407E-A947-70E740481C1C}">
+                <a14:useLocalDpi xmlns:a14="http://schemas.microsoft.com/office/drawing/2010/main" val="0"/>
+              </a:ext>
+              <a:ext uri="{96DAC541-7B7A-43D3-8B79-37D633B846F1}">
+                <asvg:svgBlip xmlns:asvg="http://schemas.microsoft.com/office/drawing/2016/SVG/main" r:embed="rId5"/>
+              </a:ext>
+            </a:extLst>
+          </a:blip>
+          <a:stretch>
+            <a:fillRect/>
+          </a:stretch>
+        </p:blipFill>
+        <p:spPr>
+          <a:xfrm>
+            <a:off x="1612773" y="3498470"/>
+            <a:ext cx="3714236" cy="2251052"/>
+          </a:xfrm>
+          <a:prstGeom prst="rect">
+            <a:avLst/>
+          </a:prstGeom>
+        </p:spPr>
+      </p:pic>
+      <p:sp>
+        <p:nvSpPr>
+          <p:cNvPr id="9" name="Textfeld 8">
+            <a:extLst>
+              <a:ext uri="{FF2B5EF4-FFF2-40B4-BE49-F238E27FC236}">
+                <a16:creationId xmlns:a16="http://schemas.microsoft.com/office/drawing/2014/main" id="{A5BD7B94-4B5D-C259-86F2-1B86F02D879A}"/>
+              </a:ext>
+            </a:extLst>
+          </p:cNvPr>
+          <p:cNvSpPr txBox="1"/>
+          <p:nvPr/>
+        </p:nvSpPr>
+        <p:spPr>
+          <a:xfrm>
+            <a:off x="903343" y="5990217"/>
+            <a:ext cx="10450457" cy="307777"/>
+          </a:xfrm>
+          <a:prstGeom prst="rect">
+            <a:avLst/>
+          </a:prstGeom>
+          <a:noFill/>
+        </p:spPr>
+        <p:txBody>
+          <a:bodyPr wrap="square" rtlCol="0">
+            <a:spAutoFit/>
+          </a:bodyPr>
+          <a:lstStyle/>
+          <a:p>
+            <a:r>
+              <a:rPr lang="de-DE" sz="1400" dirty="0"/>
+              <a:t>Parameter: 251K Trainingsgröße (Mix aus EMNIST &amp; Eigener), Adam Optimizer (Learning Rate 0.0005), Early </a:t>
+            </a:r>
+            <a:r>
+              <a:rPr lang="de-DE" sz="1400" dirty="0" err="1"/>
+              <a:t>Stopping</a:t>
+            </a:r>
+            <a:r>
+              <a:rPr lang="de-DE" sz="1400" dirty="0"/>
+              <a:t> (17 Epochen gestoppt)</a:t>
+            </a:r>
+          </a:p>
+        </p:txBody>
+      </p:sp>
+      <p:sp>
+        <p:nvSpPr>
+          <p:cNvPr id="10" name="Textfeld 9">
+            <a:extLst>
+              <a:ext uri="{FF2B5EF4-FFF2-40B4-BE49-F238E27FC236}">
+                <a16:creationId xmlns:a16="http://schemas.microsoft.com/office/drawing/2014/main" id="{0B8C50CE-716A-6F11-5531-C60DBC36B0EB}"/>
+              </a:ext>
+            </a:extLst>
+          </p:cNvPr>
+          <p:cNvSpPr txBox="1"/>
+          <p:nvPr/>
+        </p:nvSpPr>
+        <p:spPr>
+          <a:xfrm>
+            <a:off x="3161145" y="5640761"/>
+            <a:ext cx="877455" cy="338554"/>
+          </a:xfrm>
+          <a:prstGeom prst="rect">
+            <a:avLst/>
+          </a:prstGeom>
+          <a:noFill/>
+        </p:spPr>
+        <p:txBody>
+          <a:bodyPr wrap="square" rtlCol="0">
+            <a:spAutoFit/>
+          </a:bodyPr>
+          <a:lstStyle/>
+          <a:p>
+            <a:r>
+              <a:rPr lang="de-DE" sz="1600" dirty="0" err="1"/>
+              <a:t>Epoch</a:t>
+            </a:r>
+            <a:endParaRPr lang="de-DE" sz="1600" dirty="0"/>
+          </a:p>
+        </p:txBody>
+      </p:sp>
+      <p:sp>
+        <p:nvSpPr>
+          <p:cNvPr id="11" name="Textfeld 10">
+            <a:extLst>
+              <a:ext uri="{FF2B5EF4-FFF2-40B4-BE49-F238E27FC236}">
+                <a16:creationId xmlns:a16="http://schemas.microsoft.com/office/drawing/2014/main" id="{8B8CCAA9-C580-112A-640E-B1B6BED5C87E}"/>
+              </a:ext>
+            </a:extLst>
+          </p:cNvPr>
+          <p:cNvSpPr txBox="1"/>
+          <p:nvPr/>
+        </p:nvSpPr>
+        <p:spPr>
+          <a:xfrm>
+            <a:off x="8714657" y="5643752"/>
+            <a:ext cx="877455" cy="338554"/>
+          </a:xfrm>
+          <a:prstGeom prst="rect">
+            <a:avLst/>
+          </a:prstGeom>
+          <a:noFill/>
+        </p:spPr>
+        <p:txBody>
+          <a:bodyPr wrap="square" rtlCol="0">
+            <a:spAutoFit/>
+          </a:bodyPr>
+          <a:lstStyle/>
+          <a:p>
+            <a:r>
+              <a:rPr lang="de-DE" sz="1600" dirty="0" err="1"/>
+              <a:t>Epoch</a:t>
+            </a:r>
+            <a:endParaRPr lang="de-DE" sz="1600" dirty="0"/>
+          </a:p>
+        </p:txBody>
+      </p:sp>
+      <p:sp>
+        <p:nvSpPr>
+          <p:cNvPr id="12" name="Textfeld 11">
+            <a:extLst>
+              <a:ext uri="{FF2B5EF4-FFF2-40B4-BE49-F238E27FC236}">
+                <a16:creationId xmlns:a16="http://schemas.microsoft.com/office/drawing/2014/main" id="{B76082BE-F186-52C6-39D9-6D98A8305215}"/>
+              </a:ext>
+            </a:extLst>
+          </p:cNvPr>
+          <p:cNvSpPr txBox="1"/>
+          <p:nvPr/>
+        </p:nvSpPr>
+        <p:spPr>
+          <a:xfrm>
+            <a:off x="6732728" y="3727703"/>
+            <a:ext cx="430887" cy="1256037"/>
+          </a:xfrm>
+          <a:prstGeom prst="rect">
+            <a:avLst/>
+          </a:prstGeom>
+          <a:noFill/>
+        </p:spPr>
+        <p:txBody>
+          <a:bodyPr vert="vert270" wrap="square" rtlCol="0">
+            <a:spAutoFit/>
+          </a:bodyPr>
+          <a:lstStyle/>
+          <a:p>
+            <a:r>
+              <a:rPr lang="de-DE" sz="1600" dirty="0"/>
+              <a:t>Genauigkeit</a:t>
+            </a:r>
+          </a:p>
+        </p:txBody>
+      </p:sp>
+      <p:sp>
+        <p:nvSpPr>
+          <p:cNvPr id="13" name="Textfeld 12">
+            <a:extLst>
+              <a:ext uri="{FF2B5EF4-FFF2-40B4-BE49-F238E27FC236}">
+                <a16:creationId xmlns:a16="http://schemas.microsoft.com/office/drawing/2014/main" id="{EFC90F31-7169-7098-30E6-459287E48024}"/>
+              </a:ext>
+            </a:extLst>
+          </p:cNvPr>
+          <p:cNvSpPr txBox="1"/>
+          <p:nvPr/>
+        </p:nvSpPr>
+        <p:spPr>
+          <a:xfrm>
+            <a:off x="1397329" y="4078711"/>
+            <a:ext cx="430887" cy="562742"/>
+          </a:xfrm>
+          <a:prstGeom prst="rect">
+            <a:avLst/>
+          </a:prstGeom>
+          <a:noFill/>
+        </p:spPr>
+        <p:txBody>
+          <a:bodyPr vert="vert270" wrap="square" rtlCol="0">
+            <a:spAutoFit/>
+          </a:bodyPr>
+          <a:lstStyle/>
+          <a:p>
+            <a:r>
+              <a:rPr lang="de-DE" sz="1600" dirty="0"/>
+              <a:t>Loss</a:t>
+            </a:r>
+          </a:p>
+        </p:txBody>
+      </p:sp>
+      <p:sp>
+        <p:nvSpPr>
+          <p:cNvPr id="14" name="Textfeld 13">
+            <a:extLst>
+              <a:ext uri="{FF2B5EF4-FFF2-40B4-BE49-F238E27FC236}">
+                <a16:creationId xmlns:a16="http://schemas.microsoft.com/office/drawing/2014/main" id="{7946372C-CE5B-7FF0-23FA-9B4097B17E8C}"/>
+              </a:ext>
+            </a:extLst>
+          </p:cNvPr>
+          <p:cNvSpPr txBox="1"/>
+          <p:nvPr/>
+        </p:nvSpPr>
+        <p:spPr>
+          <a:xfrm>
+            <a:off x="4261679" y="4675963"/>
+            <a:ext cx="980464" cy="307777"/>
+          </a:xfrm>
+          <a:prstGeom prst="rect">
+            <a:avLst/>
+          </a:prstGeom>
+          <a:noFill/>
+        </p:spPr>
+        <p:txBody>
+          <a:bodyPr wrap="square" rtlCol="0">
+            <a:spAutoFit/>
+          </a:bodyPr>
+          <a:lstStyle/>
+          <a:p>
+            <a:r>
+              <a:rPr lang="de-DE" sz="1400" dirty="0"/>
+              <a:t>Validation</a:t>
+            </a:r>
+          </a:p>
+        </p:txBody>
+      </p:sp>
+      <p:sp>
+        <p:nvSpPr>
+          <p:cNvPr id="17" name="Textfeld 16">
+            <a:extLst>
+              <a:ext uri="{FF2B5EF4-FFF2-40B4-BE49-F238E27FC236}">
+                <a16:creationId xmlns:a16="http://schemas.microsoft.com/office/drawing/2014/main" id="{EA100E2C-C6C0-1717-4E14-5C36024DBBC8}"/>
+              </a:ext>
+            </a:extLst>
+          </p:cNvPr>
+          <p:cNvSpPr txBox="1"/>
+          <p:nvPr/>
+        </p:nvSpPr>
+        <p:spPr>
+          <a:xfrm>
+            <a:off x="4940347" y="5224435"/>
+            <a:ext cx="980464" cy="307777"/>
+          </a:xfrm>
+          <a:prstGeom prst="rect">
+            <a:avLst/>
+          </a:prstGeom>
+          <a:noFill/>
+        </p:spPr>
+        <p:txBody>
+          <a:bodyPr wrap="square" rtlCol="0">
+            <a:spAutoFit/>
+          </a:bodyPr>
+          <a:lstStyle/>
+          <a:p>
+            <a:r>
+              <a:rPr lang="de-DE" sz="1400" dirty="0"/>
+              <a:t>Training</a:t>
+            </a:r>
+          </a:p>
+        </p:txBody>
+      </p:sp>
+      <p:sp>
+        <p:nvSpPr>
+          <p:cNvPr id="18" name="Textfeld 17">
+            <a:extLst>
+              <a:ext uri="{FF2B5EF4-FFF2-40B4-BE49-F238E27FC236}">
+                <a16:creationId xmlns:a16="http://schemas.microsoft.com/office/drawing/2014/main" id="{BD3CA227-1E69-3255-7B17-0EB6DB555B3C}"/>
+              </a:ext>
+            </a:extLst>
+          </p:cNvPr>
+          <p:cNvSpPr txBox="1"/>
+          <p:nvPr/>
+        </p:nvSpPr>
+        <p:spPr>
+          <a:xfrm>
+            <a:off x="10027640" y="3298933"/>
+            <a:ext cx="980464" cy="307777"/>
+          </a:xfrm>
+          <a:prstGeom prst="rect">
+            <a:avLst/>
+          </a:prstGeom>
+          <a:noFill/>
+        </p:spPr>
+        <p:txBody>
+          <a:bodyPr wrap="square" rtlCol="0">
+            <a:spAutoFit/>
+          </a:bodyPr>
+          <a:lstStyle/>
+          <a:p>
+            <a:r>
+              <a:rPr lang="de-DE" sz="1400" dirty="0"/>
+              <a:t>Training</a:t>
+            </a:r>
+          </a:p>
+        </p:txBody>
+      </p:sp>
+      <p:sp>
+        <p:nvSpPr>
+          <p:cNvPr id="19" name="Textfeld 18">
+            <a:extLst>
+              <a:ext uri="{FF2B5EF4-FFF2-40B4-BE49-F238E27FC236}">
+                <a16:creationId xmlns:a16="http://schemas.microsoft.com/office/drawing/2014/main" id="{DD251DE3-9F4E-F8F0-A789-AB38766D8DE8}"/>
+              </a:ext>
+            </a:extLst>
+          </p:cNvPr>
+          <p:cNvSpPr txBox="1"/>
+          <p:nvPr/>
+        </p:nvSpPr>
+        <p:spPr>
+          <a:xfrm>
+            <a:off x="10088995" y="3847405"/>
+            <a:ext cx="980464" cy="307777"/>
+          </a:xfrm>
+          <a:prstGeom prst="rect">
+            <a:avLst/>
+          </a:prstGeom>
+          <a:noFill/>
+        </p:spPr>
+        <p:txBody>
+          <a:bodyPr wrap="square" rtlCol="0">
+            <a:spAutoFit/>
+          </a:bodyPr>
+          <a:lstStyle/>
+          <a:p>
+            <a:r>
+              <a:rPr lang="de-DE" sz="1400" dirty="0"/>
+              <a:t>Validation</a:t>
+            </a:r>
+          </a:p>
+        </p:txBody>
+      </p:sp>
+    </p:spTree>
+    <p:extLst>
+      <p:ext uri="{BB962C8B-B14F-4D97-AF65-F5344CB8AC3E}">
+        <p14:creationId xmlns:p14="http://schemas.microsoft.com/office/powerpoint/2010/main" val="1268745759"/>
+      </p:ext>
+    </p:extLst>
+  </p:cSld>
+  <p:clrMapOvr>
+    <a:masterClrMapping/>
+  </p:clrMapOvr>
+</p:sld>
+</file>
+
+<file path=ppt/slides/slide8.xml><?xml version="1.0" encoding="utf-8"?>
+<p:sld xmlns:a="http://schemas.openxmlformats.org/drawingml/2006/main" xmlns:r="http://schemas.openxmlformats.org/officeDocument/2006/relationships" xmlns:p="http://schemas.openxmlformats.org/presentationml/2006/main">
+  <p:cSld>
+    <p:spTree>
+      <p:nvGrpSpPr>
+        <p:cNvPr id="1" name=""/>
+        <p:cNvGrpSpPr/>
+        <p:nvPr/>
+      </p:nvGrpSpPr>
+      <p:grpSpPr>
+        <a:xfrm>
+          <a:off x="0" y="0"/>
+          <a:ext cx="0" cy="0"/>
+          <a:chOff x="0" y="0"/>
+          <a:chExt cx="0" cy="0"/>
+        </a:xfrm>
+      </p:grpSpPr>
+      <p:sp>
+        <p:nvSpPr>
+          <p:cNvPr id="2" name="Titel 1">
+            <a:extLst>
+              <a:ext uri="{FF2B5EF4-FFF2-40B4-BE49-F238E27FC236}">
+                <a16:creationId xmlns:a16="http://schemas.microsoft.com/office/drawing/2014/main" id="{F5F7EDA8-EE4E-7C1F-BBE0-E508497702A3}"/>
+              </a:ext>
+            </a:extLst>
+          </p:cNvPr>
+          <p:cNvSpPr>
+            <a:spLocks noGrp="1"/>
+          </p:cNvSpPr>
+          <p:nvPr>
+            <p:ph type="title"/>
+          </p:nvPr>
+        </p:nvSpPr>
+        <p:spPr/>
+        <p:txBody>
+          <a:bodyPr/>
+          <a:lstStyle/>
+          <a:p>
+            <a:r>
+              <a:rPr lang="de-DE" dirty="0"/>
+              <a:t>Weiteres Ausprobiert</a:t>
+            </a:r>
+          </a:p>
+        </p:txBody>
+      </p:sp>
+      <p:graphicFrame>
+        <p:nvGraphicFramePr>
+          <p:cNvPr id="7" name="Inhaltsplatzhalter 6">
+            <a:extLst>
+              <a:ext uri="{FF2B5EF4-FFF2-40B4-BE49-F238E27FC236}">
+                <a16:creationId xmlns:a16="http://schemas.microsoft.com/office/drawing/2014/main" id="{A94C001B-5653-A07B-664D-4F659D70CFC3}"/>
+              </a:ext>
+            </a:extLst>
+          </p:cNvPr>
+          <p:cNvGraphicFramePr>
+            <a:graphicFrameLocks noGrp="1"/>
+          </p:cNvGraphicFramePr>
+          <p:nvPr>
+            <p:ph idx="1"/>
+            <p:extLst>
+              <p:ext uri="{D42A27DB-BD31-4B8C-83A1-F6EECF244321}">
+                <p14:modId xmlns:p14="http://schemas.microsoft.com/office/powerpoint/2010/main" val="3985446648"/>
+              </p:ext>
+            </p:extLst>
+          </p:nvPr>
+        </p:nvGraphicFramePr>
+        <p:xfrm>
+          <a:off x="838199" y="1690688"/>
+          <a:ext cx="10515600" cy="3281578"/>
+        </p:xfrm>
+        <a:graphic>
+          <a:graphicData uri="http://schemas.openxmlformats.org/drawingml/2006/table">
+            <a:tbl>
+              <a:tblPr>
+                <a:tableStyleId>{5C22544A-7EE6-4342-B048-85BDC9FD1C3A}</a:tableStyleId>
+              </a:tblPr>
+              <a:tblGrid>
+                <a:gridCol w="1218085">
+                  <a:extLst>
+                    <a:ext uri="{9D8B030D-6E8A-4147-A177-3AD203B41FA5}">
+                      <a16:colId xmlns:a16="http://schemas.microsoft.com/office/drawing/2014/main" val="762392084"/>
+                    </a:ext>
+                  </a:extLst>
+                </a:gridCol>
+                <a:gridCol w="1790633">
+                  <a:extLst>
+                    <a:ext uri="{9D8B030D-6E8A-4147-A177-3AD203B41FA5}">
+                      <a16:colId xmlns:a16="http://schemas.microsoft.com/office/drawing/2014/main" val="1983701269"/>
+                    </a:ext>
+                  </a:extLst>
+                </a:gridCol>
+                <a:gridCol w="1046831">
+                  <a:extLst>
+                    <a:ext uri="{9D8B030D-6E8A-4147-A177-3AD203B41FA5}">
+                      <a16:colId xmlns:a16="http://schemas.microsoft.com/office/drawing/2014/main" val="2516271248"/>
+                    </a:ext>
+                  </a:extLst>
+                </a:gridCol>
+                <a:gridCol w="1845729">
+                  <a:extLst>
+                    <a:ext uri="{9D8B030D-6E8A-4147-A177-3AD203B41FA5}">
+                      <a16:colId xmlns:a16="http://schemas.microsoft.com/office/drawing/2014/main" val="1922820975"/>
+                    </a:ext>
+                  </a:extLst>
+                </a:gridCol>
+                <a:gridCol w="1666666">
+                  <a:extLst>
+                    <a:ext uri="{9D8B030D-6E8A-4147-A177-3AD203B41FA5}">
+                      <a16:colId xmlns:a16="http://schemas.microsoft.com/office/drawing/2014/main" val="1640546695"/>
+                    </a:ext>
+                  </a:extLst>
+                </a:gridCol>
+                <a:gridCol w="2947656">
+                  <a:extLst>
+                    <a:ext uri="{9D8B030D-6E8A-4147-A177-3AD203B41FA5}">
+                      <a16:colId xmlns:a16="http://schemas.microsoft.com/office/drawing/2014/main" val="800755697"/>
+                    </a:ext>
+                  </a:extLst>
+                </a:gridCol>
+              </a:tblGrid>
+              <a:tr h="622208">
+                <a:tc>
+                  <a:txBody>
+                    <a:bodyPr/>
+                    <a:lstStyle/>
+                    <a:p>
+                      <a:pPr algn="l" fontAlgn="b"/>
+                      <a:r>
+                        <a:rPr lang="de-DE" sz="2000" b="1" u="none" strike="noStrike" dirty="0">
+                          <a:effectLst/>
+                        </a:rPr>
+                        <a:t>Epochen</a:t>
+                      </a:r>
+                      <a:endParaRPr lang="de-DE" sz="2000" b="1" i="0" u="none" strike="noStrike" dirty="0">
+                        <a:solidFill>
+                          <a:srgbClr val="000000"/>
+                        </a:solidFill>
+                        <a:effectLst/>
+                        <a:latin typeface="Calibri" panose="020F0502020204030204" pitchFamily="34" charset="0"/>
+                      </a:endParaRPr>
+                    </a:p>
+                  </a:txBody>
+                  <a:tcPr marL="10267" marR="10267" marT="10267" marB="0" anchor="b"/>
+                </a:tc>
+                <a:tc>
+                  <a:txBody>
+                    <a:bodyPr/>
+                    <a:lstStyle/>
+                    <a:p>
+                      <a:pPr algn="l" fontAlgn="b"/>
+                      <a:r>
+                        <a:rPr lang="de-DE" sz="2000" b="1" u="none" strike="noStrike" dirty="0">
+                          <a:effectLst/>
+                        </a:rPr>
+                        <a:t>Temperatur</a:t>
+                      </a:r>
+                      <a:endParaRPr lang="de-DE" sz="2000" b="1" i="0" u="none" strike="noStrike" dirty="0">
+                        <a:solidFill>
+                          <a:srgbClr val="000000"/>
+                        </a:solidFill>
+                        <a:effectLst/>
+                        <a:latin typeface="Calibri" panose="020F0502020204030204" pitchFamily="34" charset="0"/>
+                      </a:endParaRPr>
+                    </a:p>
+                  </a:txBody>
+                  <a:tcPr marL="10267" marR="10267" marT="10267" marB="0" anchor="b"/>
+                </a:tc>
+                <a:tc>
+                  <a:txBody>
+                    <a:bodyPr/>
+                    <a:lstStyle/>
+                    <a:p>
+                      <a:pPr algn="l" fontAlgn="b"/>
+                      <a:r>
+                        <a:rPr lang="de-DE" sz="2000" b="1" u="none" strike="noStrike">
+                          <a:effectLst/>
+                        </a:rPr>
+                        <a:t>Alpha</a:t>
+                      </a:r>
+                      <a:endParaRPr lang="de-DE" sz="2000" b="1" i="0" u="none" strike="noStrike">
+                        <a:solidFill>
+                          <a:srgbClr val="000000"/>
+                        </a:solidFill>
+                        <a:effectLst/>
+                        <a:latin typeface="Calibri" panose="020F0502020204030204" pitchFamily="34" charset="0"/>
+                      </a:endParaRPr>
+                    </a:p>
+                  </a:txBody>
+                  <a:tcPr marL="10267" marR="10267" marT="10267" marB="0" anchor="b"/>
+                </a:tc>
+                <a:tc>
+                  <a:txBody>
+                    <a:bodyPr/>
+                    <a:lstStyle/>
+                    <a:p>
+                      <a:pPr algn="l" fontAlgn="b"/>
+                      <a:r>
+                        <a:rPr lang="de-DE" sz="2000" b="1" i="0" u="none" strike="noStrike" dirty="0">
+                          <a:solidFill>
+                            <a:srgbClr val="000000"/>
+                          </a:solidFill>
+                          <a:effectLst/>
+                          <a:latin typeface="Calibri" panose="020F0502020204030204" pitchFamily="34" charset="0"/>
+                        </a:rPr>
+                        <a:t>Genauigkeit</a:t>
+                      </a:r>
+                    </a:p>
+                  </a:txBody>
+                  <a:tcPr marL="10267" marR="10267" marT="10267" marB="0" anchor="b"/>
+                </a:tc>
+                <a:tc>
+                  <a:txBody>
+                    <a:bodyPr/>
+                    <a:lstStyle/>
+                    <a:p>
+                      <a:pPr algn="l" fontAlgn="b"/>
+                      <a:r>
+                        <a:rPr lang="de-DE" sz="2000" b="1" u="none" strike="noStrike" dirty="0">
+                          <a:effectLst/>
+                        </a:rPr>
+                        <a:t>Loss</a:t>
+                      </a:r>
+                      <a:endParaRPr lang="de-DE" sz="2000" b="1" i="0" u="none" strike="noStrike" dirty="0">
+                        <a:solidFill>
+                          <a:srgbClr val="000000"/>
+                        </a:solidFill>
+                        <a:effectLst/>
+                        <a:latin typeface="Calibri" panose="020F0502020204030204" pitchFamily="34" charset="0"/>
+                      </a:endParaRPr>
+                    </a:p>
+                  </a:txBody>
+                  <a:tcPr marL="10267" marR="10267" marT="10267" marB="0" anchor="b"/>
+                </a:tc>
+                <a:tc>
+                  <a:txBody>
+                    <a:bodyPr/>
+                    <a:lstStyle/>
+                    <a:p>
+                      <a:pPr algn="l" fontAlgn="b"/>
+                      <a:r>
+                        <a:rPr lang="de-DE" sz="2000" b="1" u="none" strike="noStrike" dirty="0">
+                          <a:effectLst/>
+                        </a:rPr>
+                        <a:t>Early </a:t>
+                      </a:r>
+                      <a:r>
+                        <a:rPr lang="de-DE" sz="2000" b="1" u="none" strike="noStrike" dirty="0" err="1">
+                          <a:effectLst/>
+                        </a:rPr>
+                        <a:t>Stopping</a:t>
+                      </a:r>
+                      <a:r>
+                        <a:rPr lang="de-DE" sz="2000" b="1" u="none" strike="noStrike" dirty="0">
+                          <a:effectLst/>
+                        </a:rPr>
+                        <a:t> verwendet</a:t>
+                      </a:r>
+                      <a:endParaRPr lang="de-DE" sz="2000" b="1" i="0" u="none" strike="noStrike" dirty="0">
+                        <a:solidFill>
+                          <a:srgbClr val="000000"/>
+                        </a:solidFill>
+                        <a:effectLst/>
+                        <a:latin typeface="Calibri" panose="020F0502020204030204" pitchFamily="34" charset="0"/>
+                      </a:endParaRPr>
+                    </a:p>
+                  </a:txBody>
+                  <a:tcPr marL="10267" marR="10267" marT="10267" marB="0" anchor="b"/>
+                </a:tc>
+                <a:extLst>
+                  <a:ext uri="{0D108BD9-81ED-4DB2-BD59-A6C34878D82A}">
+                    <a16:rowId xmlns:a16="http://schemas.microsoft.com/office/drawing/2014/main" val="555660067"/>
+                  </a:ext>
+                </a:extLst>
+              </a:tr>
+              <a:tr h="379910">
+                <a:tc>
+                  <a:txBody>
+                    <a:bodyPr/>
+                    <a:lstStyle/>
+                    <a:p>
+                      <a:pPr algn="l" fontAlgn="b"/>
+                      <a:r>
+                        <a:rPr lang="de-DE" sz="2000" u="none" strike="noStrike" dirty="0">
+                          <a:effectLst/>
+                        </a:rPr>
+                        <a:t>25</a:t>
+                      </a:r>
+                      <a:endParaRPr lang="de-DE" sz="2000" b="0" i="0" u="none" strike="noStrike" dirty="0">
+                        <a:solidFill>
+                          <a:srgbClr val="000000"/>
+                        </a:solidFill>
+                        <a:effectLst/>
+                        <a:latin typeface="Calibri" panose="020F0502020204030204" pitchFamily="34" charset="0"/>
+                      </a:endParaRPr>
+                    </a:p>
+                  </a:txBody>
+                  <a:tcPr marL="10267" marR="10267" marT="10267" marB="0" anchor="b">
+                    <a:solidFill>
+                      <a:schemeClr val="accent6"/>
+                    </a:solidFill>
+                  </a:tcPr>
+                </a:tc>
+                <a:tc>
+                  <a:txBody>
+                    <a:bodyPr/>
+                    <a:lstStyle/>
+                    <a:p>
+                      <a:pPr algn="l" fontAlgn="b"/>
+                      <a:r>
+                        <a:rPr lang="de-DE" sz="2000" u="none" strike="noStrike" dirty="0">
+                          <a:effectLst/>
+                        </a:rPr>
+                        <a:t>1</a:t>
+                      </a:r>
+                      <a:endParaRPr lang="de-DE" sz="2000" b="0" i="0" u="none" strike="noStrike" dirty="0">
+                        <a:solidFill>
+                          <a:srgbClr val="000000"/>
+                        </a:solidFill>
+                        <a:effectLst/>
+                        <a:latin typeface="Calibri" panose="020F0502020204030204" pitchFamily="34" charset="0"/>
+                      </a:endParaRPr>
+                    </a:p>
+                  </a:txBody>
+                  <a:tcPr marL="10267" marR="10267" marT="10267" marB="0" anchor="b">
+                    <a:solidFill>
+                      <a:schemeClr val="accent6"/>
+                    </a:solidFill>
+                  </a:tcPr>
+                </a:tc>
+                <a:tc>
+                  <a:txBody>
+                    <a:bodyPr/>
+                    <a:lstStyle/>
+                    <a:p>
+                      <a:pPr algn="l" fontAlgn="b"/>
+                      <a:r>
+                        <a:rPr lang="de-DE" sz="2000" u="none" strike="noStrike" dirty="0">
+                          <a:effectLst/>
+                        </a:rPr>
+                        <a:t>0.5</a:t>
+                      </a:r>
+                      <a:endParaRPr lang="de-DE" sz="2000" b="0" i="0" u="none" strike="noStrike" dirty="0">
+                        <a:solidFill>
+                          <a:srgbClr val="000000"/>
+                        </a:solidFill>
+                        <a:effectLst/>
+                        <a:latin typeface="Calibri" panose="020F0502020204030204" pitchFamily="34" charset="0"/>
+                      </a:endParaRPr>
+                    </a:p>
+                  </a:txBody>
+                  <a:tcPr marL="10267" marR="10267" marT="10267" marB="0" anchor="b">
+                    <a:solidFill>
+                      <a:schemeClr val="accent6"/>
+                    </a:solidFill>
+                  </a:tcPr>
+                </a:tc>
+                <a:tc>
+                  <a:txBody>
+                    <a:bodyPr/>
+                    <a:lstStyle/>
+                    <a:p>
+                      <a:pPr algn="l" fontAlgn="b"/>
+                      <a:r>
+                        <a:rPr lang="de-DE" sz="2000" u="none" strike="noStrike" dirty="0">
+                          <a:effectLst/>
+                        </a:rPr>
+                        <a:t>86.33%</a:t>
+                      </a:r>
+                      <a:endParaRPr lang="de-DE" sz="2000" b="0" i="0" u="none" strike="noStrike" dirty="0">
+                        <a:solidFill>
+                          <a:srgbClr val="000000"/>
+                        </a:solidFill>
+                        <a:effectLst/>
+                        <a:latin typeface="Calibri" panose="020F0502020204030204" pitchFamily="34" charset="0"/>
+                      </a:endParaRPr>
+                    </a:p>
+                  </a:txBody>
+                  <a:tcPr marL="10267" marR="10267" marT="10267" marB="0" anchor="b">
+                    <a:solidFill>
+                      <a:schemeClr val="accent6"/>
+                    </a:solidFill>
+                  </a:tcPr>
+                </a:tc>
+                <a:tc>
+                  <a:txBody>
+                    <a:bodyPr/>
+                    <a:lstStyle/>
+                    <a:p>
+                      <a:pPr algn="l" fontAlgn="b"/>
+                      <a:r>
+                        <a:rPr lang="de-DE" sz="2000" u="none" strike="noStrike" dirty="0">
+                          <a:effectLst/>
+                        </a:rPr>
+                        <a:t>0.3736</a:t>
+                      </a:r>
+                      <a:endParaRPr lang="de-DE" sz="2000" b="0" i="0" u="none" strike="noStrike" dirty="0">
+                        <a:solidFill>
+                          <a:srgbClr val="000000"/>
+                        </a:solidFill>
+                        <a:effectLst/>
+                        <a:latin typeface="Calibri" panose="020F0502020204030204" pitchFamily="34" charset="0"/>
+                      </a:endParaRPr>
+                    </a:p>
+                  </a:txBody>
+                  <a:tcPr marL="10267" marR="10267" marT="10267" marB="0" anchor="b">
+                    <a:solidFill>
+                      <a:schemeClr val="accent6"/>
+                    </a:solidFill>
+                  </a:tcPr>
+                </a:tc>
+                <a:tc>
+                  <a:txBody>
+                    <a:bodyPr/>
+                    <a:lstStyle/>
+                    <a:p>
+                      <a:pPr algn="l" fontAlgn="b"/>
+                      <a:r>
+                        <a:rPr lang="de-DE" sz="2000" b="0" i="0" u="none" strike="noStrike" dirty="0">
+                          <a:solidFill>
+                            <a:srgbClr val="000000"/>
+                          </a:solidFill>
+                          <a:effectLst/>
+                          <a:latin typeface="Calibri" panose="020F0502020204030204" pitchFamily="34" charset="0"/>
+                        </a:rPr>
+                        <a:t>Nein</a:t>
+                      </a:r>
+                    </a:p>
+                  </a:txBody>
+                  <a:tcPr marL="10267" marR="10267" marT="10267" marB="0" anchor="b">
+                    <a:solidFill>
+                      <a:schemeClr val="accent6"/>
+                    </a:solidFill>
+                  </a:tcPr>
+                </a:tc>
+                <a:extLst>
+                  <a:ext uri="{0D108BD9-81ED-4DB2-BD59-A6C34878D82A}">
+                    <a16:rowId xmlns:a16="http://schemas.microsoft.com/office/drawing/2014/main" val="1359960521"/>
+                  </a:ext>
+                </a:extLst>
+              </a:tr>
+              <a:tr h="379910">
+                <a:tc>
+                  <a:txBody>
+                    <a:bodyPr/>
+                    <a:lstStyle/>
+                    <a:p>
+                      <a:pPr algn="l" fontAlgn="b"/>
+                      <a:r>
+                        <a:rPr lang="de-DE" sz="2000" u="none" strike="noStrike">
+                          <a:effectLst/>
+                        </a:rPr>
+                        <a:t>25</a:t>
+                      </a:r>
+                      <a:endParaRPr lang="de-DE" sz="2000" b="0" i="0" u="none" strike="noStrike">
+                        <a:solidFill>
+                          <a:srgbClr val="000000"/>
+                        </a:solidFill>
+                        <a:effectLst/>
+                        <a:latin typeface="Calibri" panose="020F0502020204030204" pitchFamily="34" charset="0"/>
+                      </a:endParaRPr>
+                    </a:p>
+                  </a:txBody>
+                  <a:tcPr marL="10267" marR="10267" marT="10267" marB="0" anchor="b"/>
+                </a:tc>
+                <a:tc>
+                  <a:txBody>
+                    <a:bodyPr/>
+                    <a:lstStyle/>
+                    <a:p>
+                      <a:pPr algn="l" fontAlgn="b"/>
+                      <a:r>
+                        <a:rPr lang="de-DE" sz="2000" u="none" strike="noStrike">
+                          <a:effectLst/>
+                        </a:rPr>
+                        <a:t>3</a:t>
+                      </a:r>
+                      <a:endParaRPr lang="de-DE" sz="2000" b="0" i="0" u="none" strike="noStrike">
+                        <a:solidFill>
+                          <a:srgbClr val="000000"/>
+                        </a:solidFill>
+                        <a:effectLst/>
+                        <a:latin typeface="Calibri" panose="020F0502020204030204" pitchFamily="34" charset="0"/>
+                      </a:endParaRPr>
+                    </a:p>
+                  </a:txBody>
+                  <a:tcPr marL="10267" marR="10267" marT="10267" marB="0" anchor="b"/>
+                </a:tc>
+                <a:tc>
+                  <a:txBody>
+                    <a:bodyPr/>
+                    <a:lstStyle/>
+                    <a:p>
+                      <a:pPr algn="l" fontAlgn="b"/>
+                      <a:r>
+                        <a:rPr lang="de-DE" sz="2000" u="none" strike="noStrike">
+                          <a:effectLst/>
+                        </a:rPr>
+                        <a:t>0.5</a:t>
+                      </a:r>
+                      <a:endParaRPr lang="de-DE" sz="2000" b="0" i="0" u="none" strike="noStrike">
+                        <a:solidFill>
+                          <a:srgbClr val="000000"/>
+                        </a:solidFill>
+                        <a:effectLst/>
+                        <a:latin typeface="Calibri" panose="020F0502020204030204" pitchFamily="34" charset="0"/>
+                      </a:endParaRPr>
+                    </a:p>
+                  </a:txBody>
+                  <a:tcPr marL="10267" marR="10267" marT="10267" marB="0" anchor="b"/>
+                </a:tc>
+                <a:tc>
+                  <a:txBody>
+                    <a:bodyPr/>
+                    <a:lstStyle/>
+                    <a:p>
+                      <a:pPr algn="l" fontAlgn="b"/>
+                      <a:r>
+                        <a:rPr lang="de-DE" sz="2000" u="none" strike="noStrike">
+                          <a:effectLst/>
+                        </a:rPr>
+                        <a:t>86.23%</a:t>
+                      </a:r>
+                      <a:endParaRPr lang="de-DE" sz="2000" b="0" i="0" u="none" strike="noStrike">
+                        <a:solidFill>
+                          <a:srgbClr val="000000"/>
+                        </a:solidFill>
+                        <a:effectLst/>
+                        <a:latin typeface="Calibri" panose="020F0502020204030204" pitchFamily="34" charset="0"/>
+                      </a:endParaRPr>
+                    </a:p>
+                  </a:txBody>
+                  <a:tcPr marL="10267" marR="10267" marT="10267" marB="0" anchor="b"/>
+                </a:tc>
+                <a:tc>
+                  <a:txBody>
+                    <a:bodyPr/>
+                    <a:lstStyle/>
+                    <a:p>
+                      <a:pPr algn="l" fontAlgn="b"/>
+                      <a:r>
+                        <a:rPr lang="de-DE" sz="2000" u="none" strike="noStrike">
+                          <a:effectLst/>
+                        </a:rPr>
+                        <a:t>0.3765</a:t>
+                      </a:r>
+                      <a:endParaRPr lang="de-DE" sz="2000" b="0" i="0" u="none" strike="noStrike">
+                        <a:solidFill>
+                          <a:srgbClr val="000000"/>
+                        </a:solidFill>
+                        <a:effectLst/>
+                        <a:latin typeface="Calibri" panose="020F0502020204030204" pitchFamily="34" charset="0"/>
+                      </a:endParaRPr>
+                    </a:p>
+                  </a:txBody>
+                  <a:tcPr marL="10267" marR="10267" marT="10267" marB="0" anchor="b"/>
+                </a:tc>
+                <a:tc>
+                  <a:txBody>
+                    <a:bodyPr/>
+                    <a:lstStyle/>
+                    <a:p>
+                      <a:pPr algn="l" fontAlgn="b"/>
+                      <a:r>
+                        <a:rPr lang="de-DE" sz="2000" b="0" i="0" u="none" strike="noStrike" dirty="0">
+                          <a:solidFill>
+                            <a:srgbClr val="000000"/>
+                          </a:solidFill>
+                          <a:effectLst/>
+                          <a:latin typeface="Calibri" panose="020F0502020204030204" pitchFamily="34" charset="0"/>
+                        </a:rPr>
+                        <a:t>Nein</a:t>
+                      </a:r>
+                    </a:p>
+                  </a:txBody>
+                  <a:tcPr marL="10267" marR="10267" marT="10267" marB="0" anchor="b"/>
+                </a:tc>
+                <a:extLst>
+                  <a:ext uri="{0D108BD9-81ED-4DB2-BD59-A6C34878D82A}">
+                    <a16:rowId xmlns:a16="http://schemas.microsoft.com/office/drawing/2014/main" val="967459816"/>
+                  </a:ext>
+                </a:extLst>
+              </a:tr>
+              <a:tr h="379910">
+                <a:tc>
+                  <a:txBody>
+                    <a:bodyPr/>
+                    <a:lstStyle/>
+                    <a:p>
+                      <a:pPr algn="l" fontAlgn="b"/>
+                      <a:r>
+                        <a:rPr lang="de-DE" sz="2000" u="none" strike="noStrike">
+                          <a:effectLst/>
+                        </a:rPr>
+                        <a:t>17</a:t>
+                      </a:r>
+                      <a:endParaRPr lang="de-DE" sz="2000" b="0" i="0" u="none" strike="noStrike">
+                        <a:solidFill>
+                          <a:srgbClr val="000000"/>
+                        </a:solidFill>
+                        <a:effectLst/>
+                        <a:latin typeface="Calibri" panose="020F0502020204030204" pitchFamily="34" charset="0"/>
+                      </a:endParaRPr>
+                    </a:p>
+                  </a:txBody>
+                  <a:tcPr marL="10267" marR="10267" marT="10267" marB="0" anchor="b"/>
+                </a:tc>
+                <a:tc>
+                  <a:txBody>
+                    <a:bodyPr/>
+                    <a:lstStyle/>
+                    <a:p>
+                      <a:pPr algn="l" fontAlgn="b"/>
+                      <a:r>
+                        <a:rPr lang="de-DE" sz="2000" u="none" strike="noStrike">
+                          <a:effectLst/>
+                        </a:rPr>
+                        <a:t>5</a:t>
+                      </a:r>
+                      <a:endParaRPr lang="de-DE" sz="2000" b="0" i="0" u="none" strike="noStrike">
+                        <a:solidFill>
+                          <a:srgbClr val="000000"/>
+                        </a:solidFill>
+                        <a:effectLst/>
+                        <a:latin typeface="Calibri" panose="020F0502020204030204" pitchFamily="34" charset="0"/>
+                      </a:endParaRPr>
+                    </a:p>
+                  </a:txBody>
+                  <a:tcPr marL="10267" marR="10267" marT="10267" marB="0" anchor="b"/>
+                </a:tc>
+                <a:tc>
+                  <a:txBody>
+                    <a:bodyPr/>
+                    <a:lstStyle/>
+                    <a:p>
+                      <a:pPr algn="l" fontAlgn="b"/>
+                      <a:r>
+                        <a:rPr lang="de-DE" sz="2000" u="none" strike="noStrike">
+                          <a:effectLst/>
+                        </a:rPr>
+                        <a:t>0.5</a:t>
+                      </a:r>
+                      <a:endParaRPr lang="de-DE" sz="2000" b="0" i="0" u="none" strike="noStrike">
+                        <a:solidFill>
+                          <a:srgbClr val="000000"/>
+                        </a:solidFill>
+                        <a:effectLst/>
+                        <a:latin typeface="Calibri" panose="020F0502020204030204" pitchFamily="34" charset="0"/>
+                      </a:endParaRPr>
+                    </a:p>
+                  </a:txBody>
+                  <a:tcPr marL="10267" marR="10267" marT="10267" marB="0" anchor="b"/>
+                </a:tc>
+                <a:tc>
+                  <a:txBody>
+                    <a:bodyPr/>
+                    <a:lstStyle/>
+                    <a:p>
+                      <a:pPr algn="l" fontAlgn="b"/>
+                      <a:r>
+                        <a:rPr lang="de-DE" sz="2000" u="none" strike="noStrike">
+                          <a:effectLst/>
+                        </a:rPr>
+                        <a:t>86.19%</a:t>
+                      </a:r>
+                      <a:endParaRPr lang="de-DE" sz="2000" b="0" i="0" u="none" strike="noStrike">
+                        <a:solidFill>
+                          <a:srgbClr val="000000"/>
+                        </a:solidFill>
+                        <a:effectLst/>
+                        <a:latin typeface="Calibri" panose="020F0502020204030204" pitchFamily="34" charset="0"/>
+                      </a:endParaRPr>
+                    </a:p>
+                  </a:txBody>
+                  <a:tcPr marL="10267" marR="10267" marT="10267" marB="0" anchor="b"/>
+                </a:tc>
+                <a:tc>
+                  <a:txBody>
+                    <a:bodyPr/>
+                    <a:lstStyle/>
+                    <a:p>
+                      <a:pPr algn="l" fontAlgn="b"/>
+                      <a:r>
+                        <a:rPr lang="de-DE" sz="2000" u="none" strike="noStrike">
+                          <a:effectLst/>
+                        </a:rPr>
+                        <a:t>0.3785</a:t>
+                      </a:r>
+                      <a:endParaRPr lang="de-DE" sz="2000" b="0" i="0" u="none" strike="noStrike">
+                        <a:solidFill>
+                          <a:srgbClr val="000000"/>
+                        </a:solidFill>
+                        <a:effectLst/>
+                        <a:latin typeface="Calibri" panose="020F0502020204030204" pitchFamily="34" charset="0"/>
+                      </a:endParaRPr>
+                    </a:p>
+                  </a:txBody>
+                  <a:tcPr marL="10267" marR="10267" marT="10267" marB="0" anchor="b"/>
+                </a:tc>
+                <a:tc>
+                  <a:txBody>
+                    <a:bodyPr/>
+                    <a:lstStyle/>
+                    <a:p>
+                      <a:pPr algn="l" fontAlgn="b"/>
+                      <a:r>
+                        <a:rPr lang="de-DE" sz="2000" b="0" i="0" u="none" strike="noStrike" dirty="0">
+                          <a:solidFill>
+                            <a:srgbClr val="000000"/>
+                          </a:solidFill>
+                          <a:effectLst/>
+                          <a:latin typeface="Calibri" panose="020F0502020204030204" pitchFamily="34" charset="0"/>
+                        </a:rPr>
+                        <a:t>Ja</a:t>
+                      </a:r>
+                    </a:p>
+                  </a:txBody>
+                  <a:tcPr marL="10267" marR="10267" marT="10267" marB="0" anchor="b"/>
+                </a:tc>
+                <a:extLst>
+                  <a:ext uri="{0D108BD9-81ED-4DB2-BD59-A6C34878D82A}">
+                    <a16:rowId xmlns:a16="http://schemas.microsoft.com/office/drawing/2014/main" val="515551798"/>
+                  </a:ext>
+                </a:extLst>
+              </a:tr>
+              <a:tr h="379910">
+                <a:tc>
+                  <a:txBody>
+                    <a:bodyPr/>
+                    <a:lstStyle/>
+                    <a:p>
+                      <a:pPr algn="l" fontAlgn="b"/>
+                      <a:r>
+                        <a:rPr lang="de-DE" sz="2000" u="none" strike="noStrike">
+                          <a:effectLst/>
+                        </a:rPr>
+                        <a:t>12</a:t>
+                      </a:r>
+                      <a:endParaRPr lang="de-DE" sz="2000" b="0" i="0" u="none" strike="noStrike">
+                        <a:solidFill>
+                          <a:srgbClr val="000000"/>
+                        </a:solidFill>
+                        <a:effectLst/>
+                        <a:latin typeface="Calibri" panose="020F0502020204030204" pitchFamily="34" charset="0"/>
+                      </a:endParaRPr>
+                    </a:p>
+                  </a:txBody>
+                  <a:tcPr marL="10267" marR="10267" marT="10267" marB="0" anchor="b"/>
+                </a:tc>
+                <a:tc>
+                  <a:txBody>
+                    <a:bodyPr/>
+                    <a:lstStyle/>
+                    <a:p>
+                      <a:pPr algn="l" fontAlgn="b"/>
+                      <a:r>
+                        <a:rPr lang="de-DE" sz="2000" u="none" strike="noStrike">
+                          <a:effectLst/>
+                        </a:rPr>
+                        <a:t>3</a:t>
+                      </a:r>
+                      <a:endParaRPr lang="de-DE" sz="2000" b="0" i="0" u="none" strike="noStrike">
+                        <a:solidFill>
+                          <a:srgbClr val="000000"/>
+                        </a:solidFill>
+                        <a:effectLst/>
+                        <a:latin typeface="Calibri" panose="020F0502020204030204" pitchFamily="34" charset="0"/>
+                      </a:endParaRPr>
+                    </a:p>
+                  </a:txBody>
+                  <a:tcPr marL="10267" marR="10267" marT="10267" marB="0" anchor="b"/>
+                </a:tc>
+                <a:tc>
+                  <a:txBody>
+                    <a:bodyPr/>
+                    <a:lstStyle/>
+                    <a:p>
+                      <a:pPr algn="l" fontAlgn="b"/>
+                      <a:r>
+                        <a:rPr lang="de-DE" sz="2000" u="none" strike="noStrike">
+                          <a:effectLst/>
+                        </a:rPr>
+                        <a:t>0.5</a:t>
+                      </a:r>
+                      <a:endParaRPr lang="de-DE" sz="2000" b="0" i="0" u="none" strike="noStrike">
+                        <a:solidFill>
+                          <a:srgbClr val="000000"/>
+                        </a:solidFill>
+                        <a:effectLst/>
+                        <a:latin typeface="Calibri" panose="020F0502020204030204" pitchFamily="34" charset="0"/>
+                      </a:endParaRPr>
+                    </a:p>
+                  </a:txBody>
+                  <a:tcPr marL="10267" marR="10267" marT="10267" marB="0" anchor="b"/>
+                </a:tc>
+                <a:tc>
+                  <a:txBody>
+                    <a:bodyPr/>
+                    <a:lstStyle/>
+                    <a:p>
+                      <a:pPr algn="l" fontAlgn="b"/>
+                      <a:r>
+                        <a:rPr lang="de-DE" sz="2000" u="none" strike="noStrike">
+                          <a:effectLst/>
+                        </a:rPr>
+                        <a:t>86.16%</a:t>
+                      </a:r>
+                      <a:endParaRPr lang="de-DE" sz="2000" b="0" i="0" u="none" strike="noStrike">
+                        <a:solidFill>
+                          <a:srgbClr val="000000"/>
+                        </a:solidFill>
+                        <a:effectLst/>
+                        <a:latin typeface="Calibri" panose="020F0502020204030204" pitchFamily="34" charset="0"/>
+                      </a:endParaRPr>
+                    </a:p>
+                  </a:txBody>
+                  <a:tcPr marL="10267" marR="10267" marT="10267" marB="0" anchor="b"/>
+                </a:tc>
+                <a:tc>
+                  <a:txBody>
+                    <a:bodyPr/>
+                    <a:lstStyle/>
+                    <a:p>
+                      <a:pPr algn="l" fontAlgn="b"/>
+                      <a:r>
+                        <a:rPr lang="de-DE" sz="2000" u="none" strike="noStrike" dirty="0">
+                          <a:effectLst/>
+                        </a:rPr>
+                        <a:t>0.3750</a:t>
+                      </a:r>
+                      <a:endParaRPr lang="de-DE" sz="2000" b="0" i="0" u="none" strike="noStrike" dirty="0">
+                        <a:solidFill>
+                          <a:srgbClr val="000000"/>
+                        </a:solidFill>
+                        <a:effectLst/>
+                        <a:latin typeface="Calibri" panose="020F0502020204030204" pitchFamily="34" charset="0"/>
+                      </a:endParaRPr>
+                    </a:p>
+                  </a:txBody>
+                  <a:tcPr marL="10267" marR="10267" marT="10267" marB="0" anchor="b"/>
+                </a:tc>
+                <a:tc>
+                  <a:txBody>
+                    <a:bodyPr/>
+                    <a:lstStyle/>
+                    <a:p>
+                      <a:pPr algn="l" fontAlgn="b"/>
+                      <a:r>
+                        <a:rPr lang="de-DE" sz="2000" b="0" i="0" u="none" strike="noStrike" dirty="0">
+                          <a:solidFill>
+                            <a:srgbClr val="000000"/>
+                          </a:solidFill>
+                          <a:effectLst/>
+                          <a:latin typeface="Calibri" panose="020F0502020204030204" pitchFamily="34" charset="0"/>
+                        </a:rPr>
+                        <a:t>Ja</a:t>
+                      </a:r>
+                    </a:p>
+                  </a:txBody>
+                  <a:tcPr marL="10267" marR="10267" marT="10267" marB="0" anchor="b"/>
+                </a:tc>
+                <a:extLst>
+                  <a:ext uri="{0D108BD9-81ED-4DB2-BD59-A6C34878D82A}">
+                    <a16:rowId xmlns:a16="http://schemas.microsoft.com/office/drawing/2014/main" val="1741193846"/>
+                  </a:ext>
+                </a:extLst>
+              </a:tr>
+              <a:tr h="379910">
+                <a:tc>
+                  <a:txBody>
+                    <a:bodyPr/>
+                    <a:lstStyle/>
+                    <a:p>
+                      <a:pPr algn="l" fontAlgn="b"/>
+                      <a:r>
+                        <a:rPr lang="de-DE" sz="2000" u="none" strike="noStrike">
+                          <a:effectLst/>
+                        </a:rPr>
+                        <a:t>8</a:t>
+                      </a:r>
+                      <a:endParaRPr lang="de-DE" sz="2000" b="0" i="0" u="none" strike="noStrike">
+                        <a:solidFill>
+                          <a:srgbClr val="000000"/>
+                        </a:solidFill>
+                        <a:effectLst/>
+                        <a:latin typeface="Calibri" panose="020F0502020204030204" pitchFamily="34" charset="0"/>
+                      </a:endParaRPr>
+                    </a:p>
+                  </a:txBody>
+                  <a:tcPr marL="10267" marR="10267" marT="10267" marB="0" anchor="b"/>
+                </a:tc>
+                <a:tc>
+                  <a:txBody>
+                    <a:bodyPr/>
+                    <a:lstStyle/>
+                    <a:p>
+                      <a:pPr algn="l" fontAlgn="b"/>
+                      <a:r>
+                        <a:rPr lang="de-DE" sz="2000" u="none" strike="noStrike">
+                          <a:effectLst/>
+                        </a:rPr>
+                        <a:t>10</a:t>
+                      </a:r>
+                      <a:endParaRPr lang="de-DE" sz="2000" b="0" i="0" u="none" strike="noStrike">
+                        <a:solidFill>
+                          <a:srgbClr val="000000"/>
+                        </a:solidFill>
+                        <a:effectLst/>
+                        <a:latin typeface="Calibri" panose="020F0502020204030204" pitchFamily="34" charset="0"/>
+                      </a:endParaRPr>
+                    </a:p>
+                  </a:txBody>
+                  <a:tcPr marL="10267" marR="10267" marT="10267" marB="0" anchor="b"/>
+                </a:tc>
+                <a:tc>
+                  <a:txBody>
+                    <a:bodyPr/>
+                    <a:lstStyle/>
+                    <a:p>
+                      <a:pPr algn="l" fontAlgn="b"/>
+                      <a:r>
+                        <a:rPr lang="de-DE" sz="2000" u="none" strike="noStrike">
+                          <a:effectLst/>
+                        </a:rPr>
+                        <a:t>0.5</a:t>
+                      </a:r>
+                      <a:endParaRPr lang="de-DE" sz="2000" b="0" i="0" u="none" strike="noStrike">
+                        <a:solidFill>
+                          <a:srgbClr val="000000"/>
+                        </a:solidFill>
+                        <a:effectLst/>
+                        <a:latin typeface="Calibri" panose="020F0502020204030204" pitchFamily="34" charset="0"/>
+                      </a:endParaRPr>
+                    </a:p>
+                  </a:txBody>
+                  <a:tcPr marL="10267" marR="10267" marT="10267" marB="0" anchor="b"/>
+                </a:tc>
+                <a:tc>
+                  <a:txBody>
+                    <a:bodyPr/>
+                    <a:lstStyle/>
+                    <a:p>
+                      <a:pPr algn="l" fontAlgn="b"/>
+                      <a:r>
+                        <a:rPr lang="de-DE" sz="2000" u="none" strike="noStrike">
+                          <a:effectLst/>
+                        </a:rPr>
+                        <a:t>85.74%</a:t>
+                      </a:r>
+                      <a:endParaRPr lang="de-DE" sz="2000" b="0" i="0" u="none" strike="noStrike">
+                        <a:solidFill>
+                          <a:srgbClr val="000000"/>
+                        </a:solidFill>
+                        <a:effectLst/>
+                        <a:latin typeface="Calibri" panose="020F0502020204030204" pitchFamily="34" charset="0"/>
+                      </a:endParaRPr>
+                    </a:p>
+                  </a:txBody>
+                  <a:tcPr marL="10267" marR="10267" marT="10267" marB="0" anchor="b"/>
+                </a:tc>
+                <a:tc>
+                  <a:txBody>
+                    <a:bodyPr/>
+                    <a:lstStyle/>
+                    <a:p>
+                      <a:pPr algn="l" fontAlgn="b"/>
+                      <a:r>
+                        <a:rPr lang="de-DE" sz="2000" u="none" strike="noStrike">
+                          <a:effectLst/>
+                        </a:rPr>
+                        <a:t>0.3902</a:t>
+                      </a:r>
+                      <a:endParaRPr lang="de-DE" sz="2000" b="0" i="0" u="none" strike="noStrike">
+                        <a:solidFill>
+                          <a:srgbClr val="000000"/>
+                        </a:solidFill>
+                        <a:effectLst/>
+                        <a:latin typeface="Calibri" panose="020F0502020204030204" pitchFamily="34" charset="0"/>
+                      </a:endParaRPr>
+                    </a:p>
+                  </a:txBody>
+                  <a:tcPr marL="10267" marR="10267" marT="10267" marB="0" anchor="b"/>
+                </a:tc>
+                <a:tc>
+                  <a:txBody>
+                    <a:bodyPr/>
+                    <a:lstStyle/>
+                    <a:p>
+                      <a:pPr algn="l" fontAlgn="b"/>
+                      <a:r>
+                        <a:rPr lang="de-DE" sz="2000" b="0" i="0" u="none" strike="noStrike" dirty="0">
+                          <a:solidFill>
+                            <a:srgbClr val="000000"/>
+                          </a:solidFill>
+                          <a:effectLst/>
+                          <a:latin typeface="Calibri" panose="020F0502020204030204" pitchFamily="34" charset="0"/>
+                        </a:rPr>
+                        <a:t>Ja</a:t>
+                      </a:r>
+                    </a:p>
+                  </a:txBody>
+                  <a:tcPr marL="10267" marR="10267" marT="10267" marB="0" anchor="b"/>
+                </a:tc>
+                <a:extLst>
+                  <a:ext uri="{0D108BD9-81ED-4DB2-BD59-A6C34878D82A}">
+                    <a16:rowId xmlns:a16="http://schemas.microsoft.com/office/drawing/2014/main" val="1409307179"/>
+                  </a:ext>
+                </a:extLst>
+              </a:tr>
+              <a:tr h="379910">
+                <a:tc>
+                  <a:txBody>
+                    <a:bodyPr/>
+                    <a:lstStyle/>
+                    <a:p>
+                      <a:pPr algn="l" fontAlgn="b"/>
+                      <a:r>
+                        <a:rPr lang="de-DE" sz="2000" u="none" strike="noStrike">
+                          <a:effectLst/>
+                        </a:rPr>
+                        <a:t>9</a:t>
+                      </a:r>
+                      <a:endParaRPr lang="de-DE" sz="2000" b="0" i="0" u="none" strike="noStrike">
+                        <a:solidFill>
+                          <a:srgbClr val="000000"/>
+                        </a:solidFill>
+                        <a:effectLst/>
+                        <a:latin typeface="Calibri" panose="020F0502020204030204" pitchFamily="34" charset="0"/>
+                      </a:endParaRPr>
+                    </a:p>
+                  </a:txBody>
+                  <a:tcPr marL="10267" marR="10267" marT="10267" marB="0" anchor="b"/>
+                </a:tc>
+                <a:tc>
+                  <a:txBody>
+                    <a:bodyPr/>
+                    <a:lstStyle/>
+                    <a:p>
+                      <a:pPr algn="l" fontAlgn="b"/>
+                      <a:r>
+                        <a:rPr lang="de-DE" sz="2000" u="none" strike="noStrike">
+                          <a:effectLst/>
+                        </a:rPr>
+                        <a:t>1</a:t>
+                      </a:r>
+                      <a:endParaRPr lang="de-DE" sz="2000" b="0" i="0" u="none" strike="noStrike">
+                        <a:solidFill>
+                          <a:srgbClr val="000000"/>
+                        </a:solidFill>
+                        <a:effectLst/>
+                        <a:latin typeface="Calibri" panose="020F0502020204030204" pitchFamily="34" charset="0"/>
+                      </a:endParaRPr>
+                    </a:p>
+                  </a:txBody>
+                  <a:tcPr marL="10267" marR="10267" marT="10267" marB="0" anchor="b"/>
+                </a:tc>
+                <a:tc>
+                  <a:txBody>
+                    <a:bodyPr/>
+                    <a:lstStyle/>
+                    <a:p>
+                      <a:pPr algn="l" fontAlgn="b"/>
+                      <a:r>
+                        <a:rPr lang="de-DE" sz="2000" u="none" strike="noStrike">
+                          <a:effectLst/>
+                        </a:rPr>
+                        <a:t>0.1</a:t>
+                      </a:r>
+                      <a:endParaRPr lang="de-DE" sz="2000" b="0" i="0" u="none" strike="noStrike">
+                        <a:solidFill>
+                          <a:srgbClr val="000000"/>
+                        </a:solidFill>
+                        <a:effectLst/>
+                        <a:latin typeface="Calibri" panose="020F0502020204030204" pitchFamily="34" charset="0"/>
+                      </a:endParaRPr>
+                    </a:p>
+                  </a:txBody>
+                  <a:tcPr marL="10267" marR="10267" marT="10267" marB="0" anchor="b"/>
+                </a:tc>
+                <a:tc>
+                  <a:txBody>
+                    <a:bodyPr/>
+                    <a:lstStyle/>
+                    <a:p>
+                      <a:pPr algn="l" fontAlgn="b"/>
+                      <a:r>
+                        <a:rPr lang="de-DE" sz="2000" u="none" strike="noStrike">
+                          <a:effectLst/>
+                        </a:rPr>
+                        <a:t>85.68%</a:t>
+                      </a:r>
+                      <a:endParaRPr lang="de-DE" sz="2000" b="0" i="0" u="none" strike="noStrike">
+                        <a:solidFill>
+                          <a:srgbClr val="000000"/>
+                        </a:solidFill>
+                        <a:effectLst/>
+                        <a:latin typeface="Calibri" panose="020F0502020204030204" pitchFamily="34" charset="0"/>
+                      </a:endParaRPr>
+                    </a:p>
+                  </a:txBody>
+                  <a:tcPr marL="10267" marR="10267" marT="10267" marB="0" anchor="b"/>
+                </a:tc>
+                <a:tc>
+                  <a:txBody>
+                    <a:bodyPr/>
+                    <a:lstStyle/>
+                    <a:p>
+                      <a:pPr algn="l" fontAlgn="b"/>
+                      <a:r>
+                        <a:rPr lang="de-DE" sz="2000" u="none" strike="noStrike">
+                          <a:effectLst/>
+                        </a:rPr>
+                        <a:t>0.3966</a:t>
+                      </a:r>
+                      <a:endParaRPr lang="de-DE" sz="2000" b="0" i="0" u="none" strike="noStrike">
+                        <a:solidFill>
+                          <a:srgbClr val="000000"/>
+                        </a:solidFill>
+                        <a:effectLst/>
+                        <a:latin typeface="Calibri" panose="020F0502020204030204" pitchFamily="34" charset="0"/>
+                      </a:endParaRPr>
+                    </a:p>
+                  </a:txBody>
+                  <a:tcPr marL="10267" marR="10267" marT="10267" marB="0" anchor="b"/>
+                </a:tc>
+                <a:tc>
+                  <a:txBody>
+                    <a:bodyPr/>
+                    <a:lstStyle/>
+                    <a:p>
+                      <a:pPr algn="l" fontAlgn="b"/>
+                      <a:r>
+                        <a:rPr lang="de-DE" sz="2000" b="0" i="0" u="none" strike="noStrike" dirty="0">
+                          <a:solidFill>
+                            <a:srgbClr val="000000"/>
+                          </a:solidFill>
+                          <a:effectLst/>
+                          <a:latin typeface="Calibri" panose="020F0502020204030204" pitchFamily="34" charset="0"/>
+                        </a:rPr>
+                        <a:t>Ja</a:t>
+                      </a:r>
+                    </a:p>
+                  </a:txBody>
+                  <a:tcPr marL="10267" marR="10267" marT="10267" marB="0" anchor="b"/>
+                </a:tc>
+                <a:extLst>
+                  <a:ext uri="{0D108BD9-81ED-4DB2-BD59-A6C34878D82A}">
+                    <a16:rowId xmlns:a16="http://schemas.microsoft.com/office/drawing/2014/main" val="3621277554"/>
+                  </a:ext>
+                </a:extLst>
+              </a:tr>
+              <a:tr h="379910">
+                <a:tc>
+                  <a:txBody>
+                    <a:bodyPr/>
+                    <a:lstStyle/>
+                    <a:p>
+                      <a:pPr algn="l" fontAlgn="b"/>
+                      <a:r>
+                        <a:rPr lang="de-DE" sz="2000" u="none" strike="noStrike" dirty="0">
+                          <a:effectLst/>
+                        </a:rPr>
+                        <a:t>6</a:t>
+                      </a:r>
+                      <a:endParaRPr lang="de-DE" sz="2000" b="0" i="0" u="none" strike="noStrike" dirty="0">
+                        <a:solidFill>
+                          <a:srgbClr val="000000"/>
+                        </a:solidFill>
+                        <a:effectLst/>
+                        <a:latin typeface="Calibri" panose="020F0502020204030204" pitchFamily="34" charset="0"/>
+                      </a:endParaRPr>
+                    </a:p>
+                  </a:txBody>
+                  <a:tcPr marL="10267" marR="10267" marT="10267" marB="0" anchor="b"/>
+                </a:tc>
+                <a:tc>
+                  <a:txBody>
+                    <a:bodyPr/>
+                    <a:lstStyle/>
+                    <a:p>
+                      <a:pPr algn="l" fontAlgn="b"/>
+                      <a:r>
+                        <a:rPr lang="de-DE" sz="2000" u="none" strike="noStrike" dirty="0">
+                          <a:effectLst/>
+                        </a:rPr>
+                        <a:t>1</a:t>
+                      </a:r>
+                      <a:endParaRPr lang="de-DE" sz="2000" b="0" i="0" u="none" strike="noStrike" dirty="0">
+                        <a:solidFill>
+                          <a:srgbClr val="000000"/>
+                        </a:solidFill>
+                        <a:effectLst/>
+                        <a:latin typeface="Calibri" panose="020F0502020204030204" pitchFamily="34" charset="0"/>
+                      </a:endParaRPr>
+                    </a:p>
+                  </a:txBody>
+                  <a:tcPr marL="10267" marR="10267" marT="10267" marB="0" anchor="b"/>
+                </a:tc>
+                <a:tc>
+                  <a:txBody>
+                    <a:bodyPr/>
+                    <a:lstStyle/>
+                    <a:p>
+                      <a:pPr algn="l" fontAlgn="b"/>
+                      <a:r>
+                        <a:rPr lang="de-DE" sz="2000" u="none" strike="noStrike">
+                          <a:effectLst/>
+                        </a:rPr>
+                        <a:t>0.9</a:t>
+                      </a:r>
+                      <a:endParaRPr lang="de-DE" sz="2000" b="0" i="0" u="none" strike="noStrike">
+                        <a:solidFill>
+                          <a:srgbClr val="000000"/>
+                        </a:solidFill>
+                        <a:effectLst/>
+                        <a:latin typeface="Calibri" panose="020F0502020204030204" pitchFamily="34" charset="0"/>
+                      </a:endParaRPr>
+                    </a:p>
+                  </a:txBody>
+                  <a:tcPr marL="10267" marR="10267" marT="10267" marB="0" anchor="b"/>
+                </a:tc>
+                <a:tc>
+                  <a:txBody>
+                    <a:bodyPr/>
+                    <a:lstStyle/>
+                    <a:p>
+                      <a:pPr algn="l" fontAlgn="b"/>
+                      <a:r>
+                        <a:rPr lang="de-DE" sz="2000" u="none" strike="noStrike">
+                          <a:effectLst/>
+                        </a:rPr>
+                        <a:t>85.13%</a:t>
+                      </a:r>
+                      <a:endParaRPr lang="de-DE" sz="2000" b="0" i="0" u="none" strike="noStrike">
+                        <a:solidFill>
+                          <a:srgbClr val="000000"/>
+                        </a:solidFill>
+                        <a:effectLst/>
+                        <a:latin typeface="Calibri" panose="020F0502020204030204" pitchFamily="34" charset="0"/>
+                      </a:endParaRPr>
+                    </a:p>
+                  </a:txBody>
+                  <a:tcPr marL="10267" marR="10267" marT="10267" marB="0" anchor="b"/>
+                </a:tc>
+                <a:tc>
+                  <a:txBody>
+                    <a:bodyPr/>
+                    <a:lstStyle/>
+                    <a:p>
+                      <a:pPr algn="l" fontAlgn="b"/>
+                      <a:r>
+                        <a:rPr lang="de-DE" sz="2000" u="none" strike="noStrike">
+                          <a:effectLst/>
+                        </a:rPr>
+                        <a:t>0.4159</a:t>
+                      </a:r>
+                      <a:endParaRPr lang="de-DE" sz="2000" b="0" i="0" u="none" strike="noStrike">
+                        <a:solidFill>
+                          <a:srgbClr val="000000"/>
+                        </a:solidFill>
+                        <a:effectLst/>
+                        <a:latin typeface="Calibri" panose="020F0502020204030204" pitchFamily="34" charset="0"/>
+                      </a:endParaRPr>
+                    </a:p>
+                  </a:txBody>
+                  <a:tcPr marL="10267" marR="10267" marT="10267" marB="0" anchor="b"/>
+                </a:tc>
+                <a:tc>
+                  <a:txBody>
+                    <a:bodyPr/>
+                    <a:lstStyle/>
+                    <a:p>
+                      <a:pPr algn="l" fontAlgn="b"/>
+                      <a:r>
+                        <a:rPr lang="de-DE" sz="2000" b="0" i="0" u="none" strike="noStrike" dirty="0">
+                          <a:solidFill>
+                            <a:srgbClr val="000000"/>
+                          </a:solidFill>
+                          <a:effectLst/>
+                          <a:latin typeface="Calibri" panose="020F0502020204030204" pitchFamily="34" charset="0"/>
+                        </a:rPr>
+                        <a:t>Ja</a:t>
+                      </a:r>
+                    </a:p>
+                  </a:txBody>
+                  <a:tcPr marL="10267" marR="10267" marT="10267" marB="0" anchor="b"/>
+                </a:tc>
+                <a:extLst>
+                  <a:ext uri="{0D108BD9-81ED-4DB2-BD59-A6C34878D82A}">
+                    <a16:rowId xmlns:a16="http://schemas.microsoft.com/office/drawing/2014/main" val="2272742584"/>
+                  </a:ext>
+                </a:extLst>
+              </a:tr>
+            </a:tbl>
+          </a:graphicData>
+        </a:graphic>
+      </p:graphicFrame>
+      <p:sp>
+        <p:nvSpPr>
+          <p:cNvPr id="4" name="Datumsplatzhalter 3">
+            <a:extLst>
+              <a:ext uri="{FF2B5EF4-FFF2-40B4-BE49-F238E27FC236}">
+                <a16:creationId xmlns:a16="http://schemas.microsoft.com/office/drawing/2014/main" id="{79DEDDC0-B543-E68D-18DC-76A4CADA10E0}"/>
+              </a:ext>
+            </a:extLst>
+          </p:cNvPr>
+          <p:cNvSpPr>
+            <a:spLocks noGrp="1"/>
+          </p:cNvSpPr>
+          <p:nvPr>
+            <p:ph type="dt" sz="half" idx="10"/>
+          </p:nvPr>
+        </p:nvSpPr>
+        <p:spPr/>
+        <p:txBody>
+          <a:bodyPr/>
+          <a:lstStyle/>
+          <a:p>
+            <a:fld id="{25118A72-986D-48C9-AAC8-AE8DB10EA9EB}" type="datetime1">
+              <a:rPr lang="de-DE" smtClean="0"/>
+              <a:t>26.06.2023</a:t>
+            </a:fld>
+            <a:endParaRPr lang="de-DE"/>
+          </a:p>
+        </p:txBody>
+      </p:sp>
+      <p:sp>
+        <p:nvSpPr>
+          <p:cNvPr id="5" name="Fußzeilenplatzhalter 4">
+            <a:extLst>
+              <a:ext uri="{FF2B5EF4-FFF2-40B4-BE49-F238E27FC236}">
+                <a16:creationId xmlns:a16="http://schemas.microsoft.com/office/drawing/2014/main" id="{3CAC5489-584E-69A7-5DD0-21C129035121}"/>
+              </a:ext>
+            </a:extLst>
+          </p:cNvPr>
+          <p:cNvSpPr>
+            <a:spLocks noGrp="1"/>
+          </p:cNvSpPr>
+          <p:nvPr>
+            <p:ph type="ftr" sz="quarter" idx="11"/>
+          </p:nvPr>
+        </p:nvSpPr>
+        <p:spPr/>
+        <p:txBody>
+          <a:bodyPr/>
+          <a:lstStyle/>
+          <a:p>
+            <a:r>
+              <a:rPr lang="de-DE"/>
+              <a:t>Meilenstein 4</a:t>
+            </a:r>
+          </a:p>
+        </p:txBody>
+      </p:sp>
+      <p:sp>
+        <p:nvSpPr>
+          <p:cNvPr id="6" name="Foliennummernplatzhalter 5">
+            <a:extLst>
+              <a:ext uri="{FF2B5EF4-FFF2-40B4-BE49-F238E27FC236}">
+                <a16:creationId xmlns:a16="http://schemas.microsoft.com/office/drawing/2014/main" id="{EF6F79A9-2677-E378-C22B-7331D4CAFA93}"/>
+              </a:ext>
+            </a:extLst>
+          </p:cNvPr>
+          <p:cNvSpPr>
+            <a:spLocks noGrp="1"/>
+          </p:cNvSpPr>
+          <p:nvPr>
+            <p:ph type="sldNum" sz="quarter" idx="12"/>
+          </p:nvPr>
+        </p:nvSpPr>
+        <p:spPr/>
+        <p:txBody>
+          <a:bodyPr/>
+          <a:lstStyle/>
+          <a:p>
+            <a:fld id="{37433AC2-EFC7-45C2-8E26-B48CD5F13A15}" type="slidenum">
+              <a:rPr lang="de-DE" smtClean="0"/>
+              <a:t>8</a:t>
+            </a:fld>
+            <a:endParaRPr lang="de-DE"/>
+          </a:p>
+        </p:txBody>
+      </p:sp>
+    </p:spTree>
+    <p:extLst>
+      <p:ext uri="{BB962C8B-B14F-4D97-AF65-F5344CB8AC3E}">
+        <p14:creationId xmlns:p14="http://schemas.microsoft.com/office/powerpoint/2010/main" val="727073902"/>
+      </p:ext>
+    </p:extLst>
+  </p:cSld>
+  <p:clrMapOvr>
+    <a:masterClrMapping/>
+  </p:clrMapOvr>
+</p:sld>
+</file>
+
+<file path=ppt/slides/slide9.xml><?xml version="1.0" encoding="utf-8"?>
+<p:sld xmlns:a="http://schemas.openxmlformats.org/drawingml/2006/main" xmlns:r="http://schemas.openxmlformats.org/officeDocument/2006/relationships" xmlns:p="http://schemas.openxmlformats.org/presentationml/2006/main">
+  <p:cSld>
+    <p:spTree>
+      <p:nvGrpSpPr>
+        <p:cNvPr id="1" name=""/>
+        <p:cNvGrpSpPr/>
+        <p:nvPr/>
+      </p:nvGrpSpPr>
+      <p:grpSpPr>
+        <a:xfrm>
+          <a:off x="0" y="0"/>
+          <a:ext cx="0" cy="0"/>
+          <a:chOff x="0" y="0"/>
+          <a:chExt cx="0" cy="0"/>
+        </a:xfrm>
+      </p:grpSpPr>
+      <p:sp>
+        <p:nvSpPr>
+          <p:cNvPr id="2" name="Titel 1">
+            <a:extLst>
+              <a:ext uri="{FF2B5EF4-FFF2-40B4-BE49-F238E27FC236}">
+                <a16:creationId xmlns:a16="http://schemas.microsoft.com/office/drawing/2014/main" id="{5DD9F15F-206D-08C0-615E-3F69F5B46B42}"/>
+              </a:ext>
+            </a:extLst>
+          </p:cNvPr>
+          <p:cNvSpPr>
+            <a:spLocks noGrp="1"/>
+          </p:cNvSpPr>
+          <p:nvPr>
+            <p:ph type="title"/>
+          </p:nvPr>
+        </p:nvSpPr>
+        <p:spPr/>
+        <p:txBody>
+          <a:bodyPr/>
+          <a:lstStyle/>
+          <a:p>
+            <a:r>
+              <a:rPr lang="de-DE" dirty="0"/>
+              <a:t>Finale Student Model</a:t>
+            </a:r>
+          </a:p>
+        </p:txBody>
+      </p:sp>
+      <p:sp>
+        <p:nvSpPr>
+          <p:cNvPr id="3" name="Inhaltsplatzhalter 2">
+            <a:extLst>
+              <a:ext uri="{FF2B5EF4-FFF2-40B4-BE49-F238E27FC236}">
+                <a16:creationId xmlns:a16="http://schemas.microsoft.com/office/drawing/2014/main" id="{41F9E236-4790-252D-3FDC-6005A0EAA85B}"/>
+              </a:ext>
+            </a:extLst>
+          </p:cNvPr>
+          <p:cNvSpPr>
+            <a:spLocks noGrp="1"/>
+          </p:cNvSpPr>
+          <p:nvPr>
+            <p:ph idx="1"/>
+          </p:nvPr>
+        </p:nvSpPr>
+        <p:spPr>
+          <a:xfrm>
+            <a:off x="838199" y="1825625"/>
+            <a:ext cx="5460063" cy="4351338"/>
+          </a:xfrm>
+        </p:spPr>
+        <p:txBody>
+          <a:bodyPr/>
+          <a:lstStyle/>
+          <a:p>
+            <a:r>
+              <a:rPr lang="de-DE" dirty="0"/>
+              <a:t>Genauigkeit: 86.33% (</a:t>
+            </a:r>
+            <a:r>
+              <a:rPr lang="de-DE" dirty="0">
+                <a:solidFill>
+                  <a:srgbClr val="FF0000"/>
+                </a:solidFill>
+              </a:rPr>
+              <a:t>-0.14% </a:t>
+            </a:r>
+            <a:r>
+              <a:rPr lang="de-DE" dirty="0" err="1"/>
+              <a:t>ggü</a:t>
+            </a:r>
+            <a:r>
+              <a:rPr lang="de-DE" dirty="0"/>
+              <a:t>. Teacher)</a:t>
+            </a:r>
+          </a:p>
+          <a:p>
+            <a:r>
+              <a:rPr lang="de-DE" dirty="0"/>
+              <a:t>Loss: 0.3736 (</a:t>
+            </a:r>
+            <a:r>
+              <a:rPr lang="de-DE" dirty="0">
+                <a:solidFill>
+                  <a:srgbClr val="FF0000"/>
+                </a:solidFill>
+              </a:rPr>
+              <a:t>+0.0055 </a:t>
+            </a:r>
+            <a:r>
+              <a:rPr lang="de-DE" dirty="0" err="1"/>
+              <a:t>ggü</a:t>
+            </a:r>
+            <a:r>
+              <a:rPr lang="de-DE" dirty="0"/>
+              <a:t>. Teacher)</a:t>
+            </a:r>
+          </a:p>
+          <a:p>
+            <a:r>
+              <a:rPr lang="de-DE" dirty="0"/>
+              <a:t>Temperatur: 1</a:t>
+            </a:r>
+          </a:p>
+          <a:p>
+            <a:r>
+              <a:rPr lang="de-DE" dirty="0"/>
+              <a:t>Alpha 0.5</a:t>
+            </a:r>
+          </a:p>
+          <a:p>
+            <a:r>
+              <a:rPr lang="de-DE" dirty="0"/>
+              <a:t>25 Epochen</a:t>
+            </a:r>
+          </a:p>
+        </p:txBody>
+      </p:sp>
+      <p:sp>
+        <p:nvSpPr>
+          <p:cNvPr id="4" name="Datumsplatzhalter 3">
+            <a:extLst>
+              <a:ext uri="{FF2B5EF4-FFF2-40B4-BE49-F238E27FC236}">
+                <a16:creationId xmlns:a16="http://schemas.microsoft.com/office/drawing/2014/main" id="{B71786C0-AB39-2DE8-F457-80F51A63CDF6}"/>
+              </a:ext>
+            </a:extLst>
+          </p:cNvPr>
+          <p:cNvSpPr>
+            <a:spLocks noGrp="1"/>
+          </p:cNvSpPr>
+          <p:nvPr>
+            <p:ph type="dt" sz="half" idx="10"/>
+          </p:nvPr>
+        </p:nvSpPr>
+        <p:spPr/>
+        <p:txBody>
+          <a:bodyPr/>
+          <a:lstStyle/>
+          <a:p>
+            <a:fld id="{25118A72-986D-48C9-AAC8-AE8DB10EA9EB}" type="datetime1">
+              <a:rPr lang="de-DE" smtClean="0"/>
+              <a:t>26.06.2023</a:t>
+            </a:fld>
+            <a:endParaRPr lang="de-DE"/>
+          </a:p>
+        </p:txBody>
+      </p:sp>
+      <p:sp>
+        <p:nvSpPr>
+          <p:cNvPr id="5" name="Fußzeilenplatzhalter 4">
+            <a:extLst>
+              <a:ext uri="{FF2B5EF4-FFF2-40B4-BE49-F238E27FC236}">
+                <a16:creationId xmlns:a16="http://schemas.microsoft.com/office/drawing/2014/main" id="{4A9AB8FA-B83E-8F45-E810-CFE9C98F49A9}"/>
+              </a:ext>
+            </a:extLst>
+          </p:cNvPr>
+          <p:cNvSpPr>
+            <a:spLocks noGrp="1"/>
+          </p:cNvSpPr>
+          <p:nvPr>
+            <p:ph type="ftr" sz="quarter" idx="11"/>
+          </p:nvPr>
+        </p:nvSpPr>
+        <p:spPr/>
+        <p:txBody>
+          <a:bodyPr/>
+          <a:lstStyle/>
+          <a:p>
+            <a:r>
+              <a:rPr lang="de-DE"/>
+              <a:t>Meilenstein 4</a:t>
+            </a:r>
+          </a:p>
+        </p:txBody>
+      </p:sp>
+      <p:sp>
+        <p:nvSpPr>
+          <p:cNvPr id="6" name="Foliennummernplatzhalter 5">
+            <a:extLst>
+              <a:ext uri="{FF2B5EF4-FFF2-40B4-BE49-F238E27FC236}">
+                <a16:creationId xmlns:a16="http://schemas.microsoft.com/office/drawing/2014/main" id="{864F64A2-B0E7-032F-EF15-EBBE08BA464A}"/>
+              </a:ext>
+            </a:extLst>
+          </p:cNvPr>
+          <p:cNvSpPr>
+            <a:spLocks noGrp="1"/>
+          </p:cNvSpPr>
+          <p:nvPr>
+            <p:ph type="sldNum" sz="quarter" idx="12"/>
+          </p:nvPr>
+        </p:nvSpPr>
+        <p:spPr/>
+        <p:txBody>
+          <a:bodyPr/>
+          <a:lstStyle/>
+          <a:p>
+            <a:fld id="{37433AC2-EFC7-45C2-8E26-B48CD5F13A15}" type="slidenum">
+              <a:rPr lang="de-DE" smtClean="0"/>
+              <a:t>9</a:t>
+            </a:fld>
+            <a:endParaRPr lang="de-DE"/>
+          </a:p>
+        </p:txBody>
+      </p:sp>
+      <p:pic>
+        <p:nvPicPr>
+          <p:cNvPr id="8" name="Grafik 7">
+            <a:extLst>
+              <a:ext uri="{FF2B5EF4-FFF2-40B4-BE49-F238E27FC236}">
+                <a16:creationId xmlns:a16="http://schemas.microsoft.com/office/drawing/2014/main" id="{85FA0557-04F1-74E6-9D59-FF4638354681}"/>
+              </a:ext>
+            </a:extLst>
+          </p:cNvPr>
+          <p:cNvPicPr>
+            <a:picLocks noChangeAspect="1"/>
+          </p:cNvPicPr>
+          <p:nvPr/>
+        </p:nvPicPr>
+        <p:blipFill>
+          <a:blip r:embed="rId2">
+            <a:extLst>
+              <a:ext uri="{28A0092B-C50C-407E-A947-70E740481C1C}">
+                <a14:useLocalDpi xmlns:a14="http://schemas.microsoft.com/office/drawing/2010/main" val="0"/>
+              </a:ext>
+              <a:ext uri="{96DAC541-7B7A-43D3-8B79-37D633B846F1}">
+                <asvg:svgBlip xmlns:asvg="http://schemas.microsoft.com/office/drawing/2016/SVG/main" r:embed="rId3"/>
+              </a:ext>
+            </a:extLst>
+          </a:blip>
+          <a:stretch>
+            <a:fillRect/>
+          </a:stretch>
+        </p:blipFill>
+        <p:spPr>
+          <a:xfrm>
+            <a:off x="6667408" y="793779"/>
+            <a:ext cx="3964709" cy="2402854"/>
+          </a:xfrm>
+          <a:prstGeom prst="rect">
+            <a:avLst/>
+          </a:prstGeom>
+        </p:spPr>
+      </p:pic>
+      <p:pic>
+        <p:nvPicPr>
+          <p:cNvPr id="10" name="Grafik 9">
+            <a:extLst>
+              <a:ext uri="{FF2B5EF4-FFF2-40B4-BE49-F238E27FC236}">
+                <a16:creationId xmlns:a16="http://schemas.microsoft.com/office/drawing/2014/main" id="{48D08CCE-123A-6E17-EBC6-8AFCB78A08E9}"/>
+              </a:ext>
+            </a:extLst>
+          </p:cNvPr>
+          <p:cNvPicPr>
+            <a:picLocks noChangeAspect="1"/>
+          </p:cNvPicPr>
+          <p:nvPr/>
+        </p:nvPicPr>
+        <p:blipFill>
+          <a:blip r:embed="rId4">
+            <a:extLst>
+              <a:ext uri="{28A0092B-C50C-407E-A947-70E740481C1C}">
+                <a14:useLocalDpi xmlns:a14="http://schemas.microsoft.com/office/drawing/2010/main" val="0"/>
+              </a:ext>
+              <a:ext uri="{96DAC541-7B7A-43D3-8B79-37D633B846F1}">
+                <asvg:svgBlip xmlns:asvg="http://schemas.microsoft.com/office/drawing/2016/SVG/main" r:embed="rId5"/>
+              </a:ext>
+            </a:extLst>
+          </a:blip>
+          <a:stretch>
+            <a:fillRect/>
+          </a:stretch>
+        </p:blipFill>
+        <p:spPr>
+          <a:xfrm>
+            <a:off x="6513706" y="3636859"/>
+            <a:ext cx="4155355" cy="2518397"/>
+          </a:xfrm>
+          <a:prstGeom prst="rect">
+            <a:avLst/>
+          </a:prstGeom>
+        </p:spPr>
+      </p:pic>
+      <p:sp>
+        <p:nvSpPr>
+          <p:cNvPr id="11" name="Textfeld 10">
+            <a:extLst>
+              <a:ext uri="{FF2B5EF4-FFF2-40B4-BE49-F238E27FC236}">
+                <a16:creationId xmlns:a16="http://schemas.microsoft.com/office/drawing/2014/main" id="{67AE7893-25E3-6A21-6AAB-3D43B81640BF}"/>
+              </a:ext>
+            </a:extLst>
+          </p:cNvPr>
+          <p:cNvSpPr txBox="1"/>
+          <p:nvPr/>
+        </p:nvSpPr>
+        <p:spPr>
+          <a:xfrm>
+            <a:off x="6298262" y="4170875"/>
+            <a:ext cx="430887" cy="1256037"/>
+          </a:xfrm>
+          <a:prstGeom prst="rect">
+            <a:avLst/>
+          </a:prstGeom>
+          <a:noFill/>
+        </p:spPr>
+        <p:txBody>
+          <a:bodyPr vert="vert270" wrap="square" rtlCol="0">
+            <a:spAutoFit/>
+          </a:bodyPr>
+          <a:lstStyle/>
+          <a:p>
+            <a:r>
+              <a:rPr lang="de-DE" sz="1600" dirty="0"/>
+              <a:t>Genauigkeit</a:t>
+            </a:r>
+          </a:p>
+        </p:txBody>
+      </p:sp>
+      <p:sp>
+        <p:nvSpPr>
+          <p:cNvPr id="12" name="Textfeld 11">
+            <a:extLst>
+              <a:ext uri="{FF2B5EF4-FFF2-40B4-BE49-F238E27FC236}">
+                <a16:creationId xmlns:a16="http://schemas.microsoft.com/office/drawing/2014/main" id="{FC2B5D70-83D9-A339-DABD-32B86013823E}"/>
+              </a:ext>
+            </a:extLst>
+          </p:cNvPr>
+          <p:cNvSpPr txBox="1"/>
+          <p:nvPr/>
+        </p:nvSpPr>
+        <p:spPr>
+          <a:xfrm>
+            <a:off x="6298262" y="1578898"/>
+            <a:ext cx="430887" cy="562742"/>
+          </a:xfrm>
+          <a:prstGeom prst="rect">
+            <a:avLst/>
+          </a:prstGeom>
+          <a:noFill/>
+        </p:spPr>
+        <p:txBody>
+          <a:bodyPr vert="vert270" wrap="square" rtlCol="0">
+            <a:spAutoFit/>
+          </a:bodyPr>
+          <a:lstStyle/>
+          <a:p>
+            <a:r>
+              <a:rPr lang="de-DE" sz="1600" dirty="0"/>
+              <a:t>Loss</a:t>
+            </a:r>
+          </a:p>
+        </p:txBody>
+      </p:sp>
+      <p:sp>
+        <p:nvSpPr>
+          <p:cNvPr id="13" name="Textfeld 12">
+            <a:extLst>
+              <a:ext uri="{FF2B5EF4-FFF2-40B4-BE49-F238E27FC236}">
+                <a16:creationId xmlns:a16="http://schemas.microsoft.com/office/drawing/2014/main" id="{CA587668-6A2E-D7CF-5122-5676F78975A0}"/>
+              </a:ext>
+            </a:extLst>
+          </p:cNvPr>
+          <p:cNvSpPr txBox="1"/>
+          <p:nvPr/>
+        </p:nvSpPr>
+        <p:spPr>
+          <a:xfrm>
+            <a:off x="8591382" y="3164404"/>
+            <a:ext cx="877455" cy="338554"/>
+          </a:xfrm>
+          <a:prstGeom prst="rect">
+            <a:avLst/>
+          </a:prstGeom>
+          <a:noFill/>
+        </p:spPr>
+        <p:txBody>
+          <a:bodyPr wrap="square" rtlCol="0">
+            <a:spAutoFit/>
+          </a:bodyPr>
+          <a:lstStyle/>
+          <a:p>
+            <a:r>
+              <a:rPr lang="de-DE" sz="1600" dirty="0" err="1"/>
+              <a:t>Epoch</a:t>
+            </a:r>
+            <a:endParaRPr lang="de-DE" sz="1600" dirty="0"/>
+          </a:p>
+        </p:txBody>
+      </p:sp>
+      <p:sp>
+        <p:nvSpPr>
+          <p:cNvPr id="14" name="Textfeld 13">
+            <a:extLst>
+              <a:ext uri="{FF2B5EF4-FFF2-40B4-BE49-F238E27FC236}">
+                <a16:creationId xmlns:a16="http://schemas.microsoft.com/office/drawing/2014/main" id="{252E574F-9294-2DE9-E0ED-F13C478BAA7C}"/>
+              </a:ext>
+            </a:extLst>
+          </p:cNvPr>
+          <p:cNvSpPr txBox="1"/>
+          <p:nvPr/>
+        </p:nvSpPr>
+        <p:spPr>
+          <a:xfrm>
+            <a:off x="8591383" y="6154321"/>
+            <a:ext cx="877455" cy="338554"/>
+          </a:xfrm>
+          <a:prstGeom prst="rect">
+            <a:avLst/>
+          </a:prstGeom>
+          <a:noFill/>
+        </p:spPr>
+        <p:txBody>
+          <a:bodyPr wrap="square" rtlCol="0">
+            <a:spAutoFit/>
+          </a:bodyPr>
+          <a:lstStyle/>
+          <a:p>
+            <a:r>
+              <a:rPr lang="de-DE" sz="1600" dirty="0" err="1"/>
+              <a:t>Epoch</a:t>
+            </a:r>
+            <a:endParaRPr lang="de-DE" sz="1600" dirty="0"/>
+          </a:p>
+        </p:txBody>
+      </p:sp>
+      <p:sp>
+        <p:nvSpPr>
+          <p:cNvPr id="15" name="Textfeld 14">
+            <a:extLst>
+              <a:ext uri="{FF2B5EF4-FFF2-40B4-BE49-F238E27FC236}">
+                <a16:creationId xmlns:a16="http://schemas.microsoft.com/office/drawing/2014/main" id="{26385185-334B-CE22-66C0-8B5410877671}"/>
+              </a:ext>
+            </a:extLst>
+          </p:cNvPr>
+          <p:cNvSpPr txBox="1"/>
+          <p:nvPr/>
+        </p:nvSpPr>
+        <p:spPr>
+          <a:xfrm>
+            <a:off x="9559478" y="4192991"/>
+            <a:ext cx="980464" cy="307777"/>
+          </a:xfrm>
+          <a:prstGeom prst="rect">
+            <a:avLst/>
+          </a:prstGeom>
+          <a:noFill/>
+        </p:spPr>
+        <p:txBody>
+          <a:bodyPr wrap="square" rtlCol="0">
+            <a:spAutoFit/>
+          </a:bodyPr>
+          <a:lstStyle/>
+          <a:p>
+            <a:r>
+              <a:rPr lang="de-DE" sz="1400" dirty="0"/>
+              <a:t>Validation</a:t>
+            </a:r>
+          </a:p>
+        </p:txBody>
+      </p:sp>
+      <p:sp>
+        <p:nvSpPr>
+          <p:cNvPr id="16" name="Textfeld 15">
+            <a:extLst>
+              <a:ext uri="{FF2B5EF4-FFF2-40B4-BE49-F238E27FC236}">
+                <a16:creationId xmlns:a16="http://schemas.microsoft.com/office/drawing/2014/main" id="{691B8CEE-9828-5BBC-A6D8-4A2078B74979}"/>
+              </a:ext>
+            </a:extLst>
+          </p:cNvPr>
+          <p:cNvSpPr txBox="1"/>
+          <p:nvPr/>
+        </p:nvSpPr>
+        <p:spPr>
+          <a:xfrm>
+            <a:off x="10326844" y="1877834"/>
+            <a:ext cx="980464" cy="307777"/>
+          </a:xfrm>
+          <a:prstGeom prst="rect">
+            <a:avLst/>
+          </a:prstGeom>
+          <a:noFill/>
+        </p:spPr>
+        <p:txBody>
+          <a:bodyPr wrap="square" rtlCol="0">
+            <a:spAutoFit/>
+          </a:bodyPr>
+          <a:lstStyle/>
+          <a:p>
+            <a:r>
+              <a:rPr lang="de-DE" sz="1400" dirty="0"/>
+              <a:t>Validation</a:t>
+            </a:r>
+          </a:p>
+        </p:txBody>
+      </p:sp>
+      <p:sp>
+        <p:nvSpPr>
+          <p:cNvPr id="17" name="Textfeld 16">
+            <a:extLst>
+              <a:ext uri="{FF2B5EF4-FFF2-40B4-BE49-F238E27FC236}">
+                <a16:creationId xmlns:a16="http://schemas.microsoft.com/office/drawing/2014/main" id="{4922441A-F91D-26F9-7E27-1D61BEEE57CF}"/>
+              </a:ext>
+            </a:extLst>
+          </p:cNvPr>
+          <p:cNvSpPr txBox="1"/>
+          <p:nvPr/>
+        </p:nvSpPr>
+        <p:spPr>
+          <a:xfrm>
+            <a:off x="9836612" y="3560303"/>
+            <a:ext cx="980464" cy="307777"/>
+          </a:xfrm>
+          <a:prstGeom prst="rect">
+            <a:avLst/>
+          </a:prstGeom>
+          <a:noFill/>
+        </p:spPr>
+        <p:txBody>
+          <a:bodyPr wrap="square" rtlCol="0">
+            <a:spAutoFit/>
+          </a:bodyPr>
+          <a:lstStyle/>
+          <a:p>
+            <a:r>
+              <a:rPr lang="de-DE" sz="1400" dirty="0"/>
+              <a:t>Training</a:t>
+            </a:r>
+          </a:p>
+        </p:txBody>
+      </p:sp>
+      <p:sp>
+        <p:nvSpPr>
+          <p:cNvPr id="18" name="Textfeld 17">
+            <a:extLst>
+              <a:ext uri="{FF2B5EF4-FFF2-40B4-BE49-F238E27FC236}">
+                <a16:creationId xmlns:a16="http://schemas.microsoft.com/office/drawing/2014/main" id="{76A1C7E9-71F2-77A6-17AE-57801541FCED}"/>
+              </a:ext>
+            </a:extLst>
+          </p:cNvPr>
+          <p:cNvSpPr txBox="1"/>
+          <p:nvPr/>
+        </p:nvSpPr>
+        <p:spPr>
+          <a:xfrm>
+            <a:off x="10357012" y="2471948"/>
+            <a:ext cx="980464" cy="307777"/>
+          </a:xfrm>
+          <a:prstGeom prst="rect">
+            <a:avLst/>
+          </a:prstGeom>
+          <a:noFill/>
+        </p:spPr>
+        <p:txBody>
+          <a:bodyPr wrap="square" rtlCol="0">
+            <a:spAutoFit/>
+          </a:bodyPr>
+          <a:lstStyle/>
+          <a:p>
+            <a:r>
+              <a:rPr lang="de-DE" sz="1400" dirty="0"/>
+              <a:t>Training</a:t>
+            </a:r>
+          </a:p>
+        </p:txBody>
+      </p:sp>
+    </p:spTree>
+    <p:extLst>
+      <p:ext uri="{BB962C8B-B14F-4D97-AF65-F5344CB8AC3E}">
+        <p14:creationId xmlns:p14="http://schemas.microsoft.com/office/powerpoint/2010/main" val="923401971"/>
       </p:ext>
     </p:extLst>
   </p:cSld>
@@ -3928,4 +12284,299 @@
     </a:ext>
   </a:extLst>
 </a:theme>
+</file>
+
+<file path=ppt/theme/theme2.xml><?xml version="1.0" encoding="utf-8"?>
+<a:theme xmlns:a="http://schemas.openxmlformats.org/drawingml/2006/main" name="Office">
+  <a:themeElements>
+    <a:clrScheme name="Office">
+      <a:dk1>
+        <a:sysClr val="windowText" lastClr="000000"/>
+      </a:dk1>
+      <a:lt1>
+        <a:sysClr val="window" lastClr="FFFFFF"/>
+      </a:lt1>
+      <a:dk2>
+        <a:srgbClr val="44546A"/>
+      </a:dk2>
+      <a:lt2>
+        <a:srgbClr val="E7E6E6"/>
+      </a:lt2>
+      <a:accent1>
+        <a:srgbClr val="4472C4"/>
+      </a:accent1>
+      <a:accent2>
+        <a:srgbClr val="ED7D31"/>
+      </a:accent2>
+      <a:accent3>
+        <a:srgbClr val="A5A5A5"/>
+      </a:accent3>
+      <a:accent4>
+        <a:srgbClr val="FFC000"/>
+      </a:accent4>
+      <a:accent5>
+        <a:srgbClr val="5B9BD5"/>
+      </a:accent5>
+      <a:accent6>
+        <a:srgbClr val="70AD47"/>
+      </a:accent6>
+      <a:hlink>
+        <a:srgbClr val="0563C1"/>
+      </a:hlink>
+      <a:folHlink>
+        <a:srgbClr val="954F72"/>
+      </a:folHlink>
+    </a:clrScheme>
+    <a:fontScheme name="Office">
+      <a:majorFont>
+        <a:latin typeface="Calibri Light" panose="020F0302020204030204"/>
+        <a:ea typeface=""/>
+        <a:cs typeface=""/>
+        <a:font script="Jpan" typeface="游ゴシック Light"/>
+        <a:font script="Hang" typeface="맑은 고딕"/>
+        <a:font script="Hans" typeface="等线 Light"/>
+        <a:font script="Hant" typeface="新細明體"/>
+        <a:font script="Arab" typeface="Times New Roman"/>
+        <a:font script="Hebr" typeface="Times New Roman"/>
+        <a:font script="Thai" typeface="Angsana New"/>
+        <a:font script="Ethi" typeface="Nyala"/>
+        <a:font script="Beng" typeface="Vrinda"/>
+        <a:font script="Gujr" typeface="Shruti"/>
+        <a:font script="Khmr" typeface="MoolBoran"/>
+        <a:font script="Knda" typeface="Tunga"/>
+        <a:font script="Guru" typeface="Raavi"/>
+        <a:font script="Cans" typeface="Euphemia"/>
+        <a:font script="Cher" typeface="Plantagenet Cherokee"/>
+        <a:font script="Yiii" typeface="Microsoft Yi Baiti"/>
+        <a:font script="Tibt" typeface="Microsoft Himalaya"/>
+        <a:font script="Thaa" typeface="MV Boli"/>
+        <a:font script="Deva" typeface="Mangal"/>
+        <a:font script="Telu" typeface="Gautami"/>
+        <a:font script="Taml" typeface="Latha"/>
+        <a:font script="Syrc" typeface="Estrangelo Edessa"/>
+        <a:font script="Orya" typeface="Kalinga"/>
+        <a:font script="Mlym" typeface="Kartika"/>
+        <a:font script="Laoo" typeface="DokChampa"/>
+        <a:font script="Sinh" typeface="Iskoola Pota"/>
+        <a:font script="Mong" typeface="Mongolian Baiti"/>
+        <a:font script="Viet" typeface="Times New Roman"/>
+        <a:font script="Uigh" typeface="Microsoft Uighur"/>
+        <a:font script="Geor" typeface="Sylfaen"/>
+        <a:font script="Armn" typeface="Arial"/>
+        <a:font script="Bugi" typeface="Leelawadee UI"/>
+        <a:font script="Bopo" typeface="Microsoft JhengHei"/>
+        <a:font script="Java" typeface="Javanese Text"/>
+        <a:font script="Lisu" typeface="Segoe UI"/>
+        <a:font script="Mymr" typeface="Myanmar Text"/>
+        <a:font script="Nkoo" typeface="Ebrima"/>
+        <a:font script="Olck" typeface="Nirmala UI"/>
+        <a:font script="Osma" typeface="Ebrima"/>
+        <a:font script="Phag" typeface="Phagspa"/>
+        <a:font script="Syrn" typeface="Estrangelo Edessa"/>
+        <a:font script="Syrj" typeface="Estrangelo Edessa"/>
+        <a:font script="Syre" typeface="Estrangelo Edessa"/>
+        <a:font script="Sora" typeface="Nirmala UI"/>
+        <a:font script="Tale" typeface="Microsoft Tai Le"/>
+        <a:font script="Talu" typeface="Microsoft New Tai Lue"/>
+        <a:font script="Tfng" typeface="Ebrima"/>
+      </a:majorFont>
+      <a:minorFont>
+        <a:latin typeface="Calibri" panose="020F0502020204030204"/>
+        <a:ea typeface=""/>
+        <a:cs typeface=""/>
+        <a:font script="Jpan" typeface="游ゴシック"/>
+        <a:font script="Hang" typeface="맑은 고딕"/>
+        <a:font script="Hans" typeface="等线"/>
+        <a:font script="Hant" typeface="新細明體"/>
+        <a:font script="Arab" typeface="Arial"/>
+        <a:font script="Hebr" typeface="Arial"/>
+        <a:font script="Thai" typeface="Cordia New"/>
+        <a:font script="Ethi" typeface="Nyala"/>
+        <a:font script="Beng" typeface="Vrinda"/>
+        <a:font script="Gujr" typeface="Shruti"/>
+        <a:font script="Khmr" typeface="DaunPenh"/>
+        <a:font script="Knda" typeface="Tunga"/>
+        <a:font script="Guru" typeface="Raavi"/>
+        <a:font script="Cans" typeface="Euphemia"/>
+        <a:font script="Cher" typeface="Plantagenet Cherokee"/>
+        <a:font script="Yiii" typeface="Microsoft Yi Baiti"/>
+        <a:font script="Tibt" typeface="Microsoft Himalaya"/>
+        <a:font script="Thaa" typeface="MV Boli"/>
+        <a:font script="Deva" typeface="Mangal"/>
+        <a:font script="Telu" typeface="Gautami"/>
+        <a:font script="Taml" typeface="Latha"/>
+        <a:font script="Syrc" typeface="Estrangelo Edessa"/>
+        <a:font script="Orya" typeface="Kalinga"/>
+        <a:font script="Mlym" typeface="Kartika"/>
+        <a:font script="Laoo" typeface="DokChampa"/>
+        <a:font script="Sinh" typeface="Iskoola Pota"/>
+        <a:font script="Mong" typeface="Mongolian Baiti"/>
+        <a:font script="Viet" typeface="Arial"/>
+        <a:font script="Uigh" typeface="Microsoft Uighur"/>
+        <a:font script="Geor" typeface="Sylfaen"/>
+        <a:font script="Armn" typeface="Arial"/>
+        <a:font script="Bugi" typeface="Leelawadee UI"/>
+        <a:font script="Bopo" typeface="Microsoft JhengHei"/>
+        <a:font script="Java" typeface="Javanese Text"/>
+        <a:font script="Lisu" typeface="Segoe UI"/>
+        <a:font script="Mymr" typeface="Myanmar Text"/>
+        <a:font script="Nkoo" typeface="Ebrima"/>
+        <a:font script="Olck" typeface="Nirmala UI"/>
+        <a:font script="Osma" typeface="Ebrima"/>
+        <a:font script="Phag" typeface="Phagspa"/>
+        <a:font script="Syrn" typeface="Estrangelo Edessa"/>
+        <a:font script="Syrj" typeface="Estrangelo Edessa"/>
+        <a:font script="Syre" typeface="Estrangelo Edessa"/>
+        <a:font script="Sora" typeface="Nirmala UI"/>
+        <a:font script="Tale" typeface="Microsoft Tai Le"/>
+        <a:font script="Talu" typeface="Microsoft New Tai Lue"/>
+        <a:font script="Tfng" typeface="Ebrima"/>
+      </a:minorFont>
+    </a:fontScheme>
+    <a:fmtScheme name="Office">
+      <a:fillStyleLst>
+        <a:solidFill>
+          <a:schemeClr val="phClr"/>
+        </a:solidFill>
+        <a:gradFill rotWithShape="1">
+          <a:gsLst>
+            <a:gs pos="0">
+              <a:schemeClr val="phClr">
+                <a:lumMod val="110000"/>
+                <a:satMod val="105000"/>
+                <a:tint val="67000"/>
+              </a:schemeClr>
+            </a:gs>
+            <a:gs pos="50000">
+              <a:schemeClr val="phClr">
+                <a:lumMod val="105000"/>
+                <a:satMod val="103000"/>
+                <a:tint val="73000"/>
+              </a:schemeClr>
+            </a:gs>
+            <a:gs pos="100000">
+              <a:schemeClr val="phClr">
+                <a:lumMod val="105000"/>
+                <a:satMod val="109000"/>
+                <a:tint val="81000"/>
+              </a:schemeClr>
+            </a:gs>
+          </a:gsLst>
+          <a:lin ang="5400000" scaled="0"/>
+        </a:gradFill>
+        <a:gradFill rotWithShape="1">
+          <a:gsLst>
+            <a:gs pos="0">
+              <a:schemeClr val="phClr">
+                <a:satMod val="103000"/>
+                <a:lumMod val="102000"/>
+                <a:tint val="94000"/>
+              </a:schemeClr>
+            </a:gs>
+            <a:gs pos="50000">
+              <a:schemeClr val="phClr">
+                <a:satMod val="110000"/>
+                <a:lumMod val="100000"/>
+                <a:shade val="100000"/>
+              </a:schemeClr>
+            </a:gs>
+            <a:gs pos="100000">
+              <a:schemeClr val="phClr">
+                <a:lumMod val="99000"/>
+                <a:satMod val="120000"/>
+                <a:shade val="78000"/>
+              </a:schemeClr>
+            </a:gs>
+          </a:gsLst>
+          <a:lin ang="5400000" scaled="0"/>
+        </a:gradFill>
+      </a:fillStyleLst>
+      <a:lnStyleLst>
+        <a:ln w="6350" cap="flat" cmpd="sng" algn="ctr">
+          <a:solidFill>
+            <a:schemeClr val="phClr"/>
+          </a:solidFill>
+          <a:prstDash val="solid"/>
+          <a:miter lim="800000"/>
+        </a:ln>
+        <a:ln w="12700" cap="flat" cmpd="sng" algn="ctr">
+          <a:solidFill>
+            <a:schemeClr val="phClr"/>
+          </a:solidFill>
+          <a:prstDash val="solid"/>
+          <a:miter lim="800000"/>
+        </a:ln>
+        <a:ln w="19050" cap="flat" cmpd="sng" algn="ctr">
+          <a:solidFill>
+            <a:schemeClr val="phClr"/>
+          </a:solidFill>
+          <a:prstDash val="solid"/>
+          <a:miter lim="800000"/>
+        </a:ln>
+      </a:lnStyleLst>
+      <a:effectStyleLst>
+        <a:effectStyle>
+          <a:effectLst/>
+        </a:effectStyle>
+        <a:effectStyle>
+          <a:effectLst/>
+        </a:effectStyle>
+        <a:effectStyle>
+          <a:effectLst>
+            <a:outerShdw blurRad="57150" dist="19050" dir="5400000" algn="ctr" rotWithShape="0">
+              <a:srgbClr val="000000">
+                <a:alpha val="63000"/>
+              </a:srgbClr>
+            </a:outerShdw>
+          </a:effectLst>
+        </a:effectStyle>
+      </a:effectStyleLst>
+      <a:bgFillStyleLst>
+        <a:solidFill>
+          <a:schemeClr val="phClr"/>
+        </a:solidFill>
+        <a:solidFill>
+          <a:schemeClr val="phClr">
+            <a:tint val="95000"/>
+            <a:satMod val="170000"/>
+          </a:schemeClr>
+        </a:solidFill>
+        <a:gradFill rotWithShape="1">
+          <a:gsLst>
+            <a:gs pos="0">
+              <a:schemeClr val="phClr">
+                <a:tint val="93000"/>
+                <a:satMod val="150000"/>
+                <a:shade val="98000"/>
+                <a:lumMod val="102000"/>
+              </a:schemeClr>
+            </a:gs>
+            <a:gs pos="50000">
+              <a:schemeClr val="phClr">
+                <a:tint val="98000"/>
+                <a:satMod val="130000"/>
+                <a:shade val="90000"/>
+                <a:lumMod val="103000"/>
+              </a:schemeClr>
+            </a:gs>
+            <a:gs pos="100000">
+              <a:schemeClr val="phClr">
+                <a:shade val="63000"/>
+                <a:satMod val="120000"/>
+              </a:schemeClr>
+            </a:gs>
+          </a:gsLst>
+          <a:lin ang="5400000" scaled="0"/>
+        </a:gradFill>
+      </a:bgFillStyleLst>
+    </a:fmtScheme>
+  </a:themeElements>
+  <a:objectDefaults/>
+  <a:extraClrSchemeLst/>
+  <a:extLst>
+    <a:ext uri="{05A4C25C-085E-4340-85A3-A5531E510DB2}">
+      <thm15:themeFamily xmlns:thm15="http://schemas.microsoft.com/office/thememl/2012/main" name="Office Theme" id="{62F939B6-93AF-4DB8-9C6B-D6C7DFDC589F}" vid="{4A3C46E8-61CC-4603-A589-7422A47A8E4A}"/>
+    </a:ext>
+  </a:extLst>
+</a:theme>
 </file>
--- a/doc/meilensteine/MS4.pptx
+++ b/doc/meilensteine/MS4.pptx
@@ -211,7 +211,7 @@
           <a:p>
             <a:fld id="{6A40C5B6-A996-4856-B7EE-1D4FA1E26334}" type="datetimeFigureOut">
               <a:rPr lang="de-DE" smtClean="0"/>
-              <a:t>26.06.2023</a:t>
+              <a:t>27.06.2023</a:t>
             </a:fld>
             <a:endParaRPr lang="de-DE"/>
           </a:p>
@@ -623,11 +623,10 @@
           <a:bodyPr/>
           <a:lstStyle/>
           <a:p>
-            <a:fld id="{BEDEE69A-11A3-4434-99A2-BDA696E792E7}" type="datetime1">
-              <a:rPr lang="de-DE" smtClean="0"/>
-              <a:t>26.06.2023</a:t>
-            </a:fld>
-            <a:endParaRPr lang="de-DE"/>
+            <a:r>
+              <a:rPr lang="de-DE"/>
+              <a:t>29.06.2023</a:t>
+            </a:r>
           </a:p>
         </p:txBody>
       </p:sp>
@@ -824,11 +823,10 @@
           <a:bodyPr/>
           <a:lstStyle/>
           <a:p>
-            <a:fld id="{A78DDD15-24DB-4F38-9693-B0195021E653}" type="datetime1">
-              <a:rPr lang="de-DE" smtClean="0"/>
-              <a:t>26.06.2023</a:t>
-            </a:fld>
-            <a:endParaRPr lang="de-DE"/>
+            <a:r>
+              <a:rPr lang="de-DE"/>
+              <a:t>29.06.2023</a:t>
+            </a:r>
           </a:p>
         </p:txBody>
       </p:sp>
@@ -1035,11 +1033,10 @@
           <a:bodyPr/>
           <a:lstStyle/>
           <a:p>
-            <a:fld id="{235EB7BB-E15D-4803-9F82-F38BAB114C41}" type="datetime1">
-              <a:rPr lang="de-DE" smtClean="0"/>
-              <a:t>26.06.2023</a:t>
-            </a:fld>
-            <a:endParaRPr lang="de-DE"/>
+            <a:r>
+              <a:rPr lang="de-DE"/>
+              <a:t>29.06.2023</a:t>
+            </a:r>
           </a:p>
         </p:txBody>
       </p:sp>
@@ -1236,11 +1233,10 @@
           <a:bodyPr/>
           <a:lstStyle/>
           <a:p>
-            <a:fld id="{25118A72-986D-48C9-AAC8-AE8DB10EA9EB}" type="datetime1">
-              <a:rPr lang="de-DE" smtClean="0"/>
-              <a:t>26.06.2023</a:t>
-            </a:fld>
-            <a:endParaRPr lang="de-DE"/>
+            <a:r>
+              <a:rPr lang="de-DE"/>
+              <a:t>29.06.2023</a:t>
+            </a:r>
           </a:p>
         </p:txBody>
       </p:sp>
@@ -1514,11 +1510,10 @@
           <a:bodyPr/>
           <a:lstStyle/>
           <a:p>
-            <a:fld id="{EB361721-384D-41CB-BAE2-6AA7EF6E00CC}" type="datetime1">
-              <a:rPr lang="de-DE" smtClean="0"/>
-              <a:t>26.06.2023</a:t>
-            </a:fld>
-            <a:endParaRPr lang="de-DE"/>
+            <a:r>
+              <a:rPr lang="de-DE"/>
+              <a:t>29.06.2023</a:t>
+            </a:r>
           </a:p>
         </p:txBody>
       </p:sp>
@@ -1782,11 +1777,10 @@
           <a:bodyPr/>
           <a:lstStyle/>
           <a:p>
-            <a:fld id="{DA98ED4E-A997-4FA2-B1F3-7252FBE188D3}" type="datetime1">
-              <a:rPr lang="de-DE" smtClean="0"/>
-              <a:t>26.06.2023</a:t>
-            </a:fld>
-            <a:endParaRPr lang="de-DE"/>
+            <a:r>
+              <a:rPr lang="de-DE"/>
+              <a:t>29.06.2023</a:t>
+            </a:r>
           </a:p>
         </p:txBody>
       </p:sp>
@@ -2197,11 +2191,10 @@
           <a:bodyPr/>
           <a:lstStyle/>
           <a:p>
-            <a:fld id="{47504D58-6ED8-4386-B94F-58E41518CDFC}" type="datetime1">
-              <a:rPr lang="de-DE" smtClean="0"/>
-              <a:t>26.06.2023</a:t>
-            </a:fld>
-            <a:endParaRPr lang="de-DE"/>
+            <a:r>
+              <a:rPr lang="de-DE"/>
+              <a:t>29.06.2023</a:t>
+            </a:r>
           </a:p>
         </p:txBody>
       </p:sp>
@@ -2341,11 +2334,10 @@
           <a:bodyPr/>
           <a:lstStyle/>
           <a:p>
-            <a:fld id="{D64C9777-BEC4-456E-8333-1B28A7A8F10A}" type="datetime1">
-              <a:rPr lang="de-DE" smtClean="0"/>
-              <a:t>26.06.2023</a:t>
-            </a:fld>
-            <a:endParaRPr lang="de-DE"/>
+            <a:r>
+              <a:rPr lang="de-DE"/>
+              <a:t>29.06.2023</a:t>
+            </a:r>
           </a:p>
         </p:txBody>
       </p:sp>
@@ -2457,11 +2449,10 @@
           <a:bodyPr/>
           <a:lstStyle/>
           <a:p>
-            <a:fld id="{4D070D1B-4CF7-4CF1-8650-05B5DDF4A98D}" type="datetime1">
-              <a:rPr lang="de-DE" smtClean="0"/>
-              <a:t>26.06.2023</a:t>
-            </a:fld>
-            <a:endParaRPr lang="de-DE"/>
+            <a:r>
+              <a:rPr lang="de-DE"/>
+              <a:t>29.06.2023</a:t>
+            </a:r>
           </a:p>
         </p:txBody>
       </p:sp>
@@ -2771,11 +2762,10 @@
           <a:bodyPr/>
           <a:lstStyle/>
           <a:p>
-            <a:fld id="{9606A8FD-1120-47F5-8B84-5DC54FF80FE5}" type="datetime1">
-              <a:rPr lang="de-DE" smtClean="0"/>
-              <a:t>26.06.2023</a:t>
-            </a:fld>
-            <a:endParaRPr lang="de-DE"/>
+            <a:r>
+              <a:rPr lang="de-DE"/>
+              <a:t>29.06.2023</a:t>
+            </a:r>
           </a:p>
         </p:txBody>
       </p:sp>
@@ -3062,11 +3052,10 @@
           <a:bodyPr/>
           <a:lstStyle/>
           <a:p>
-            <a:fld id="{D2807168-009F-4A1A-BCE2-D41650D4907C}" type="datetime1">
-              <a:rPr lang="de-DE" smtClean="0"/>
-              <a:t>26.06.2023</a:t>
-            </a:fld>
-            <a:endParaRPr lang="de-DE"/>
+            <a:r>
+              <a:rPr lang="de-DE"/>
+              <a:t>29.06.2023</a:t>
+            </a:r>
           </a:p>
         </p:txBody>
       </p:sp>
@@ -3306,11 +3295,10 @@
             </a:lvl1pPr>
           </a:lstStyle>
           <a:p>
-            <a:fld id="{83D790D9-4C3D-4C09-BCD3-FAE5B9A27C86}" type="datetime1">
-              <a:rPr lang="de-DE" smtClean="0"/>
-              <a:t>26.06.2023</a:t>
-            </a:fld>
-            <a:endParaRPr lang="de-DE"/>
+            <a:r>
+              <a:rPr lang="de-DE"/>
+              <a:t>29.06.2023</a:t>
+            </a:r>
           </a:p>
         </p:txBody>
       </p:sp>
@@ -3821,11 +3809,10 @@
           <a:bodyPr/>
           <a:lstStyle/>
           <a:p>
-            <a:fld id="{6915477C-4CE1-47B0-868E-938A33615E2D}" type="datetime1">
-              <a:rPr lang="de-DE" smtClean="0"/>
-              <a:t>26.06.2023</a:t>
-            </a:fld>
-            <a:endParaRPr lang="de-DE"/>
+            <a:r>
+              <a:rPr lang="de-DE"/>
+              <a:t>29.06.2023</a:t>
+            </a:r>
           </a:p>
         </p:txBody>
       </p:sp>
@@ -3937,11 +3924,10 @@
           <a:bodyPr/>
           <a:lstStyle/>
           <a:p>
-            <a:fld id="{25118A72-986D-48C9-AAC8-AE8DB10EA9EB}" type="datetime1">
-              <a:rPr lang="de-DE" smtClean="0"/>
-              <a:t>26.06.2023</a:t>
-            </a:fld>
-            <a:endParaRPr lang="de-DE"/>
+            <a:r>
+              <a:rPr lang="de-DE"/>
+              <a:t>29.06.2023</a:t>
+            </a:r>
           </a:p>
         </p:txBody>
       </p:sp>
@@ -4051,7 +4037,7 @@
         </p:nvSpPr>
         <p:spPr>
           <a:xfrm>
-            <a:off x="906571" y="869198"/>
+            <a:off x="530423" y="732537"/>
             <a:ext cx="615553" cy="1560351"/>
           </a:xfrm>
           <a:prstGeom prst="rect">
@@ -4121,7 +4107,7 @@
         </p:nvSpPr>
         <p:spPr>
           <a:xfrm>
-            <a:off x="906571" y="3956605"/>
+            <a:off x="530422" y="3956605"/>
             <a:ext cx="615553" cy="1560351"/>
           </a:xfrm>
           <a:prstGeom prst="rect">
@@ -4138,6 +4124,76 @@
             <a:r>
               <a:rPr lang="de-DE" sz="2800" dirty="0"/>
               <a:t>Student</a:t>
+            </a:r>
+          </a:p>
+        </p:txBody>
+      </p:sp>
+      <p:sp>
+        <p:nvSpPr>
+          <p:cNvPr id="2" name="Textfeld 1">
+            <a:extLst>
+              <a:ext uri="{FF2B5EF4-FFF2-40B4-BE49-F238E27FC236}">
+                <a16:creationId xmlns:a16="http://schemas.microsoft.com/office/drawing/2014/main" id="{06A6E97B-27ED-16EF-A833-26C8682BCD0C}"/>
+              </a:ext>
+            </a:extLst>
+          </p:cNvPr>
+          <p:cNvSpPr txBox="1"/>
+          <p:nvPr/>
+        </p:nvSpPr>
+        <p:spPr>
+          <a:xfrm>
+            <a:off x="1522124" y="453005"/>
+            <a:ext cx="400110" cy="2119416"/>
+          </a:xfrm>
+          <a:prstGeom prst="rect">
+            <a:avLst/>
+          </a:prstGeom>
+          <a:noFill/>
+        </p:spPr>
+        <p:txBody>
+          <a:bodyPr vert="vert270" wrap="square" rtlCol="0">
+            <a:spAutoFit/>
+          </a:bodyPr>
+          <a:lstStyle/>
+          <a:p>
+            <a:r>
+              <a:rPr lang="de-DE" sz="1400" dirty="0"/>
+              <a:t>Genauigkeit auf 100 Bilder</a:t>
+            </a:r>
+          </a:p>
+        </p:txBody>
+      </p:sp>
+      <p:sp>
+        <p:nvSpPr>
+          <p:cNvPr id="3" name="Textfeld 2">
+            <a:extLst>
+              <a:ext uri="{FF2B5EF4-FFF2-40B4-BE49-F238E27FC236}">
+                <a16:creationId xmlns:a16="http://schemas.microsoft.com/office/drawing/2014/main" id="{BAAE4175-583F-F6E2-499A-864F3E730202}"/>
+              </a:ext>
+            </a:extLst>
+          </p:cNvPr>
+          <p:cNvSpPr txBox="1"/>
+          <p:nvPr/>
+        </p:nvSpPr>
+        <p:spPr>
+          <a:xfrm>
+            <a:off x="1522124" y="3677073"/>
+            <a:ext cx="400110" cy="2119416"/>
+          </a:xfrm>
+          <a:prstGeom prst="rect">
+            <a:avLst/>
+          </a:prstGeom>
+          <a:noFill/>
+        </p:spPr>
+        <p:txBody>
+          <a:bodyPr vert="vert270" wrap="square" rtlCol="0">
+            <a:spAutoFit/>
+          </a:bodyPr>
+          <a:lstStyle/>
+          <a:p>
+            <a:r>
+              <a:rPr lang="de-DE" sz="1400" dirty="0"/>
+              <a:t>Genauigkeit auf 100 Bilder</a:t>
             </a:r>
           </a:p>
         </p:txBody>
@@ -4295,11 +4351,10 @@
           <a:bodyPr/>
           <a:lstStyle/>
           <a:p>
-            <a:fld id="{6085DC2A-F81F-4B85-85AA-69758A726F08}" type="datetime1">
-              <a:rPr lang="de-DE" smtClean="0"/>
-              <a:t>26.06.2023</a:t>
-            </a:fld>
-            <a:endParaRPr lang="de-DE"/>
+            <a:r>
+              <a:rPr lang="de-DE"/>
+              <a:t>29.06.2023</a:t>
+            </a:r>
           </a:p>
         </p:txBody>
       </p:sp>
@@ -4360,12 +4415,150 @@
           </a:p>
         </p:txBody>
       </p:sp>
+      <p:sp>
+        <p:nvSpPr>
+          <p:cNvPr id="10" name="Textfeld 9">
+            <a:extLst>
+              <a:ext uri="{FF2B5EF4-FFF2-40B4-BE49-F238E27FC236}">
+                <a16:creationId xmlns:a16="http://schemas.microsoft.com/office/drawing/2014/main" id="{94E007A3-6029-5841-9DA5-920184B56AC3}"/>
+              </a:ext>
+            </a:extLst>
+          </p:cNvPr>
+          <p:cNvSpPr txBox="1"/>
+          <p:nvPr/>
+        </p:nvSpPr>
+        <p:spPr>
+          <a:xfrm>
+            <a:off x="6460222" y="4824475"/>
+            <a:ext cx="1215705" cy="923330"/>
+          </a:xfrm>
+          <a:prstGeom prst="rect">
+            <a:avLst/>
+          </a:prstGeom>
+          <a:noFill/>
+        </p:spPr>
+        <p:txBody>
+          <a:bodyPr wrap="square" rtlCol="0">
+            <a:spAutoFit/>
+          </a:bodyPr>
+          <a:lstStyle/>
+          <a:p>
+            <a:r>
+              <a:rPr lang="de-DE" dirty="0"/>
+              <a:t>4: 99.85%</a:t>
+            </a:r>
+            <a:br>
+              <a:rPr lang="de-DE" dirty="0"/>
+            </a:br>
+            <a:r>
+              <a:rPr lang="de-DE" dirty="0"/>
+              <a:t>Y: 0.04%</a:t>
+            </a:r>
+            <a:br>
+              <a:rPr lang="de-DE" dirty="0"/>
+            </a:br>
+            <a:r>
+              <a:rPr lang="de-DE" dirty="0"/>
+              <a:t>q: 0.04%</a:t>
+            </a:r>
+          </a:p>
+        </p:txBody>
+      </p:sp>
+      <p:sp>
+        <p:nvSpPr>
+          <p:cNvPr id="7" name="Rechteck 6">
+            <a:extLst>
+              <a:ext uri="{FF2B5EF4-FFF2-40B4-BE49-F238E27FC236}">
+                <a16:creationId xmlns:a16="http://schemas.microsoft.com/office/drawing/2014/main" id="{B24C9B1F-09E5-E39C-B7AC-1F39BFF34FC1}"/>
+              </a:ext>
+            </a:extLst>
+          </p:cNvPr>
+          <p:cNvSpPr/>
+          <p:nvPr/>
+        </p:nvSpPr>
+        <p:spPr>
+          <a:xfrm>
+            <a:off x="6460223" y="4824476"/>
+            <a:ext cx="1073092" cy="923330"/>
+          </a:xfrm>
+          <a:prstGeom prst="rect">
+            <a:avLst/>
+          </a:prstGeom>
+          <a:noFill/>
+        </p:spPr>
+        <p:style>
+          <a:lnRef idx="2">
+            <a:schemeClr val="accent1">
+              <a:shade val="15000"/>
+            </a:schemeClr>
+          </a:lnRef>
+          <a:fillRef idx="1">
+            <a:schemeClr val="accent1"/>
+          </a:fillRef>
+          <a:effectRef idx="0">
+            <a:schemeClr val="accent1"/>
+          </a:effectRef>
+          <a:fontRef idx="minor">
+            <a:schemeClr val="lt1"/>
+          </a:fontRef>
+        </p:style>
+        <p:txBody>
+          <a:bodyPr rtlCol="0" anchor="ctr"/>
+          <a:lstStyle/>
+          <a:p>
+            <a:pPr algn="ctr"/>
+            <a:endParaRPr lang="de-DE"/>
+          </a:p>
+        </p:txBody>
+      </p:sp>
+      <p:cxnSp>
+        <p:nvCxnSpPr>
+          <p:cNvPr id="11" name="Gerade Verbindung mit Pfeil 10">
+            <a:extLst>
+              <a:ext uri="{FF2B5EF4-FFF2-40B4-BE49-F238E27FC236}">
+                <a16:creationId xmlns:a16="http://schemas.microsoft.com/office/drawing/2014/main" id="{7916F31B-8B48-F7DD-BB77-A87235CC375A}"/>
+              </a:ext>
+            </a:extLst>
+          </p:cNvPr>
+          <p:cNvCxnSpPr/>
+          <p:nvPr/>
+        </p:nvCxnSpPr>
+        <p:spPr>
+          <a:xfrm flipH="1">
+            <a:off x="7533315" y="5209563"/>
+            <a:ext cx="829810" cy="0"/>
+          </a:xfrm>
+          <a:prstGeom prst="straightConnector1">
+            <a:avLst/>
+          </a:prstGeom>
+          <a:ln w="28575">
+            <a:solidFill>
+              <a:schemeClr val="tx1"/>
+            </a:solidFill>
+            <a:tailEnd type="triangle"/>
+          </a:ln>
+        </p:spPr>
+        <p:style>
+          <a:lnRef idx="1">
+            <a:schemeClr val="accent1"/>
+          </a:lnRef>
+          <a:fillRef idx="0">
+            <a:schemeClr val="accent1"/>
+          </a:fillRef>
+          <a:effectRef idx="0">
+            <a:schemeClr val="accent1"/>
+          </a:effectRef>
+          <a:fontRef idx="minor">
+            <a:schemeClr val="tx1"/>
+          </a:fontRef>
+        </p:style>
+      </p:cxnSp>
       <p:pic>
         <p:nvPicPr>
-          <p:cNvPr id="8" name="Grafik 7" descr="Ein Bild, das Screenshot, Text, Design enthält.&#10;&#10;Automatisch generierte Beschreibung">
-            <a:extLst>
-              <a:ext uri="{FF2B5EF4-FFF2-40B4-BE49-F238E27FC236}">
-                <a16:creationId xmlns:a16="http://schemas.microsoft.com/office/drawing/2014/main" id="{45728304-E4C7-E0E1-D0DC-3539BFFBCEDE}"/>
+          <p:cNvPr id="13" name="Grafik 12" descr="Ein Bild, das Text, Screenshot, Schrift, Design enthält.&#10;&#10;Automatisch generierte Beschreibung">
+            <a:extLst>
+              <a:ext uri="{FF2B5EF4-FFF2-40B4-BE49-F238E27FC236}">
+                <a16:creationId xmlns:a16="http://schemas.microsoft.com/office/drawing/2014/main" id="{31884921-DBB8-8E15-C5F7-642B65E3ABD2}"/>
               </a:ext>
             </a:extLst>
           </p:cNvPr>
@@ -4388,63 +4581,14 @@
         </p:blipFill>
         <p:spPr>
           <a:xfrm>
-            <a:off x="8363125" y="595745"/>
-            <a:ext cx="2719814" cy="5666509"/>
+            <a:off x="8363125" y="365125"/>
+            <a:ext cx="2913210" cy="6069435"/>
           </a:xfrm>
           <a:prstGeom prst="rect">
             <a:avLst/>
           </a:prstGeom>
         </p:spPr>
       </p:pic>
-      <p:sp>
-        <p:nvSpPr>
-          <p:cNvPr id="10" name="Textfeld 9">
-            <a:extLst>
-              <a:ext uri="{FF2B5EF4-FFF2-40B4-BE49-F238E27FC236}">
-                <a16:creationId xmlns:a16="http://schemas.microsoft.com/office/drawing/2014/main" id="{94E007A3-6029-5841-9DA5-920184B56AC3}"/>
-              </a:ext>
-            </a:extLst>
-          </p:cNvPr>
-          <p:cNvSpPr txBox="1"/>
-          <p:nvPr/>
-        </p:nvSpPr>
-        <p:spPr>
-          <a:xfrm>
-            <a:off x="7239699" y="4765752"/>
-            <a:ext cx="1215705" cy="923330"/>
-          </a:xfrm>
-          <a:prstGeom prst="rect">
-            <a:avLst/>
-          </a:prstGeom>
-          <a:noFill/>
-        </p:spPr>
-        <p:txBody>
-          <a:bodyPr wrap="square" rtlCol="0">
-            <a:spAutoFit/>
-          </a:bodyPr>
-          <a:lstStyle/>
-          <a:p>
-            <a:r>
-              <a:rPr lang="de-DE" dirty="0"/>
-              <a:t>4: 98.75%</a:t>
-            </a:r>
-            <a:br>
-              <a:rPr lang="de-DE" dirty="0"/>
-            </a:br>
-            <a:r>
-              <a:rPr lang="de-DE" dirty="0"/>
-              <a:t>9: 0.77%</a:t>
-            </a:r>
-            <a:br>
-              <a:rPr lang="de-DE" dirty="0"/>
-            </a:br>
-            <a:r>
-              <a:rPr lang="de-DE" dirty="0"/>
-              <a:t>q: 0.39%</a:t>
-            </a:r>
-          </a:p>
-        </p:txBody>
-      </p:sp>
     </p:spTree>
     <p:extLst>
       <p:ext uri="{BB962C8B-B14F-4D97-AF65-F5344CB8AC3E}">
@@ -4524,11 +4668,10 @@
           <a:bodyPr/>
           <a:lstStyle/>
           <a:p>
-            <a:fld id="{B79CD2A6-70F0-4B6C-A4AD-0BE6D21F5EE2}" type="datetime1">
-              <a:rPr lang="de-DE" smtClean="0"/>
-              <a:t>26.06.2023</a:t>
-            </a:fld>
-            <a:endParaRPr lang="de-DE"/>
+            <a:r>
+              <a:rPr lang="de-DE"/>
+              <a:t>29.06.2023</a:t>
+            </a:r>
           </a:p>
         </p:txBody>
       </p:sp>
@@ -5093,11 +5236,10 @@
           <a:bodyPr/>
           <a:lstStyle/>
           <a:p>
-            <a:fld id="{25118A72-986D-48C9-AAC8-AE8DB10EA9EB}" type="datetime1">
-              <a:rPr lang="de-DE" smtClean="0"/>
-              <a:t>26.06.2023</a:t>
-            </a:fld>
-            <a:endParaRPr lang="de-DE"/>
+            <a:r>
+              <a:rPr lang="de-DE"/>
+              <a:t>29.06.2023</a:t>
+            </a:r>
           </a:p>
         </p:txBody>
       </p:sp>
@@ -5540,8 +5682,8 @@
         </p:nvCxnSpPr>
         <p:spPr>
           <a:xfrm>
-            <a:off x="9211746" y="5071950"/>
-            <a:ext cx="110487" cy="522856"/>
+            <a:off x="9202723" y="5050172"/>
+            <a:ext cx="119510" cy="544634"/>
           </a:xfrm>
           <a:prstGeom prst="straightConnector1">
             <a:avLst/>
@@ -5630,15 +5772,7 @@
           <a:p>
             <a:r>
               <a:rPr lang="de-DE" sz="2000" b="1" dirty="0"/>
-              <a:t>    H  a   l </a:t>
-            </a:r>
-            <a:r>
-              <a:rPr lang="de-DE" sz="2000" b="1" dirty="0" err="1"/>
-              <a:t>l</a:t>
-            </a:r>
-            <a:r>
-              <a:rPr lang="de-DE" sz="2000" b="1" dirty="0"/>
-              <a:t>   O       W    e  l  t    Z   G     0    G     Z   0    2   3</a:t>
+              <a:t>    H  a   l l   O       W    e  l  t    Z   G     0    G     Z   0    2   3</a:t>
             </a:r>
           </a:p>
         </p:txBody>
@@ -5779,11 +5913,10 @@
           <a:bodyPr/>
           <a:lstStyle/>
           <a:p>
-            <a:fld id="{065DC3C3-A251-411D-9204-A665BD7B6442}" type="datetime1">
-              <a:rPr lang="de-DE" smtClean="0"/>
-              <a:t>26.06.2023</a:t>
-            </a:fld>
-            <a:endParaRPr lang="de-DE"/>
+            <a:r>
+              <a:rPr lang="de-DE"/>
+              <a:t>29.06.2023</a:t>
+            </a:r>
           </a:p>
         </p:txBody>
       </p:sp>
@@ -5928,11 +6061,10 @@
           <a:bodyPr/>
           <a:lstStyle/>
           <a:p>
-            <a:fld id="{3C622B7E-6CE7-414F-8907-A5BB078E8D6D}" type="datetime1">
-              <a:rPr lang="de-DE" smtClean="0"/>
-              <a:t>26.06.2023</a:t>
-            </a:fld>
-            <a:endParaRPr lang="de-DE"/>
+            <a:r>
+              <a:rPr lang="de-DE"/>
+              <a:t>29.06.2023</a:t>
+            </a:r>
           </a:p>
         </p:txBody>
       </p:sp>
@@ -6163,11 +6295,10 @@
           <a:bodyPr/>
           <a:lstStyle/>
           <a:p>
-            <a:fld id="{B05BEB5C-4BC9-43C8-BD10-326274D1CAA2}" type="datetime1">
-              <a:rPr lang="de-DE" smtClean="0"/>
-              <a:t>26.06.2023</a:t>
-            </a:fld>
-            <a:endParaRPr lang="de-DE"/>
+            <a:r>
+              <a:rPr lang="de-DE"/>
+              <a:t>29.06.2023</a:t>
+            </a:r>
           </a:p>
         </p:txBody>
       </p:sp>
@@ -6483,11 +6614,10 @@
           <a:bodyPr/>
           <a:lstStyle/>
           <a:p>
-            <a:fld id="{F086D00E-2AE6-42D7-9990-78C326B7BBE6}" type="datetime1">
-              <a:rPr lang="de-DE" smtClean="0"/>
-              <a:t>26.06.2023</a:t>
-            </a:fld>
-            <a:endParaRPr lang="de-DE"/>
+            <a:r>
+              <a:rPr lang="de-DE"/>
+              <a:t>29.06.2023</a:t>
+            </a:r>
           </a:p>
         </p:txBody>
       </p:sp>
@@ -6778,11 +6908,10 @@
           <a:bodyPr/>
           <a:lstStyle/>
           <a:p>
-            <a:fld id="{FD08A40C-BC3C-48C5-B9BF-B969D5F8E7C5}" type="datetime1">
-              <a:rPr lang="de-DE" smtClean="0"/>
-              <a:t>26.06.2023</a:t>
-            </a:fld>
-            <a:endParaRPr lang="de-DE"/>
+            <a:r>
+              <a:rPr lang="de-DE"/>
+              <a:t>29.06.2023</a:t>
+            </a:r>
           </a:p>
         </p:txBody>
       </p:sp>
@@ -8580,11 +8709,10 @@
           <a:bodyPr/>
           <a:lstStyle/>
           <a:p>
-            <a:fld id="{8C3FA6DE-6ED4-49FB-A765-F7984FCDBBCC}" type="datetime1">
-              <a:rPr lang="de-DE" smtClean="0"/>
-              <a:t>26.06.2023</a:t>
-            </a:fld>
-            <a:endParaRPr lang="de-DE"/>
+            <a:r>
+              <a:rPr lang="de-DE"/>
+              <a:t>29.06.2023</a:t>
+            </a:r>
           </a:p>
         </p:txBody>
       </p:sp>
@@ -8817,11 +8945,10 @@
           <a:bodyPr/>
           <a:lstStyle/>
           <a:p>
-            <a:fld id="{AEFEC425-9E01-464A-8616-98A84DF87E39}" type="datetime1">
-              <a:rPr lang="de-DE" smtClean="0"/>
-              <a:t>26.06.2023</a:t>
-            </a:fld>
-            <a:endParaRPr lang="de-DE"/>
+            <a:r>
+              <a:rPr lang="de-DE"/>
+              <a:t>29.06.2023</a:t>
+            </a:r>
           </a:p>
         </p:txBody>
       </p:sp>
@@ -9522,11 +9649,10 @@
           <a:bodyPr/>
           <a:lstStyle/>
           <a:p>
-            <a:fld id="{25118A72-986D-48C9-AAC8-AE8DB10EA9EB}" type="datetime1">
-              <a:rPr lang="de-DE" smtClean="0"/>
-              <a:t>26.06.2023</a:t>
-            </a:fld>
-            <a:endParaRPr lang="de-DE"/>
+            <a:r>
+              <a:rPr lang="de-DE"/>
+              <a:t>29.06.2023</a:t>
+            </a:r>
           </a:p>
         </p:txBody>
       </p:sp>
@@ -11320,11 +11446,10 @@
           <a:bodyPr/>
           <a:lstStyle/>
           <a:p>
-            <a:fld id="{25118A72-986D-48C9-AAC8-AE8DB10EA9EB}" type="datetime1">
-              <a:rPr lang="de-DE" smtClean="0"/>
-              <a:t>26.06.2023</a:t>
-            </a:fld>
-            <a:endParaRPr lang="de-DE"/>
+            <a:r>
+              <a:rPr lang="de-DE"/>
+              <a:t>29.06.2023</a:t>
+            </a:r>
           </a:p>
         </p:txBody>
       </p:sp>
@@ -11553,11 +11678,10 @@
           <a:bodyPr/>
           <a:lstStyle/>
           <a:p>
-            <a:fld id="{25118A72-986D-48C9-AAC8-AE8DB10EA9EB}" type="datetime1">
-              <a:rPr lang="de-DE" smtClean="0"/>
-              <a:t>26.06.2023</a:t>
-            </a:fld>
-            <a:endParaRPr lang="de-DE"/>
+            <a:r>
+              <a:rPr lang="de-DE"/>
+              <a:t>29.06.2023</a:t>
+            </a:r>
           </a:p>
         </p:txBody>
       </p:sp>

--- a/doc/meilensteine/MS4.pptx
+++ b/doc/meilensteine/MS4.pptx
@@ -211,7 +211,7 @@
           <a:p>
             <a:fld id="{6A40C5B6-A996-4856-B7EE-1D4FA1E26334}" type="datetimeFigureOut">
               <a:rPr lang="de-DE" smtClean="0"/>
-              <a:t>27.06.2023</a:t>
+              <a:t>28.06.2023</a:t>
             </a:fld>
             <a:endParaRPr lang="de-DE"/>
           </a:p>
@@ -4642,7 +4642,7 @@
           <a:p>
             <a:r>
               <a:rPr lang="de-DE" dirty="0"/>
-              <a:t>Beispiel Single</a:t>
+              <a:t>Beispiel Single Image Classification</a:t>
             </a:r>
           </a:p>
         </p:txBody>
@@ -5101,12 +5101,22 @@
         </p:nvSpPr>
         <p:spPr/>
         <p:txBody>
-          <a:bodyPr/>
-          <a:lstStyle/>
-          <a:p>
-            <a:r>
-              <a:rPr lang="de-DE" dirty="0"/>
-              <a:t>Beispiel Multi</a:t>
+          <a:bodyPr>
+            <a:normAutofit/>
+          </a:bodyPr>
+          <a:lstStyle/>
+          <a:p>
+            <a:r>
+              <a:rPr lang="de-DE" sz="3200" dirty="0"/>
+              <a:t>Beispiel „</a:t>
+            </a:r>
+            <a:r>
+              <a:rPr lang="de-DE" sz="3200" dirty="0" err="1"/>
+              <a:t>Tesseract</a:t>
+            </a:r>
+            <a:r>
+              <a:rPr lang="de-DE" sz="3200" dirty="0"/>
+              <a:t> Mode“</a:t>
             </a:r>
           </a:p>
         </p:txBody>
@@ -6201,7 +6211,9 @@
         </p:nvSpPr>
         <p:spPr/>
         <p:txBody>
-          <a:bodyPr/>
+          <a:bodyPr>
+            <a:normAutofit/>
+          </a:bodyPr>
           <a:lstStyle/>
           <a:p>
             <a:r>
